--- a/doc/RIA/TIW_PRJ5_2020_2021_v1.pptx
+++ b/doc/RIA/TIW_PRJ5_2020_2021_v1.pptx
@@ -7,13 +7,25 @@
   <p:sldIdLst>
     <p:sldId id="256" r:id="rId5"/>
     <p:sldId id="257" r:id="rId6"/>
-    <p:sldId id="258" r:id="rId7"/>
-    <p:sldId id="259" r:id="rId8"/>
-    <p:sldId id="260" r:id="rId9"/>
-    <p:sldId id="261" r:id="rId10"/>
-    <p:sldId id="262" r:id="rId11"/>
-    <p:sldId id="263" r:id="rId12"/>
-    <p:sldId id="264" r:id="rId13"/>
+    <p:sldId id="277" r:id="rId7"/>
+    <p:sldId id="258" r:id="rId8"/>
+    <p:sldId id="259" r:id="rId9"/>
+    <p:sldId id="260" r:id="rId10"/>
+    <p:sldId id="261" r:id="rId11"/>
+    <p:sldId id="262" r:id="rId12"/>
+    <p:sldId id="263" r:id="rId13"/>
+    <p:sldId id="264" r:id="rId14"/>
+    <p:sldId id="278" r:id="rId15"/>
+    <p:sldId id="265" r:id="rId16"/>
+    <p:sldId id="266" r:id="rId17"/>
+    <p:sldId id="269" r:id="rId18"/>
+    <p:sldId id="270" r:id="rId19"/>
+    <p:sldId id="271" r:id="rId20"/>
+    <p:sldId id="272" r:id="rId21"/>
+    <p:sldId id="273" r:id="rId22"/>
+    <p:sldId id="274" r:id="rId23"/>
+    <p:sldId id="275" r:id="rId24"/>
+    <p:sldId id="276" r:id="rId25"/>
   </p:sldIdLst>
   <p:sldSz cx="12192000" cy="6858000"/>
   <p:notesSz cx="6858000" cy="9144000"/>
@@ -112,6 +124,11 @@
       </a:defRPr>
     </a:lvl9pPr>
   </p:defaultTextStyle>
+  <p:extLst>
+    <p:ext uri="{EFAFB233-063F-42B5-8137-9DF3F51BA10A}">
+      <p15:sldGuideLst xmlns:p15="http://schemas.microsoft.com/office/powerpoint/2012/main"/>
+    </p:ext>
+  </p:extLst>
 </p:presentation>
 </file>
 
@@ -210,7 +227,7 @@
           <a:effectLst/>
           <a:extLst>
             <a:ext uri="{91240B29-F687-4f45-9708-019B960494DF}">
-              <a14:hiddenLine xmlns:a14="http://schemas.microsoft.com/office/drawing/2010/main" xmlns="" w="9525">
+              <a14:hiddenLine xmlns="" xmlns:a14="http://schemas.microsoft.com/office/drawing/2010/main" w="9525">
                 <a:solidFill>
                   <a:srgbClr val="000000"/>
                 </a:solidFill>
@@ -403,7 +420,7 @@
             <a:fld id="{08B9EBBA-996F-894A-B54A-D6246ED52CEA}" type="datetimeFigureOut">
               <a:rPr lang="en-US" dirty="0"/>
               <a:pPr/>
-              <a:t>6/17/2021</a:t>
+              <a:t>7/19/2021</a:t>
             </a:fld>
             <a:endParaRPr lang="en-US" dirty="0"/>
           </a:p>
@@ -718,7 +735,7 @@
             <a:fld id="{18C79C5D-2A6F-F04D-97DA-BEF2467B64E4}" type="datetimeFigureOut">
               <a:rPr lang="en-US" dirty="0"/>
               <a:pPr/>
-              <a:t>6/17/2021</a:t>
+              <a:t>7/19/2021</a:t>
             </a:fld>
             <a:endParaRPr lang="en-US" dirty="0"/>
           </a:p>
@@ -1203,7 +1220,7 @@
             <a:fld id="{8DFA1846-DA80-1C48-A609-854EA85C59AD}" type="datetimeFigureOut">
               <a:rPr lang="en-US" dirty="0"/>
               <a:pPr/>
-              <a:t>6/17/2021</a:t>
+              <a:t>7/19/2021</a:t>
             </a:fld>
             <a:endParaRPr lang="en-US" dirty="0"/>
           </a:p>
@@ -1569,7 +1586,7 @@
             <a:fld id="{FBF54567-0DE4-3F47-BF90-CB84690072F9}" type="datetimeFigureOut">
               <a:rPr lang="en-US" dirty="0"/>
               <a:pPr/>
-              <a:t>6/17/2021</a:t>
+              <a:t>7/19/2021</a:t>
             </a:fld>
             <a:endParaRPr lang="en-US" dirty="0"/>
           </a:p>
@@ -1720,7 +1737,7 @@
           <a:ln/>
           <a:extLst>
             <a:ext uri="{91240B29-F687-4f45-9708-019B960494DF}">
-              <a14:hiddenLine xmlns:a14="http://schemas.microsoft.com/office/drawing/2010/main" xmlns="" w="9525">
+              <a14:hiddenLine xmlns="" xmlns:a14="http://schemas.microsoft.com/office/drawing/2010/main" w="9525">
                 <a:solidFill>
                   <a:srgbClr val="000000"/>
                 </a:solidFill>
@@ -1839,7 +1856,7 @@
             <a:fld id="{C6C52C72-DE31-F449-A4ED-4C594FD91407}" type="datetimeFigureOut">
               <a:rPr lang="en-US" dirty="0"/>
               <a:pPr/>
-              <a:t>6/17/2021</a:t>
+              <a:t>7/19/2021</a:t>
             </a:fld>
             <a:endParaRPr lang="en-US" dirty="0"/>
           </a:p>
@@ -1992,7 +2009,7 @@
           <a:ln/>
           <a:extLst>
             <a:ext uri="{91240B29-F687-4f45-9708-019B960494DF}">
-              <a14:hiddenLine xmlns:a14="http://schemas.microsoft.com/office/drawing/2010/main" xmlns="" w="9525">
+              <a14:hiddenLine xmlns="" xmlns:a14="http://schemas.microsoft.com/office/drawing/2010/main" w="9525">
                 <a:solidFill>
                   <a:srgbClr val="000000"/>
                 </a:solidFill>
@@ -2121,7 +2138,7 @@
             <a:fld id="{ED62726E-379B-B349-9EED-81ED093FA806}" type="datetimeFigureOut">
               <a:rPr lang="en-US" dirty="0"/>
               <a:pPr/>
-              <a:t>6/17/2021</a:t>
+              <a:t>7/19/2021</a:t>
             </a:fld>
             <a:endParaRPr lang="en-US" dirty="0"/>
           </a:p>
@@ -2272,7 +2289,7 @@
           <a:ln/>
           <a:extLst>
             <a:ext uri="{91240B29-F687-4f45-9708-019B960494DF}">
-              <a14:hiddenLine xmlns:a14="http://schemas.microsoft.com/office/drawing/2010/main" xmlns="" w="9525">
+              <a14:hiddenLine xmlns="" xmlns:a14="http://schemas.microsoft.com/office/drawing/2010/main" w="9525">
                 <a:solidFill>
                   <a:srgbClr val="000000"/>
                 </a:solidFill>
@@ -2401,7 +2418,7 @@
             <a:fld id="{9B3A1323-8D79-1946-B0D7-40001CF92E9D}" type="datetimeFigureOut">
               <a:rPr lang="en-US" dirty="0"/>
               <a:pPr/>
-              <a:t>6/17/2021</a:t>
+              <a:t>7/19/2021</a:t>
             </a:fld>
             <a:endParaRPr lang="en-US" dirty="0"/>
           </a:p>
@@ -2741,7 +2758,7 @@
             <a:fld id="{8DFA1846-DA80-1C48-A609-854EA85C59AD}" type="datetimeFigureOut">
               <a:rPr lang="en-US" dirty="0"/>
               <a:pPr/>
-              <a:t>6/17/2021</a:t>
+              <a:t>7/19/2021</a:t>
             </a:fld>
             <a:endParaRPr lang="en-US" dirty="0"/>
           </a:p>
@@ -2892,7 +2909,7 @@
           <a:ln/>
           <a:extLst>
             <a:ext uri="{91240B29-F687-4f45-9708-019B960494DF}">
-              <a14:hiddenLine xmlns:a14="http://schemas.microsoft.com/office/drawing/2010/main" xmlns="" w="9525">
+              <a14:hiddenLine xmlns="" xmlns:a14="http://schemas.microsoft.com/office/drawing/2010/main" w="9525">
                 <a:solidFill>
                   <a:srgbClr val="000000"/>
                 </a:solidFill>
@@ -3077,7 +3094,7 @@
             <a:fld id="{57302355-E14B-8545-A8F8-0FE83CC9D524}" type="datetimeFigureOut">
               <a:rPr lang="en-US" dirty="0"/>
               <a:pPr/>
-              <a:t>6/17/2021</a:t>
+              <a:t>7/19/2021</a:t>
             </a:fld>
             <a:endParaRPr lang="en-US" dirty="0"/>
           </a:p>
@@ -3228,7 +3245,7 @@
           <a:ln/>
           <a:extLst>
             <a:ext uri="{91240B29-F687-4f45-9708-019B960494DF}">
-              <a14:hiddenLine xmlns:a14="http://schemas.microsoft.com/office/drawing/2010/main" xmlns="" w="9525">
+              <a14:hiddenLine xmlns="" xmlns:a14="http://schemas.microsoft.com/office/drawing/2010/main" w="9525">
                 <a:solidFill>
                   <a:srgbClr val="000000"/>
                 </a:solidFill>
@@ -3551,7 +3568,7 @@
             <a:fld id="{02640F58-564D-2B4F-AE67-E407BA4FCF45}" type="datetimeFigureOut">
               <a:rPr lang="en-US" dirty="0"/>
               <a:pPr/>
-              <a:t>6/17/2021</a:t>
+              <a:t>7/19/2021</a:t>
             </a:fld>
             <a:endParaRPr lang="en-US" dirty="0"/>
           </a:p>
@@ -3702,7 +3719,7 @@
           <a:ln/>
           <a:extLst>
             <a:ext uri="{91240B29-F687-4f45-9708-019B960494DF}">
-              <a14:hiddenLine xmlns:a14="http://schemas.microsoft.com/office/drawing/2010/main" xmlns="" w="9525">
+              <a14:hiddenLine xmlns="" xmlns:a14="http://schemas.microsoft.com/office/drawing/2010/main" w="9525">
                 <a:solidFill>
                   <a:srgbClr val="000000"/>
                 </a:solidFill>
@@ -3769,7 +3786,7 @@
             <a:fld id="{F13A34C8-038E-2045-AF43-DF7DBB8E0E9E}" type="datetimeFigureOut">
               <a:rPr lang="en-US" dirty="0"/>
               <a:pPr/>
-              <a:t>6/17/2021</a:t>
+              <a:t>7/19/2021</a:t>
             </a:fld>
             <a:endParaRPr lang="en-US" dirty="0"/>
           </a:p>
@@ -3861,7 +3878,7 @@
             <a:fld id="{8818C68F-D26B-8F47-958C-23B49CF8A634}" type="datetimeFigureOut">
               <a:rPr lang="en-US" dirty="0"/>
               <a:pPr/>
-              <a:t>6/17/2021</a:t>
+              <a:t>7/19/2021</a:t>
             </a:fld>
             <a:endParaRPr lang="en-US" dirty="0"/>
           </a:p>
@@ -4125,7 +4142,7 @@
           <a:ln/>
           <a:extLst>
             <a:ext uri="{91240B29-F687-4f45-9708-019B960494DF}">
-              <a14:hiddenLine xmlns:a14="http://schemas.microsoft.com/office/drawing/2010/main" xmlns="" w="9525">
+              <a14:hiddenLine xmlns="" xmlns:a14="http://schemas.microsoft.com/office/drawing/2010/main" w="9525">
                 <a:solidFill>
                   <a:srgbClr val="000000"/>
                 </a:solidFill>
@@ -4325,7 +4342,7 @@
             <a:fld id="{D0DF5E60-9974-AC48-9591-99C2BB44B7CF}" type="datetimeFigureOut">
               <a:rPr lang="en-US" dirty="0"/>
               <a:pPr/>
-              <a:t>6/17/2021</a:t>
+              <a:t>7/19/2021</a:t>
             </a:fld>
             <a:endParaRPr lang="en-US" dirty="0"/>
           </a:p>
@@ -4635,7 +4652,7 @@
             <a:fld id="{18C79C5D-2A6F-F04D-97DA-BEF2467B64E4}" type="datetimeFigureOut">
               <a:rPr lang="en-US" dirty="0"/>
               <a:pPr/>
-              <a:t>6/17/2021</a:t>
+              <a:t>7/19/2021</a:t>
             </a:fld>
             <a:endParaRPr lang="en-US" dirty="0"/>
           </a:p>
@@ -4902,7 +4919,7 @@
             <a:fld id="{09B482E8-6E0E-1B4F-B1FD-C69DB9E858D9}" type="datetimeFigureOut">
               <a:rPr lang="en-US" dirty="0"/>
               <a:pPr/>
-              <a:t>6/17/2021</a:t>
+              <a:t>7/19/2021</a:t>
             </a:fld>
             <a:endParaRPr lang="en-US" dirty="0"/>
           </a:p>
@@ -5400,8 +5417,29 @@
           </a:xfrm>
         </p:spPr>
         <p:txBody>
-          <a:bodyPr/>
+          <a:bodyPr>
+            <a:normAutofit fontScale="85000" lnSpcReduction="20000"/>
+          </a:bodyPr>
           <a:lstStyle/>
+          <a:p>
+            <a:r>
+              <a:rPr lang="en-US" dirty="0" smtClean="0"/>
+              <a:t>Prof. </a:t>
+            </a:r>
+            <a:r>
+              <a:rPr lang="en-US" dirty="0" err="1" smtClean="0"/>
+              <a:t>Piero</a:t>
+            </a:r>
+            <a:r>
+              <a:rPr lang="en-US" dirty="0" smtClean="0"/>
+              <a:t> </a:t>
+            </a:r>
+            <a:r>
+              <a:rPr lang="en-US" dirty="0" err="1" smtClean="0"/>
+              <a:t>Fraternali</a:t>
+            </a:r>
+            <a:endParaRPr lang="en-US" dirty="0" smtClean="0"/>
+          </a:p>
           <a:p>
             <a:r>
               <a:rPr lang="en-US" dirty="0" err="1" smtClean="0"/>
@@ -5445,6 +5483,2260 @@
     <p:extLst>
       <p:ext uri="{BB962C8B-B14F-4D97-AF65-F5344CB8AC3E}">
         <p14:creationId xmlns:p14="http://schemas.microsoft.com/office/powerpoint/2010/main" val="492950990"/>
+      </p:ext>
+    </p:extLst>
+  </p:cSld>
+  <p:clrMapOvr>
+    <a:masterClrMapping/>
+  </p:clrMapOvr>
+</p:sld>
+</file>
+
+<file path=ppt/slides/slide10.xml><?xml version="1.0" encoding="utf-8"?>
+<p:sld xmlns:a="http://schemas.openxmlformats.org/drawingml/2006/main" xmlns:r="http://schemas.openxmlformats.org/officeDocument/2006/relationships" xmlns:p="http://schemas.openxmlformats.org/presentationml/2006/main">
+  <p:cSld>
+    <p:spTree>
+      <p:nvGrpSpPr>
+        <p:cNvPr id="1" name=""/>
+        <p:cNvGrpSpPr/>
+        <p:nvPr/>
+      </p:nvGrpSpPr>
+      <p:grpSpPr>
+        <a:xfrm>
+          <a:off x="0" y="0"/>
+          <a:ext cx="0" cy="0"/>
+          <a:chOff x="0" y="0"/>
+          <a:chExt cx="0" cy="0"/>
+        </a:xfrm>
+      </p:grpSpPr>
+      <p:sp>
+        <p:nvSpPr>
+          <p:cNvPr id="2" name="Titolo 1">
+            <a:extLst>
+              <a:ext uri="{FF2B5EF4-FFF2-40B4-BE49-F238E27FC236}">
+                <a16:creationId xmlns:a16="http://schemas.microsoft.com/office/drawing/2014/main" id="{DC13C413-FB6E-489C-9C48-1A30E24B23FB}"/>
+              </a:ext>
+            </a:extLst>
+          </p:cNvPr>
+          <p:cNvSpPr>
+            <a:spLocks noGrp="1"/>
+          </p:cNvSpPr>
+          <p:nvPr>
+            <p:ph type="title"/>
+          </p:nvPr>
+        </p:nvSpPr>
+        <p:spPr>
+          <a:xfrm>
+            <a:off x="424543" y="571285"/>
+            <a:ext cx="11482251" cy="970450"/>
+          </a:xfrm>
+        </p:spPr>
+        <p:txBody>
+          <a:bodyPr/>
+          <a:lstStyle/>
+          <a:p>
+            <a:r>
+              <a:rPr lang="it-IT" dirty="0"/>
+              <a:t>Server side</a:t>
+            </a:r>
+            <a:br>
+              <a:rPr lang="it-IT" dirty="0"/>
+            </a:br>
+            <a:r>
+              <a:rPr lang="it-IT" dirty="0" smtClean="0"/>
+              <a:t>Componenti Views</a:t>
+            </a:r>
+            <a:endParaRPr lang="it-IT" dirty="0"/>
+          </a:p>
+        </p:txBody>
+      </p:sp>
+      <p:sp>
+        <p:nvSpPr>
+          <p:cNvPr id="3" name="Segnaposto contenuto 2">
+            <a:extLst>
+              <a:ext uri="{FF2B5EF4-FFF2-40B4-BE49-F238E27FC236}">
+                <a16:creationId xmlns:a16="http://schemas.microsoft.com/office/drawing/2014/main" id="{55785B7F-9E12-4C7C-91AE-A6F833B22573}"/>
+              </a:ext>
+            </a:extLst>
+          </p:cNvPr>
+          <p:cNvSpPr>
+            <a:spLocks noGrp="1"/>
+          </p:cNvSpPr>
+          <p:nvPr>
+            <p:ph idx="1"/>
+          </p:nvPr>
+        </p:nvSpPr>
+        <p:spPr>
+          <a:xfrm>
+            <a:off x="986245" y="2279377"/>
+            <a:ext cx="4604803" cy="4127110"/>
+          </a:xfrm>
+        </p:spPr>
+        <p:txBody>
+          <a:bodyPr anchor="t">
+            <a:normAutofit/>
+          </a:bodyPr>
+          <a:lstStyle/>
+          <a:p>
+            <a:r>
+              <a:rPr lang="it-IT" b="1" dirty="0"/>
+              <a:t>HTML</a:t>
+            </a:r>
+          </a:p>
+          <a:p>
+            <a:pPr lvl="1">
+              <a:buFont typeface="Wingdings" panose="05000000000000000000" pitchFamily="2" charset="2"/>
+              <a:buChar char="Ø"/>
+            </a:pPr>
+            <a:r>
+              <a:rPr lang="it-IT" dirty="0" smtClean="0"/>
+              <a:t>login.html</a:t>
+            </a:r>
+          </a:p>
+          <a:p>
+            <a:pPr lvl="1">
+              <a:buFont typeface="Wingdings" panose="05000000000000000000" pitchFamily="2" charset="2"/>
+              <a:buChar char="Ø"/>
+            </a:pPr>
+            <a:r>
+              <a:rPr lang="it-IT" dirty="0" smtClean="0"/>
+              <a:t>home.html</a:t>
+            </a:r>
+            <a:endParaRPr lang="it-IT" dirty="0" smtClean="0"/>
+          </a:p>
+          <a:p>
+            <a:pPr lvl="1">
+              <a:buFont typeface="Wingdings" panose="05000000000000000000" pitchFamily="2" charset="2"/>
+              <a:buChar char="Ø"/>
+            </a:pPr>
+            <a:endParaRPr lang="it-IT" dirty="0" smtClean="0"/>
+          </a:p>
+          <a:p>
+            <a:pPr lvl="1">
+              <a:buFont typeface="Wingdings" panose="05000000000000000000" pitchFamily="2" charset="2"/>
+              <a:buChar char="Ø"/>
+            </a:pPr>
+            <a:endParaRPr lang="it-IT" dirty="0"/>
+          </a:p>
+        </p:txBody>
+      </p:sp>
+      <p:sp>
+        <p:nvSpPr>
+          <p:cNvPr id="4" name="Segnaposto numero diapositiva 3">
+            <a:extLst>
+              <a:ext uri="{FF2B5EF4-FFF2-40B4-BE49-F238E27FC236}">
+                <a16:creationId xmlns:a16="http://schemas.microsoft.com/office/drawing/2014/main" id="{9DC9C904-F50B-4D89-8B66-A757CCA54B61}"/>
+              </a:ext>
+            </a:extLst>
+          </p:cNvPr>
+          <p:cNvSpPr>
+            <a:spLocks noGrp="1"/>
+          </p:cNvSpPr>
+          <p:nvPr>
+            <p:ph type="sldNum" sz="quarter" idx="12"/>
+          </p:nvPr>
+        </p:nvSpPr>
+        <p:spPr/>
+        <p:txBody>
+          <a:bodyPr/>
+          <a:lstStyle/>
+          <a:p>
+            <a:fld id="{D57F1E4F-1CFF-5643-939E-217C01CDF565}" type="slidenum">
+              <a:rPr lang="en-US" smtClean="0"/>
+              <a:pPr/>
+              <a:t>10</a:t>
+            </a:fld>
+            <a:endParaRPr lang="en-US"/>
+          </a:p>
+        </p:txBody>
+      </p:sp>
+      <p:sp>
+        <p:nvSpPr>
+          <p:cNvPr id="5" name="Segnaposto contenuto 2">
+            <a:extLst>
+              <a:ext uri="{FF2B5EF4-FFF2-40B4-BE49-F238E27FC236}">
+                <a16:creationId xmlns:a16="http://schemas.microsoft.com/office/drawing/2014/main" id="{02FC0920-AB30-4A59-AAED-768D77C433E3}"/>
+              </a:ext>
+            </a:extLst>
+          </p:cNvPr>
+          <p:cNvSpPr txBox="1">
+            <a:spLocks/>
+          </p:cNvSpPr>
+          <p:nvPr/>
+        </p:nvSpPr>
+        <p:spPr>
+          <a:xfrm>
+            <a:off x="6498771" y="2279377"/>
+            <a:ext cx="4179560" cy="3951606"/>
+          </a:xfrm>
+          <a:prstGeom prst="rect">
+            <a:avLst/>
+          </a:prstGeom>
+          <a:effectLst>
+            <a:outerShdw blurRad="50800" dir="14400000">
+              <a:srgbClr val="000000">
+                <a:alpha val="40000"/>
+              </a:srgbClr>
+            </a:outerShdw>
+          </a:effectLst>
+        </p:spPr>
+        <p:txBody>
+          <a:bodyPr vert="horz" lIns="91440" tIns="45720" rIns="91440" bIns="45720" rtlCol="0" anchor="t">
+            <a:normAutofit/>
+          </a:bodyPr>
+          <a:lstStyle>
+            <a:lvl1pPr marL="342900" indent="-342900" algn="l" defTabSz="457200" rtl="0" eaLnBrk="1" latinLnBrk="0" hangingPunct="1">
+              <a:spcBef>
+                <a:spcPct val="20000"/>
+              </a:spcBef>
+              <a:spcAft>
+                <a:spcPts val="600"/>
+              </a:spcAft>
+              <a:buClr>
+                <a:schemeClr val="accent1"/>
+              </a:buClr>
+              <a:buFont typeface="Wingdings 2" charset="2"/>
+              <a:buChar char=""/>
+              <a:defRPr sz="1800" kern="1200">
+                <a:solidFill>
+                  <a:schemeClr val="tx1"/>
+                </a:solidFill>
+                <a:latin typeface="+mn-lt"/>
+                <a:ea typeface="+mn-ea"/>
+                <a:cs typeface="+mn-cs"/>
+              </a:defRPr>
+            </a:lvl1pPr>
+            <a:lvl2pPr marL="742950" indent="-285750" algn="l" defTabSz="457200" rtl="0" eaLnBrk="1" latinLnBrk="0" hangingPunct="1">
+              <a:spcBef>
+                <a:spcPct val="20000"/>
+              </a:spcBef>
+              <a:spcAft>
+                <a:spcPts val="600"/>
+              </a:spcAft>
+              <a:buClr>
+                <a:schemeClr val="accent1"/>
+              </a:buClr>
+              <a:buFont typeface="Wingdings 2" charset="2"/>
+              <a:buChar char=""/>
+              <a:defRPr sz="1600" kern="1200">
+                <a:solidFill>
+                  <a:schemeClr val="tx1"/>
+                </a:solidFill>
+                <a:latin typeface="+mn-lt"/>
+                <a:ea typeface="+mn-ea"/>
+                <a:cs typeface="+mn-cs"/>
+              </a:defRPr>
+            </a:lvl2pPr>
+            <a:lvl3pPr marL="1143000" indent="-228600" algn="l" defTabSz="457200" rtl="0" eaLnBrk="1" latinLnBrk="0" hangingPunct="1">
+              <a:spcBef>
+                <a:spcPct val="20000"/>
+              </a:spcBef>
+              <a:spcAft>
+                <a:spcPts val="600"/>
+              </a:spcAft>
+              <a:buClr>
+                <a:schemeClr val="accent1"/>
+              </a:buClr>
+              <a:buFont typeface="Wingdings 2" charset="2"/>
+              <a:buChar char=""/>
+              <a:defRPr sz="1400" kern="1200">
+                <a:solidFill>
+                  <a:schemeClr val="tx1"/>
+                </a:solidFill>
+                <a:latin typeface="+mn-lt"/>
+                <a:ea typeface="+mn-ea"/>
+                <a:cs typeface="+mn-cs"/>
+              </a:defRPr>
+            </a:lvl3pPr>
+            <a:lvl4pPr marL="1600200" indent="-228600" algn="l" defTabSz="457200" rtl="0" eaLnBrk="1" latinLnBrk="0" hangingPunct="1">
+              <a:spcBef>
+                <a:spcPct val="20000"/>
+              </a:spcBef>
+              <a:spcAft>
+                <a:spcPts val="600"/>
+              </a:spcAft>
+              <a:buClr>
+                <a:schemeClr val="accent1"/>
+              </a:buClr>
+              <a:buFont typeface="Wingdings 2" charset="2"/>
+              <a:buChar char=""/>
+              <a:defRPr sz="1200" kern="1200">
+                <a:solidFill>
+                  <a:schemeClr val="tx1"/>
+                </a:solidFill>
+                <a:latin typeface="+mn-lt"/>
+                <a:ea typeface="+mn-ea"/>
+                <a:cs typeface="+mn-cs"/>
+              </a:defRPr>
+            </a:lvl4pPr>
+            <a:lvl5pPr marL="2057400" indent="-228600" algn="l" defTabSz="457200" rtl="0" eaLnBrk="1" latinLnBrk="0" hangingPunct="1">
+              <a:spcBef>
+                <a:spcPct val="20000"/>
+              </a:spcBef>
+              <a:spcAft>
+                <a:spcPts val="600"/>
+              </a:spcAft>
+              <a:buClr>
+                <a:schemeClr val="accent1"/>
+              </a:buClr>
+              <a:buFont typeface="Wingdings 2" charset="2"/>
+              <a:buChar char=""/>
+              <a:defRPr sz="1200" kern="1200">
+                <a:solidFill>
+                  <a:schemeClr val="tx1"/>
+                </a:solidFill>
+                <a:latin typeface="+mn-lt"/>
+                <a:ea typeface="+mn-ea"/>
+                <a:cs typeface="+mn-cs"/>
+              </a:defRPr>
+            </a:lvl5pPr>
+            <a:lvl6pPr marL="2400000" indent="-228600" algn="l" defTabSz="457200" rtl="0" eaLnBrk="1" latinLnBrk="0" hangingPunct="1">
+              <a:spcBef>
+                <a:spcPct val="20000"/>
+              </a:spcBef>
+              <a:spcAft>
+                <a:spcPts val="600"/>
+              </a:spcAft>
+              <a:buClr>
+                <a:schemeClr val="accent1"/>
+              </a:buClr>
+              <a:buFont typeface="Wingdings 2" charset="2"/>
+              <a:buChar char=""/>
+              <a:defRPr sz="1200" kern="1200">
+                <a:solidFill>
+                  <a:schemeClr val="tx1"/>
+                </a:solidFill>
+                <a:latin typeface="+mn-lt"/>
+                <a:ea typeface="+mn-ea"/>
+                <a:cs typeface="+mn-cs"/>
+              </a:defRPr>
+            </a:lvl6pPr>
+            <a:lvl7pPr marL="2800000" indent="-228600" algn="l" defTabSz="457200" rtl="0" eaLnBrk="1" latinLnBrk="0" hangingPunct="1">
+              <a:spcBef>
+                <a:spcPct val="20000"/>
+              </a:spcBef>
+              <a:spcAft>
+                <a:spcPts val="600"/>
+              </a:spcAft>
+              <a:buClr>
+                <a:schemeClr val="accent1"/>
+              </a:buClr>
+              <a:buFont typeface="Wingdings 2" charset="2"/>
+              <a:buChar char=""/>
+              <a:defRPr sz="1200" kern="1200">
+                <a:solidFill>
+                  <a:schemeClr val="tx1"/>
+                </a:solidFill>
+                <a:latin typeface="+mn-lt"/>
+                <a:ea typeface="+mn-ea"/>
+                <a:cs typeface="+mn-cs"/>
+              </a:defRPr>
+            </a:lvl7pPr>
+            <a:lvl8pPr marL="3200000" indent="-228600" algn="l" defTabSz="457200" rtl="0" eaLnBrk="1" latinLnBrk="0" hangingPunct="1">
+              <a:spcBef>
+                <a:spcPct val="20000"/>
+              </a:spcBef>
+              <a:spcAft>
+                <a:spcPts val="600"/>
+              </a:spcAft>
+              <a:buClr>
+                <a:schemeClr val="accent1"/>
+              </a:buClr>
+              <a:buFont typeface="Wingdings 2" charset="2"/>
+              <a:buChar char=""/>
+              <a:defRPr sz="1200" kern="1200">
+                <a:solidFill>
+                  <a:schemeClr val="tx1"/>
+                </a:solidFill>
+                <a:latin typeface="+mn-lt"/>
+                <a:ea typeface="+mn-ea"/>
+                <a:cs typeface="+mn-cs"/>
+              </a:defRPr>
+            </a:lvl8pPr>
+            <a:lvl9pPr marL="3600000" indent="-228600" algn="l" defTabSz="457200" rtl="0" eaLnBrk="1" latinLnBrk="0" hangingPunct="1">
+              <a:spcBef>
+                <a:spcPct val="20000"/>
+              </a:spcBef>
+              <a:spcAft>
+                <a:spcPts val="600"/>
+              </a:spcAft>
+              <a:buClr>
+                <a:schemeClr val="accent1"/>
+              </a:buClr>
+              <a:buFont typeface="Wingdings 2" charset="2"/>
+              <a:buChar char=""/>
+              <a:defRPr sz="1200" kern="1200">
+                <a:solidFill>
+                  <a:schemeClr val="tx1"/>
+                </a:solidFill>
+                <a:latin typeface="+mn-lt"/>
+                <a:ea typeface="+mn-ea"/>
+                <a:cs typeface="+mn-cs"/>
+              </a:defRPr>
+            </a:lvl9pPr>
+          </a:lstStyle>
+          <a:p>
+            <a:r>
+              <a:rPr lang="it-IT" b="1" dirty="0"/>
+              <a:t>CSS</a:t>
+            </a:r>
+          </a:p>
+          <a:p>
+            <a:pPr lvl="1">
+              <a:buFont typeface="Wingdings" panose="05000000000000000000" pitchFamily="2" charset="2"/>
+              <a:buChar char="Ø"/>
+            </a:pPr>
+            <a:r>
+              <a:rPr lang="it-IT" dirty="0" smtClean="0"/>
+              <a:t>global.css</a:t>
+            </a:r>
+          </a:p>
+          <a:p>
+            <a:pPr lvl="1">
+              <a:buFont typeface="Wingdings" panose="05000000000000000000" pitchFamily="2" charset="2"/>
+              <a:buChar char="Ø"/>
+            </a:pPr>
+            <a:r>
+              <a:rPr lang="it-IT" dirty="0" smtClean="0"/>
+              <a:t>home.css</a:t>
+            </a:r>
+          </a:p>
+          <a:p>
+            <a:pPr lvl="1">
+              <a:buFont typeface="Wingdings" panose="05000000000000000000" pitchFamily="2" charset="2"/>
+              <a:buChar char="Ø"/>
+            </a:pPr>
+            <a:r>
+              <a:rPr lang="it-IT" dirty="0" smtClean="0"/>
+              <a:t>login.css</a:t>
+            </a:r>
+          </a:p>
+          <a:p>
+            <a:pPr lvl="1">
+              <a:buFont typeface="Wingdings" panose="05000000000000000000" pitchFamily="2" charset="2"/>
+              <a:buChar char="Ø"/>
+            </a:pPr>
+            <a:r>
+              <a:rPr lang="it-IT" dirty="0" smtClean="0"/>
+              <a:t>search-bar.css</a:t>
+            </a:r>
+          </a:p>
+          <a:p>
+            <a:pPr lvl="1">
+              <a:buFont typeface="Wingdings" panose="05000000000000000000" pitchFamily="2" charset="2"/>
+              <a:buChar char="Ø"/>
+            </a:pPr>
+            <a:r>
+              <a:rPr lang="it-IT" dirty="0" smtClean="0"/>
+              <a:t>navbar.css</a:t>
+            </a:r>
+          </a:p>
+          <a:p>
+            <a:pPr lvl="1">
+              <a:buFont typeface="Wingdings" panose="05000000000000000000" pitchFamily="2" charset="2"/>
+              <a:buChar char="Ø"/>
+            </a:pPr>
+            <a:r>
+              <a:rPr lang="it-IT" dirty="0" smtClean="0"/>
+              <a:t>orders.css</a:t>
+            </a:r>
+          </a:p>
+          <a:p>
+            <a:pPr lvl="1">
+              <a:buFont typeface="Wingdings" panose="05000000000000000000" pitchFamily="2" charset="2"/>
+              <a:buChar char="Ø"/>
+            </a:pPr>
+            <a:r>
+              <a:rPr lang="it-IT" dirty="0" smtClean="0"/>
+              <a:t>article-details.css</a:t>
+            </a:r>
+          </a:p>
+        </p:txBody>
+      </p:sp>
+    </p:spTree>
+    <p:extLst>
+      <p:ext uri="{BB962C8B-B14F-4D97-AF65-F5344CB8AC3E}">
+        <p14:creationId xmlns:p14="http://schemas.microsoft.com/office/powerpoint/2010/main" val="1962222965"/>
+      </p:ext>
+    </p:extLst>
+  </p:cSld>
+  <p:clrMapOvr>
+    <a:masterClrMapping/>
+  </p:clrMapOvr>
+</p:sld>
+</file>
+
+<file path=ppt/slides/slide11.xml><?xml version="1.0" encoding="utf-8"?>
+<p:sld xmlns:a="http://schemas.openxmlformats.org/drawingml/2006/main" xmlns:r="http://schemas.openxmlformats.org/officeDocument/2006/relationships" xmlns:p="http://schemas.openxmlformats.org/presentationml/2006/main">
+  <p:cSld>
+    <p:spTree>
+      <p:nvGrpSpPr>
+        <p:cNvPr id="1" name=""/>
+        <p:cNvGrpSpPr/>
+        <p:nvPr/>
+      </p:nvGrpSpPr>
+      <p:grpSpPr>
+        <a:xfrm>
+          <a:off x="0" y="0"/>
+          <a:ext cx="0" cy="0"/>
+          <a:chOff x="0" y="0"/>
+          <a:chExt cx="0" cy="0"/>
+        </a:xfrm>
+      </p:grpSpPr>
+      <p:sp>
+        <p:nvSpPr>
+          <p:cNvPr id="2" name="Titolo 1">
+            <a:extLst>
+              <a:ext uri="{FF2B5EF4-FFF2-40B4-BE49-F238E27FC236}">
+                <a16:creationId xmlns:a16="http://schemas.microsoft.com/office/drawing/2014/main" id="{DC13C413-FB6E-489C-9C48-1A30E24B23FB}"/>
+              </a:ext>
+            </a:extLst>
+          </p:cNvPr>
+          <p:cNvSpPr>
+            <a:spLocks noGrp="1"/>
+          </p:cNvSpPr>
+          <p:nvPr>
+            <p:ph type="title"/>
+          </p:nvPr>
+        </p:nvSpPr>
+        <p:spPr>
+          <a:xfrm>
+            <a:off x="424543" y="571285"/>
+            <a:ext cx="11482251" cy="970450"/>
+          </a:xfrm>
+        </p:spPr>
+        <p:txBody>
+          <a:bodyPr/>
+          <a:lstStyle/>
+          <a:p>
+            <a:r>
+              <a:rPr lang="it-IT" dirty="0"/>
+              <a:t>Componenti </a:t>
+            </a:r>
+            <a:r>
+              <a:rPr lang="it-IT" dirty="0" smtClean="0"/>
+              <a:t>Client side</a:t>
+            </a:r>
+            <a:endParaRPr lang="it-IT" dirty="0"/>
+          </a:p>
+        </p:txBody>
+      </p:sp>
+      <p:sp>
+        <p:nvSpPr>
+          <p:cNvPr id="3" name="Segnaposto contenuto 2">
+            <a:extLst>
+              <a:ext uri="{FF2B5EF4-FFF2-40B4-BE49-F238E27FC236}">
+                <a16:creationId xmlns:a16="http://schemas.microsoft.com/office/drawing/2014/main" id="{55785B7F-9E12-4C7C-91AE-A6F833B22573}"/>
+              </a:ext>
+            </a:extLst>
+          </p:cNvPr>
+          <p:cNvSpPr>
+            <a:spLocks noGrp="1"/>
+          </p:cNvSpPr>
+          <p:nvPr>
+            <p:ph idx="1"/>
+          </p:nvPr>
+        </p:nvSpPr>
+        <p:spPr>
+          <a:xfrm>
+            <a:off x="986246" y="2279377"/>
+            <a:ext cx="4310502" cy="4019824"/>
+          </a:xfrm>
+        </p:spPr>
+        <p:txBody>
+          <a:bodyPr anchor="t">
+            <a:normAutofit fontScale="77500" lnSpcReduction="20000"/>
+          </a:bodyPr>
+          <a:lstStyle/>
+          <a:p>
+            <a:r>
+              <a:rPr lang="it-IT" b="1" dirty="0" smtClean="0"/>
+              <a:t>Login</a:t>
+            </a:r>
+          </a:p>
+          <a:p>
+            <a:pPr lvl="1">
+              <a:buFont typeface="Wingdings" panose="05000000000000000000" pitchFamily="2" charset="2"/>
+              <a:buChar char="§"/>
+            </a:pPr>
+            <a:r>
+              <a:rPr lang="it-IT" dirty="0" smtClean="0"/>
+              <a:t>Login form</a:t>
+            </a:r>
+          </a:p>
+          <a:p>
+            <a:r>
+              <a:rPr lang="it-IT" b="1" dirty="0"/>
+              <a:t>Home</a:t>
+            </a:r>
+          </a:p>
+          <a:p>
+            <a:pPr lvl="1">
+              <a:buFont typeface="Wingdings" panose="05000000000000000000" pitchFamily="2" charset="2"/>
+              <a:buChar char="§"/>
+            </a:pPr>
+            <a:r>
+              <a:rPr lang="it-IT" dirty="0" smtClean="0"/>
+              <a:t>PageOrchestrator </a:t>
+            </a:r>
+          </a:p>
+          <a:p>
+            <a:pPr lvl="2">
+              <a:buFont typeface="Wingdings" panose="05000000000000000000" pitchFamily="2" charset="2"/>
+              <a:buChar char="§"/>
+            </a:pPr>
+            <a:r>
+              <a:rPr lang="it-IT" dirty="0" smtClean="0"/>
+              <a:t>start(): inizializza i componenti della pagina</a:t>
+            </a:r>
+          </a:p>
+          <a:p>
+            <a:pPr lvl="2">
+              <a:buFont typeface="Wingdings" panose="05000000000000000000" pitchFamily="2" charset="2"/>
+              <a:buChar char="§"/>
+            </a:pPr>
+            <a:r>
+              <a:rPr lang="it-IT" dirty="0"/>
+              <a:t>r</a:t>
+            </a:r>
+            <a:r>
+              <a:rPr lang="it-IT" dirty="0" smtClean="0"/>
+              <a:t>efresh(): ricarica tutti i componenti della pagina</a:t>
+            </a:r>
+          </a:p>
+          <a:p>
+            <a:pPr lvl="1">
+              <a:buFont typeface="Wingdings" panose="05000000000000000000" pitchFamily="2" charset="2"/>
+              <a:buChar char="§"/>
+            </a:pPr>
+            <a:r>
+              <a:rPr lang="it-IT" dirty="0" smtClean="0"/>
+              <a:t>ArticleList</a:t>
+            </a:r>
+          </a:p>
+          <a:p>
+            <a:pPr lvl="2">
+              <a:buFont typeface="Wingdings" panose="05000000000000000000" pitchFamily="2" charset="2"/>
+              <a:buChar char="§"/>
+            </a:pPr>
+            <a:r>
+              <a:rPr lang="it-IT" dirty="0" smtClean="0"/>
+              <a:t>show(source): mostra gli articoli in home relativi a una ricerca (source=‘search’) o semplicemente gli ultimi articoli visualizzati dall’utente (source=‘home’)</a:t>
+            </a:r>
+          </a:p>
+          <a:p>
+            <a:pPr lvl="2">
+              <a:buFont typeface="Wingdings" panose="05000000000000000000" pitchFamily="2" charset="2"/>
+              <a:buChar char="§"/>
+            </a:pPr>
+            <a:r>
+              <a:rPr lang="it-IT" dirty="0"/>
+              <a:t>u</a:t>
+            </a:r>
+            <a:r>
+              <a:rPr lang="it-IT" dirty="0" smtClean="0"/>
+              <a:t>pdate(): aggiorna la lista visualizzata dall’utente con i dati aggiornati recuperati dal BE</a:t>
+            </a:r>
+          </a:p>
+          <a:p>
+            <a:pPr lvl="1">
+              <a:buFont typeface="Wingdings" panose="05000000000000000000" pitchFamily="2" charset="2"/>
+              <a:buChar char="§"/>
+            </a:pPr>
+            <a:r>
+              <a:rPr lang="it-IT" dirty="0" smtClean="0"/>
+              <a:t>Search</a:t>
+            </a:r>
+          </a:p>
+          <a:p>
+            <a:pPr lvl="2">
+              <a:buFont typeface="Wingdings" panose="05000000000000000000" pitchFamily="2" charset="2"/>
+              <a:buChar char="§"/>
+            </a:pPr>
+            <a:r>
+              <a:rPr lang="it-IT" dirty="0" smtClean="0"/>
+              <a:t>Registra l</a:t>
+            </a:r>
+            <a:r>
+              <a:rPr lang="en-US" dirty="0" smtClean="0"/>
+              <a:t>’</a:t>
+            </a:r>
+            <a:r>
+              <a:rPr lang="it-IT" dirty="0" smtClean="0"/>
+              <a:t>evento di click del bottone cerca e delega a ArticleList la gestione della visualizzazione della lista di articoli </a:t>
+            </a:r>
+          </a:p>
+          <a:p>
+            <a:pPr lvl="2">
+              <a:buFont typeface="Wingdings" panose="05000000000000000000" pitchFamily="2" charset="2"/>
+              <a:buChar char="§"/>
+            </a:pPr>
+            <a:endParaRPr lang="it-IT" dirty="0" smtClean="0"/>
+          </a:p>
+          <a:p>
+            <a:pPr lvl="1">
+              <a:buFont typeface="Wingdings" panose="05000000000000000000" pitchFamily="2" charset="2"/>
+              <a:buChar char="§"/>
+            </a:pPr>
+            <a:endParaRPr lang="it-IT" dirty="0"/>
+          </a:p>
+          <a:p>
+            <a:pPr lvl="1">
+              <a:buFont typeface="Wingdings" panose="05000000000000000000" pitchFamily="2" charset="2"/>
+              <a:buChar char="Ø"/>
+            </a:pPr>
+            <a:endParaRPr lang="it-IT" dirty="0" smtClean="0"/>
+          </a:p>
+          <a:p>
+            <a:pPr lvl="1">
+              <a:buFont typeface="Wingdings" panose="05000000000000000000" pitchFamily="2" charset="2"/>
+              <a:buChar char="Ø"/>
+            </a:pPr>
+            <a:endParaRPr lang="it-IT" dirty="0"/>
+          </a:p>
+        </p:txBody>
+      </p:sp>
+      <p:sp>
+        <p:nvSpPr>
+          <p:cNvPr id="4" name="Segnaposto numero diapositiva 3">
+            <a:extLst>
+              <a:ext uri="{FF2B5EF4-FFF2-40B4-BE49-F238E27FC236}">
+                <a16:creationId xmlns:a16="http://schemas.microsoft.com/office/drawing/2014/main" id="{9DC9C904-F50B-4D89-8B66-A757CCA54B61}"/>
+              </a:ext>
+            </a:extLst>
+          </p:cNvPr>
+          <p:cNvSpPr>
+            <a:spLocks noGrp="1"/>
+          </p:cNvSpPr>
+          <p:nvPr>
+            <p:ph type="sldNum" sz="quarter" idx="12"/>
+          </p:nvPr>
+        </p:nvSpPr>
+        <p:spPr/>
+        <p:txBody>
+          <a:bodyPr/>
+          <a:lstStyle/>
+          <a:p>
+            <a:fld id="{D57F1E4F-1CFF-5643-939E-217C01CDF565}" type="slidenum">
+              <a:rPr lang="en-US" smtClean="0"/>
+              <a:pPr/>
+              <a:t>11</a:t>
+            </a:fld>
+            <a:endParaRPr lang="en-US"/>
+          </a:p>
+        </p:txBody>
+      </p:sp>
+      <p:sp>
+        <p:nvSpPr>
+          <p:cNvPr id="5" name="Segnaposto contenuto 2">
+            <a:extLst>
+              <a:ext uri="{FF2B5EF4-FFF2-40B4-BE49-F238E27FC236}">
+                <a16:creationId xmlns:a16="http://schemas.microsoft.com/office/drawing/2014/main" id="{02FC0920-AB30-4A59-AAED-768D77C433E3}"/>
+              </a:ext>
+            </a:extLst>
+          </p:cNvPr>
+          <p:cNvSpPr txBox="1">
+            <a:spLocks/>
+          </p:cNvSpPr>
+          <p:nvPr/>
+        </p:nvSpPr>
+        <p:spPr>
+          <a:xfrm>
+            <a:off x="6498771" y="2279377"/>
+            <a:ext cx="4179560" cy="3951606"/>
+          </a:xfrm>
+          <a:prstGeom prst="rect">
+            <a:avLst/>
+          </a:prstGeom>
+          <a:effectLst>
+            <a:outerShdw blurRad="50800" dir="14400000">
+              <a:srgbClr val="000000">
+                <a:alpha val="40000"/>
+              </a:srgbClr>
+            </a:outerShdw>
+          </a:effectLst>
+        </p:spPr>
+        <p:txBody>
+          <a:bodyPr vert="horz" lIns="91440" tIns="45720" rIns="91440" bIns="45720" rtlCol="0" anchor="t">
+            <a:normAutofit/>
+          </a:bodyPr>
+          <a:lstStyle>
+            <a:lvl1pPr marL="342900" indent="-342900" algn="l" defTabSz="457200" rtl="0" eaLnBrk="1" latinLnBrk="0" hangingPunct="1">
+              <a:spcBef>
+                <a:spcPct val="20000"/>
+              </a:spcBef>
+              <a:spcAft>
+                <a:spcPts val="600"/>
+              </a:spcAft>
+              <a:buClr>
+                <a:schemeClr val="accent1"/>
+              </a:buClr>
+              <a:buFont typeface="Wingdings 2" charset="2"/>
+              <a:buChar char=""/>
+              <a:defRPr sz="1800" kern="1200">
+                <a:solidFill>
+                  <a:schemeClr val="tx1"/>
+                </a:solidFill>
+                <a:latin typeface="+mn-lt"/>
+                <a:ea typeface="+mn-ea"/>
+                <a:cs typeface="+mn-cs"/>
+              </a:defRPr>
+            </a:lvl1pPr>
+            <a:lvl2pPr marL="742950" indent="-285750" algn="l" defTabSz="457200" rtl="0" eaLnBrk="1" latinLnBrk="0" hangingPunct="1">
+              <a:spcBef>
+                <a:spcPct val="20000"/>
+              </a:spcBef>
+              <a:spcAft>
+                <a:spcPts val="600"/>
+              </a:spcAft>
+              <a:buClr>
+                <a:schemeClr val="accent1"/>
+              </a:buClr>
+              <a:buFont typeface="Wingdings 2" charset="2"/>
+              <a:buChar char=""/>
+              <a:defRPr sz="1600" kern="1200">
+                <a:solidFill>
+                  <a:schemeClr val="tx1"/>
+                </a:solidFill>
+                <a:latin typeface="+mn-lt"/>
+                <a:ea typeface="+mn-ea"/>
+                <a:cs typeface="+mn-cs"/>
+              </a:defRPr>
+            </a:lvl2pPr>
+            <a:lvl3pPr marL="1143000" indent="-228600" algn="l" defTabSz="457200" rtl="0" eaLnBrk="1" latinLnBrk="0" hangingPunct="1">
+              <a:spcBef>
+                <a:spcPct val="20000"/>
+              </a:spcBef>
+              <a:spcAft>
+                <a:spcPts val="600"/>
+              </a:spcAft>
+              <a:buClr>
+                <a:schemeClr val="accent1"/>
+              </a:buClr>
+              <a:buFont typeface="Wingdings 2" charset="2"/>
+              <a:buChar char=""/>
+              <a:defRPr sz="1400" kern="1200">
+                <a:solidFill>
+                  <a:schemeClr val="tx1"/>
+                </a:solidFill>
+                <a:latin typeface="+mn-lt"/>
+                <a:ea typeface="+mn-ea"/>
+                <a:cs typeface="+mn-cs"/>
+              </a:defRPr>
+            </a:lvl3pPr>
+            <a:lvl4pPr marL="1600200" indent="-228600" algn="l" defTabSz="457200" rtl="0" eaLnBrk="1" latinLnBrk="0" hangingPunct="1">
+              <a:spcBef>
+                <a:spcPct val="20000"/>
+              </a:spcBef>
+              <a:spcAft>
+                <a:spcPts val="600"/>
+              </a:spcAft>
+              <a:buClr>
+                <a:schemeClr val="accent1"/>
+              </a:buClr>
+              <a:buFont typeface="Wingdings 2" charset="2"/>
+              <a:buChar char=""/>
+              <a:defRPr sz="1200" kern="1200">
+                <a:solidFill>
+                  <a:schemeClr val="tx1"/>
+                </a:solidFill>
+                <a:latin typeface="+mn-lt"/>
+                <a:ea typeface="+mn-ea"/>
+                <a:cs typeface="+mn-cs"/>
+              </a:defRPr>
+            </a:lvl4pPr>
+            <a:lvl5pPr marL="2057400" indent="-228600" algn="l" defTabSz="457200" rtl="0" eaLnBrk="1" latinLnBrk="0" hangingPunct="1">
+              <a:spcBef>
+                <a:spcPct val="20000"/>
+              </a:spcBef>
+              <a:spcAft>
+                <a:spcPts val="600"/>
+              </a:spcAft>
+              <a:buClr>
+                <a:schemeClr val="accent1"/>
+              </a:buClr>
+              <a:buFont typeface="Wingdings 2" charset="2"/>
+              <a:buChar char=""/>
+              <a:defRPr sz="1200" kern="1200">
+                <a:solidFill>
+                  <a:schemeClr val="tx1"/>
+                </a:solidFill>
+                <a:latin typeface="+mn-lt"/>
+                <a:ea typeface="+mn-ea"/>
+                <a:cs typeface="+mn-cs"/>
+              </a:defRPr>
+            </a:lvl5pPr>
+            <a:lvl6pPr marL="2400000" indent="-228600" algn="l" defTabSz="457200" rtl="0" eaLnBrk="1" latinLnBrk="0" hangingPunct="1">
+              <a:spcBef>
+                <a:spcPct val="20000"/>
+              </a:spcBef>
+              <a:spcAft>
+                <a:spcPts val="600"/>
+              </a:spcAft>
+              <a:buClr>
+                <a:schemeClr val="accent1"/>
+              </a:buClr>
+              <a:buFont typeface="Wingdings 2" charset="2"/>
+              <a:buChar char=""/>
+              <a:defRPr sz="1200" kern="1200">
+                <a:solidFill>
+                  <a:schemeClr val="tx1"/>
+                </a:solidFill>
+                <a:latin typeface="+mn-lt"/>
+                <a:ea typeface="+mn-ea"/>
+                <a:cs typeface="+mn-cs"/>
+              </a:defRPr>
+            </a:lvl6pPr>
+            <a:lvl7pPr marL="2800000" indent="-228600" algn="l" defTabSz="457200" rtl="0" eaLnBrk="1" latinLnBrk="0" hangingPunct="1">
+              <a:spcBef>
+                <a:spcPct val="20000"/>
+              </a:spcBef>
+              <a:spcAft>
+                <a:spcPts val="600"/>
+              </a:spcAft>
+              <a:buClr>
+                <a:schemeClr val="accent1"/>
+              </a:buClr>
+              <a:buFont typeface="Wingdings 2" charset="2"/>
+              <a:buChar char=""/>
+              <a:defRPr sz="1200" kern="1200">
+                <a:solidFill>
+                  <a:schemeClr val="tx1"/>
+                </a:solidFill>
+                <a:latin typeface="+mn-lt"/>
+                <a:ea typeface="+mn-ea"/>
+                <a:cs typeface="+mn-cs"/>
+              </a:defRPr>
+            </a:lvl7pPr>
+            <a:lvl8pPr marL="3200000" indent="-228600" algn="l" defTabSz="457200" rtl="0" eaLnBrk="1" latinLnBrk="0" hangingPunct="1">
+              <a:spcBef>
+                <a:spcPct val="20000"/>
+              </a:spcBef>
+              <a:spcAft>
+                <a:spcPts val="600"/>
+              </a:spcAft>
+              <a:buClr>
+                <a:schemeClr val="accent1"/>
+              </a:buClr>
+              <a:buFont typeface="Wingdings 2" charset="2"/>
+              <a:buChar char=""/>
+              <a:defRPr sz="1200" kern="1200">
+                <a:solidFill>
+                  <a:schemeClr val="tx1"/>
+                </a:solidFill>
+                <a:latin typeface="+mn-lt"/>
+                <a:ea typeface="+mn-ea"/>
+                <a:cs typeface="+mn-cs"/>
+              </a:defRPr>
+            </a:lvl8pPr>
+            <a:lvl9pPr marL="3600000" indent="-228600" algn="l" defTabSz="457200" rtl="0" eaLnBrk="1" latinLnBrk="0" hangingPunct="1">
+              <a:spcBef>
+                <a:spcPct val="20000"/>
+              </a:spcBef>
+              <a:spcAft>
+                <a:spcPts val="600"/>
+              </a:spcAft>
+              <a:buClr>
+                <a:schemeClr val="accent1"/>
+              </a:buClr>
+              <a:buFont typeface="Wingdings 2" charset="2"/>
+              <a:buChar char=""/>
+              <a:defRPr sz="1200" kern="1200">
+                <a:solidFill>
+                  <a:schemeClr val="tx1"/>
+                </a:solidFill>
+                <a:latin typeface="+mn-lt"/>
+                <a:ea typeface="+mn-ea"/>
+                <a:cs typeface="+mn-cs"/>
+              </a:defRPr>
+            </a:lvl9pPr>
+          </a:lstStyle>
+          <a:p>
+            <a:pPr marL="0" indent="0">
+              <a:buNone/>
+            </a:pPr>
+            <a:endParaRPr lang="it-IT" b="1" dirty="0"/>
+          </a:p>
+        </p:txBody>
+      </p:sp>
+      <p:sp>
+        <p:nvSpPr>
+          <p:cNvPr id="6" name="Segnaposto contenuto 2">
+            <a:extLst>
+              <a:ext uri="{FF2B5EF4-FFF2-40B4-BE49-F238E27FC236}">
+                <a16:creationId xmlns:a16="http://schemas.microsoft.com/office/drawing/2014/main" id="{55785B7F-9E12-4C7C-91AE-A6F833B22573}"/>
+              </a:ext>
+            </a:extLst>
+          </p:cNvPr>
+          <p:cNvSpPr txBox="1">
+            <a:spLocks/>
+          </p:cNvSpPr>
+          <p:nvPr/>
+        </p:nvSpPr>
+        <p:spPr>
+          <a:xfrm>
+            <a:off x="5609046" y="2279377"/>
+            <a:ext cx="5627914" cy="4019824"/>
+          </a:xfrm>
+          <a:prstGeom prst="rect">
+            <a:avLst/>
+          </a:prstGeom>
+          <a:effectLst>
+            <a:outerShdw blurRad="50800" dir="14400000">
+              <a:srgbClr val="000000">
+                <a:alpha val="40000"/>
+              </a:srgbClr>
+            </a:outerShdw>
+          </a:effectLst>
+        </p:spPr>
+        <p:txBody>
+          <a:bodyPr vert="horz" lIns="91440" tIns="45720" rIns="91440" bIns="45720" rtlCol="0" anchor="t">
+            <a:normAutofit/>
+          </a:bodyPr>
+          <a:lstStyle>
+            <a:lvl1pPr marL="342900" indent="-342900" algn="l" defTabSz="457200" rtl="0" eaLnBrk="1" latinLnBrk="0" hangingPunct="1">
+              <a:spcBef>
+                <a:spcPct val="20000"/>
+              </a:spcBef>
+              <a:spcAft>
+                <a:spcPts val="600"/>
+              </a:spcAft>
+              <a:buClr>
+                <a:schemeClr val="accent1"/>
+              </a:buClr>
+              <a:buFont typeface="Wingdings 2" charset="2"/>
+              <a:buChar char=""/>
+              <a:defRPr sz="1800" kern="1200">
+                <a:solidFill>
+                  <a:schemeClr val="tx1"/>
+                </a:solidFill>
+                <a:latin typeface="+mn-lt"/>
+                <a:ea typeface="+mn-ea"/>
+                <a:cs typeface="+mn-cs"/>
+              </a:defRPr>
+            </a:lvl1pPr>
+            <a:lvl2pPr marL="742950" indent="-285750" algn="l" defTabSz="457200" rtl="0" eaLnBrk="1" latinLnBrk="0" hangingPunct="1">
+              <a:spcBef>
+                <a:spcPct val="20000"/>
+              </a:spcBef>
+              <a:spcAft>
+                <a:spcPts val="600"/>
+              </a:spcAft>
+              <a:buClr>
+                <a:schemeClr val="accent1"/>
+              </a:buClr>
+              <a:buFont typeface="Wingdings 2" charset="2"/>
+              <a:buChar char=""/>
+              <a:defRPr sz="1600" kern="1200">
+                <a:solidFill>
+                  <a:schemeClr val="tx1"/>
+                </a:solidFill>
+                <a:latin typeface="+mn-lt"/>
+                <a:ea typeface="+mn-ea"/>
+                <a:cs typeface="+mn-cs"/>
+              </a:defRPr>
+            </a:lvl2pPr>
+            <a:lvl3pPr marL="1143000" indent="-228600" algn="l" defTabSz="457200" rtl="0" eaLnBrk="1" latinLnBrk="0" hangingPunct="1">
+              <a:spcBef>
+                <a:spcPct val="20000"/>
+              </a:spcBef>
+              <a:spcAft>
+                <a:spcPts val="600"/>
+              </a:spcAft>
+              <a:buClr>
+                <a:schemeClr val="accent1"/>
+              </a:buClr>
+              <a:buFont typeface="Wingdings 2" charset="2"/>
+              <a:buChar char=""/>
+              <a:defRPr sz="1400" kern="1200">
+                <a:solidFill>
+                  <a:schemeClr val="tx1"/>
+                </a:solidFill>
+                <a:latin typeface="+mn-lt"/>
+                <a:ea typeface="+mn-ea"/>
+                <a:cs typeface="+mn-cs"/>
+              </a:defRPr>
+            </a:lvl3pPr>
+            <a:lvl4pPr marL="1600200" indent="-228600" algn="l" defTabSz="457200" rtl="0" eaLnBrk="1" latinLnBrk="0" hangingPunct="1">
+              <a:spcBef>
+                <a:spcPct val="20000"/>
+              </a:spcBef>
+              <a:spcAft>
+                <a:spcPts val="600"/>
+              </a:spcAft>
+              <a:buClr>
+                <a:schemeClr val="accent1"/>
+              </a:buClr>
+              <a:buFont typeface="Wingdings 2" charset="2"/>
+              <a:buChar char=""/>
+              <a:defRPr sz="1200" kern="1200">
+                <a:solidFill>
+                  <a:schemeClr val="tx1"/>
+                </a:solidFill>
+                <a:latin typeface="+mn-lt"/>
+                <a:ea typeface="+mn-ea"/>
+                <a:cs typeface="+mn-cs"/>
+              </a:defRPr>
+            </a:lvl4pPr>
+            <a:lvl5pPr marL="2057400" indent="-228600" algn="l" defTabSz="457200" rtl="0" eaLnBrk="1" latinLnBrk="0" hangingPunct="1">
+              <a:spcBef>
+                <a:spcPct val="20000"/>
+              </a:spcBef>
+              <a:spcAft>
+                <a:spcPts val="600"/>
+              </a:spcAft>
+              <a:buClr>
+                <a:schemeClr val="accent1"/>
+              </a:buClr>
+              <a:buFont typeface="Wingdings 2" charset="2"/>
+              <a:buChar char=""/>
+              <a:defRPr sz="1200" kern="1200">
+                <a:solidFill>
+                  <a:schemeClr val="tx1"/>
+                </a:solidFill>
+                <a:latin typeface="+mn-lt"/>
+                <a:ea typeface="+mn-ea"/>
+                <a:cs typeface="+mn-cs"/>
+              </a:defRPr>
+            </a:lvl5pPr>
+            <a:lvl6pPr marL="2400000" indent="-228600" algn="l" defTabSz="457200" rtl="0" eaLnBrk="1" latinLnBrk="0" hangingPunct="1">
+              <a:spcBef>
+                <a:spcPct val="20000"/>
+              </a:spcBef>
+              <a:spcAft>
+                <a:spcPts val="600"/>
+              </a:spcAft>
+              <a:buClr>
+                <a:schemeClr val="accent1"/>
+              </a:buClr>
+              <a:buFont typeface="Wingdings 2" charset="2"/>
+              <a:buChar char=""/>
+              <a:defRPr sz="1200" kern="1200">
+                <a:solidFill>
+                  <a:schemeClr val="tx1"/>
+                </a:solidFill>
+                <a:latin typeface="+mn-lt"/>
+                <a:ea typeface="+mn-ea"/>
+                <a:cs typeface="+mn-cs"/>
+              </a:defRPr>
+            </a:lvl6pPr>
+            <a:lvl7pPr marL="2800000" indent="-228600" algn="l" defTabSz="457200" rtl="0" eaLnBrk="1" latinLnBrk="0" hangingPunct="1">
+              <a:spcBef>
+                <a:spcPct val="20000"/>
+              </a:spcBef>
+              <a:spcAft>
+                <a:spcPts val="600"/>
+              </a:spcAft>
+              <a:buClr>
+                <a:schemeClr val="accent1"/>
+              </a:buClr>
+              <a:buFont typeface="Wingdings 2" charset="2"/>
+              <a:buChar char=""/>
+              <a:defRPr sz="1200" kern="1200">
+                <a:solidFill>
+                  <a:schemeClr val="tx1"/>
+                </a:solidFill>
+                <a:latin typeface="+mn-lt"/>
+                <a:ea typeface="+mn-ea"/>
+                <a:cs typeface="+mn-cs"/>
+              </a:defRPr>
+            </a:lvl7pPr>
+            <a:lvl8pPr marL="3200000" indent="-228600" algn="l" defTabSz="457200" rtl="0" eaLnBrk="1" latinLnBrk="0" hangingPunct="1">
+              <a:spcBef>
+                <a:spcPct val="20000"/>
+              </a:spcBef>
+              <a:spcAft>
+                <a:spcPts val="600"/>
+              </a:spcAft>
+              <a:buClr>
+                <a:schemeClr val="accent1"/>
+              </a:buClr>
+              <a:buFont typeface="Wingdings 2" charset="2"/>
+              <a:buChar char=""/>
+              <a:defRPr sz="1200" kern="1200">
+                <a:solidFill>
+                  <a:schemeClr val="tx1"/>
+                </a:solidFill>
+                <a:latin typeface="+mn-lt"/>
+                <a:ea typeface="+mn-ea"/>
+                <a:cs typeface="+mn-cs"/>
+              </a:defRPr>
+            </a:lvl8pPr>
+            <a:lvl9pPr marL="3600000" indent="-228600" algn="l" defTabSz="457200" rtl="0" eaLnBrk="1" latinLnBrk="0" hangingPunct="1">
+              <a:spcBef>
+                <a:spcPct val="20000"/>
+              </a:spcBef>
+              <a:spcAft>
+                <a:spcPts val="600"/>
+              </a:spcAft>
+              <a:buClr>
+                <a:schemeClr val="accent1"/>
+              </a:buClr>
+              <a:buFont typeface="Wingdings 2" charset="2"/>
+              <a:buChar char=""/>
+              <a:defRPr sz="1200" kern="1200">
+                <a:solidFill>
+                  <a:schemeClr val="tx1"/>
+                </a:solidFill>
+                <a:latin typeface="+mn-lt"/>
+                <a:ea typeface="+mn-ea"/>
+                <a:cs typeface="+mn-cs"/>
+              </a:defRPr>
+            </a:lvl9pPr>
+          </a:lstStyle>
+          <a:p>
+            <a:pPr marL="0" indent="0">
+              <a:buNone/>
+            </a:pPr>
+            <a:endParaRPr lang="it-IT" dirty="0" smtClean="0"/>
+          </a:p>
+          <a:p>
+            <a:pPr lvl="1">
+              <a:buFont typeface="Wingdings" panose="05000000000000000000" pitchFamily="2" charset="2"/>
+              <a:buChar char="Ø"/>
+            </a:pPr>
+            <a:endParaRPr lang="it-IT" dirty="0" smtClean="0"/>
+          </a:p>
+          <a:p>
+            <a:pPr lvl="1">
+              <a:buFont typeface="Wingdings" panose="05000000000000000000" pitchFamily="2" charset="2"/>
+              <a:buChar char="Ø"/>
+            </a:pPr>
+            <a:endParaRPr lang="it-IT" dirty="0"/>
+          </a:p>
+        </p:txBody>
+      </p:sp>
+    </p:spTree>
+    <p:extLst>
+      <p:ext uri="{BB962C8B-B14F-4D97-AF65-F5344CB8AC3E}">
+        <p14:creationId xmlns:p14="http://schemas.microsoft.com/office/powerpoint/2010/main" val="677019806"/>
+      </p:ext>
+    </p:extLst>
+  </p:cSld>
+  <p:clrMapOvr>
+    <a:masterClrMapping/>
+  </p:clrMapOvr>
+</p:sld>
+</file>
+
+<file path=ppt/slides/slide12.xml><?xml version="1.0" encoding="utf-8"?>
+<p:sld xmlns:a="http://schemas.openxmlformats.org/drawingml/2006/main" xmlns:r="http://schemas.openxmlformats.org/officeDocument/2006/relationships" xmlns:p="http://schemas.openxmlformats.org/presentationml/2006/main">
+  <p:cSld>
+    <p:spTree>
+      <p:nvGrpSpPr>
+        <p:cNvPr id="1" name=""/>
+        <p:cNvGrpSpPr/>
+        <p:nvPr/>
+      </p:nvGrpSpPr>
+      <p:grpSpPr>
+        <a:xfrm>
+          <a:off x="0" y="0"/>
+          <a:ext cx="0" cy="0"/>
+          <a:chOff x="0" y="0"/>
+          <a:chExt cx="0" cy="0"/>
+        </a:xfrm>
+      </p:grpSpPr>
+      <p:sp>
+        <p:nvSpPr>
+          <p:cNvPr id="2" name="Titolo 1">
+            <a:extLst>
+              <a:ext uri="{FF2B5EF4-FFF2-40B4-BE49-F238E27FC236}">
+                <a16:creationId xmlns:a16="http://schemas.microsoft.com/office/drawing/2014/main" id="{DC13C413-FB6E-489C-9C48-1A30E24B23FB}"/>
+              </a:ext>
+            </a:extLst>
+          </p:cNvPr>
+          <p:cNvSpPr>
+            <a:spLocks noGrp="1"/>
+          </p:cNvSpPr>
+          <p:nvPr>
+            <p:ph type="title"/>
+          </p:nvPr>
+        </p:nvSpPr>
+        <p:spPr/>
+        <p:txBody>
+          <a:bodyPr/>
+          <a:lstStyle/>
+          <a:p>
+            <a:r>
+              <a:rPr lang="it-IT" dirty="0" smtClean="0"/>
+              <a:t>Sequence Diagrams</a:t>
+            </a:r>
+            <a:endParaRPr lang="it-IT" dirty="0"/>
+          </a:p>
+        </p:txBody>
+      </p:sp>
+      <p:sp>
+        <p:nvSpPr>
+          <p:cNvPr id="3" name="Segnaposto contenuto 2">
+            <a:extLst>
+              <a:ext uri="{FF2B5EF4-FFF2-40B4-BE49-F238E27FC236}">
+                <a16:creationId xmlns:a16="http://schemas.microsoft.com/office/drawing/2014/main" id="{55785B7F-9E12-4C7C-91AE-A6F833B22573}"/>
+              </a:ext>
+            </a:extLst>
+          </p:cNvPr>
+          <p:cNvSpPr>
+            <a:spLocks noGrp="1"/>
+          </p:cNvSpPr>
+          <p:nvPr>
+            <p:ph idx="1"/>
+          </p:nvPr>
+        </p:nvSpPr>
+        <p:spPr>
+          <a:xfrm>
+            <a:off x="930251" y="2462257"/>
+            <a:ext cx="10192772" cy="3636511"/>
+          </a:xfrm>
+        </p:spPr>
+        <p:txBody>
+          <a:bodyPr anchor="t">
+            <a:normAutofit/>
+          </a:bodyPr>
+          <a:lstStyle/>
+          <a:p>
+            <a:pPr lvl="1">
+              <a:buFont typeface="Wingdings" panose="05000000000000000000" pitchFamily="2" charset="2"/>
+              <a:buChar char="Ø"/>
+            </a:pPr>
+            <a:r>
+              <a:rPr lang="it-IT" dirty="0" smtClean="0"/>
+              <a:t>I sequence diagram che seguono dettagliano il flusso applicativo degli eventi core della web application.</a:t>
+            </a:r>
+          </a:p>
+          <a:p>
+            <a:pPr lvl="1">
+              <a:buFont typeface="Wingdings" panose="05000000000000000000" pitchFamily="2" charset="2"/>
+              <a:buChar char="Ø"/>
+            </a:pPr>
+            <a:r>
+              <a:rPr lang="it-IT" dirty="0" smtClean="0"/>
+              <a:t>Alcuni dettagli implementativi sono stati omessi in modo da fornire una visione consistente del flusso senza incorrere in descrizioni ripetitive o di poco interesse per lo scopo della presentazione.</a:t>
+            </a:r>
+          </a:p>
+          <a:p>
+            <a:pPr lvl="1">
+              <a:buFont typeface="Wingdings" panose="05000000000000000000" pitchFamily="2" charset="2"/>
+              <a:buChar char="Ø"/>
+            </a:pPr>
+            <a:endParaRPr lang="it-IT" dirty="0"/>
+          </a:p>
+        </p:txBody>
+      </p:sp>
+      <p:sp>
+        <p:nvSpPr>
+          <p:cNvPr id="4" name="Segnaposto numero diapositiva 3">
+            <a:extLst>
+              <a:ext uri="{FF2B5EF4-FFF2-40B4-BE49-F238E27FC236}">
+                <a16:creationId xmlns:a16="http://schemas.microsoft.com/office/drawing/2014/main" id="{9DC9C904-F50B-4D89-8B66-A757CCA54B61}"/>
+              </a:ext>
+            </a:extLst>
+          </p:cNvPr>
+          <p:cNvSpPr>
+            <a:spLocks noGrp="1"/>
+          </p:cNvSpPr>
+          <p:nvPr>
+            <p:ph type="sldNum" sz="quarter" idx="12"/>
+          </p:nvPr>
+        </p:nvSpPr>
+        <p:spPr/>
+        <p:txBody>
+          <a:bodyPr/>
+          <a:lstStyle/>
+          <a:p>
+            <a:fld id="{D57F1E4F-1CFF-5643-939E-217C01CDF565}" type="slidenum">
+              <a:rPr lang="en-US" smtClean="0"/>
+              <a:pPr/>
+              <a:t>12</a:t>
+            </a:fld>
+            <a:endParaRPr lang="en-US"/>
+          </a:p>
+        </p:txBody>
+      </p:sp>
+    </p:spTree>
+    <p:extLst>
+      <p:ext uri="{BB962C8B-B14F-4D97-AF65-F5344CB8AC3E}">
+        <p14:creationId xmlns:p14="http://schemas.microsoft.com/office/powerpoint/2010/main" val="3645375934"/>
+      </p:ext>
+    </p:extLst>
+  </p:cSld>
+  <p:clrMapOvr>
+    <a:masterClrMapping/>
+  </p:clrMapOvr>
+</p:sld>
+</file>
+
+<file path=ppt/slides/slide13.xml><?xml version="1.0" encoding="utf-8"?>
+<p:sld xmlns:a="http://schemas.openxmlformats.org/drawingml/2006/main" xmlns:r="http://schemas.openxmlformats.org/officeDocument/2006/relationships" xmlns:p="http://schemas.openxmlformats.org/presentationml/2006/main">
+  <p:cSld>
+    <p:spTree>
+      <p:nvGrpSpPr>
+        <p:cNvPr id="1" name=""/>
+        <p:cNvGrpSpPr/>
+        <p:nvPr/>
+      </p:nvGrpSpPr>
+      <p:grpSpPr>
+        <a:xfrm>
+          <a:off x="0" y="0"/>
+          <a:ext cx="0" cy="0"/>
+          <a:chOff x="0" y="0"/>
+          <a:chExt cx="0" cy="0"/>
+        </a:xfrm>
+      </p:grpSpPr>
+      <p:sp>
+        <p:nvSpPr>
+          <p:cNvPr id="4" name="Segnaposto numero diapositiva 3">
+            <a:extLst>
+              <a:ext uri="{FF2B5EF4-FFF2-40B4-BE49-F238E27FC236}">
+                <a16:creationId xmlns:a16="http://schemas.microsoft.com/office/drawing/2014/main" id="{9DC9C904-F50B-4D89-8B66-A757CCA54B61}"/>
+              </a:ext>
+            </a:extLst>
+          </p:cNvPr>
+          <p:cNvSpPr>
+            <a:spLocks noGrp="1"/>
+          </p:cNvSpPr>
+          <p:nvPr>
+            <p:ph type="sldNum" sz="quarter" idx="12"/>
+          </p:nvPr>
+        </p:nvSpPr>
+        <p:spPr/>
+        <p:txBody>
+          <a:bodyPr/>
+          <a:lstStyle/>
+          <a:p>
+            <a:fld id="{D57F1E4F-1CFF-5643-939E-217C01CDF565}" type="slidenum">
+              <a:rPr lang="en-US" smtClean="0"/>
+              <a:pPr/>
+              <a:t>13</a:t>
+            </a:fld>
+            <a:endParaRPr lang="en-US"/>
+          </a:p>
+        </p:txBody>
+      </p:sp>
+      <p:sp>
+        <p:nvSpPr>
+          <p:cNvPr id="2" name="Titolo 1">
+            <a:extLst>
+              <a:ext uri="{FF2B5EF4-FFF2-40B4-BE49-F238E27FC236}">
+                <a16:creationId xmlns:a16="http://schemas.microsoft.com/office/drawing/2014/main" id="{DC13C413-FB6E-489C-9C48-1A30E24B23FB}"/>
+              </a:ext>
+            </a:extLst>
+          </p:cNvPr>
+          <p:cNvSpPr>
+            <a:spLocks noGrp="1"/>
+          </p:cNvSpPr>
+          <p:nvPr>
+            <p:ph type="title" idx="4294967295"/>
+          </p:nvPr>
+        </p:nvSpPr>
+        <p:spPr>
+          <a:xfrm>
+            <a:off x="300446" y="264781"/>
+            <a:ext cx="1727250" cy="969963"/>
+          </a:xfrm>
+        </p:spPr>
+        <p:txBody>
+          <a:bodyPr/>
+          <a:lstStyle/>
+          <a:p>
+            <a:r>
+              <a:rPr lang="it-IT" dirty="0" smtClean="0"/>
+              <a:t>Login</a:t>
+            </a:r>
+            <a:endParaRPr lang="it-IT" dirty="0"/>
+          </a:p>
+        </p:txBody>
+      </p:sp>
+      <p:pic>
+        <p:nvPicPr>
+          <p:cNvPr id="7" name="Picture 6"/>
+          <p:cNvPicPr>
+            <a:picLocks noChangeAspect="1"/>
+          </p:cNvPicPr>
+          <p:nvPr/>
+        </p:nvPicPr>
+        <p:blipFill>
+          <a:blip r:embed="rId2">
+            <a:extLst>
+              <a:ext uri="{28A0092B-C50C-407E-A947-70E740481C1C}">
+                <a14:useLocalDpi xmlns:a14="http://schemas.microsoft.com/office/drawing/2010/main" val="0"/>
+              </a:ext>
+            </a:extLst>
+          </a:blip>
+          <a:stretch>
+            <a:fillRect/>
+          </a:stretch>
+        </p:blipFill>
+        <p:spPr>
+          <a:xfrm>
+            <a:off x="2697411" y="264781"/>
+            <a:ext cx="8373360" cy="6229903"/>
+          </a:xfrm>
+          <a:prstGeom prst="rect">
+            <a:avLst/>
+          </a:prstGeom>
+        </p:spPr>
+      </p:pic>
+    </p:spTree>
+    <p:extLst>
+      <p:ext uri="{BB962C8B-B14F-4D97-AF65-F5344CB8AC3E}">
+        <p14:creationId xmlns:p14="http://schemas.microsoft.com/office/powerpoint/2010/main" val="1015152942"/>
+      </p:ext>
+    </p:extLst>
+  </p:cSld>
+  <p:clrMapOvr>
+    <a:masterClrMapping/>
+  </p:clrMapOvr>
+</p:sld>
+</file>
+
+<file path=ppt/slides/slide14.xml><?xml version="1.0" encoding="utf-8"?>
+<p:sld xmlns:a="http://schemas.openxmlformats.org/drawingml/2006/main" xmlns:r="http://schemas.openxmlformats.org/officeDocument/2006/relationships" xmlns:p="http://schemas.openxmlformats.org/presentationml/2006/main">
+  <p:cSld>
+    <p:spTree>
+      <p:nvGrpSpPr>
+        <p:cNvPr id="1" name=""/>
+        <p:cNvGrpSpPr/>
+        <p:nvPr/>
+      </p:nvGrpSpPr>
+      <p:grpSpPr>
+        <a:xfrm>
+          <a:off x="0" y="0"/>
+          <a:ext cx="0" cy="0"/>
+          <a:chOff x="0" y="0"/>
+          <a:chExt cx="0" cy="0"/>
+        </a:xfrm>
+      </p:grpSpPr>
+      <p:sp>
+        <p:nvSpPr>
+          <p:cNvPr id="4" name="Segnaposto numero diapositiva 3">
+            <a:extLst>
+              <a:ext uri="{FF2B5EF4-FFF2-40B4-BE49-F238E27FC236}">
+                <a16:creationId xmlns:a16="http://schemas.microsoft.com/office/drawing/2014/main" id="{9DC9C904-F50B-4D89-8B66-A757CCA54B61}"/>
+              </a:ext>
+            </a:extLst>
+          </p:cNvPr>
+          <p:cNvSpPr>
+            <a:spLocks noGrp="1"/>
+          </p:cNvSpPr>
+          <p:nvPr>
+            <p:ph type="sldNum" sz="quarter" idx="12"/>
+          </p:nvPr>
+        </p:nvSpPr>
+        <p:spPr/>
+        <p:txBody>
+          <a:bodyPr/>
+          <a:lstStyle/>
+          <a:p>
+            <a:fld id="{D57F1E4F-1CFF-5643-939E-217C01CDF565}" type="slidenum">
+              <a:rPr lang="en-US" smtClean="0"/>
+              <a:pPr/>
+              <a:t>14</a:t>
+            </a:fld>
+            <a:endParaRPr lang="en-US"/>
+          </a:p>
+        </p:txBody>
+      </p:sp>
+      <p:sp>
+        <p:nvSpPr>
+          <p:cNvPr id="2" name="Titolo 1">
+            <a:extLst>
+              <a:ext uri="{FF2B5EF4-FFF2-40B4-BE49-F238E27FC236}">
+                <a16:creationId xmlns:a16="http://schemas.microsoft.com/office/drawing/2014/main" id="{DC13C413-FB6E-489C-9C48-1A30E24B23FB}"/>
+              </a:ext>
+            </a:extLst>
+          </p:cNvPr>
+          <p:cNvSpPr>
+            <a:spLocks noGrp="1"/>
+          </p:cNvSpPr>
+          <p:nvPr>
+            <p:ph type="title" idx="4294967295"/>
+          </p:nvPr>
+        </p:nvSpPr>
+        <p:spPr>
+          <a:xfrm>
+            <a:off x="300446" y="264781"/>
+            <a:ext cx="2076994" cy="797138"/>
+          </a:xfrm>
+        </p:spPr>
+        <p:txBody>
+          <a:bodyPr/>
+          <a:lstStyle/>
+          <a:p>
+            <a:r>
+              <a:rPr lang="it-IT" dirty="0" smtClean="0"/>
+              <a:t>Logout</a:t>
+            </a:r>
+            <a:endParaRPr lang="it-IT" dirty="0"/>
+          </a:p>
+        </p:txBody>
+      </p:sp>
+      <p:pic>
+        <p:nvPicPr>
+          <p:cNvPr id="7" name="Picture 6"/>
+          <p:cNvPicPr>
+            <a:picLocks noChangeAspect="1"/>
+          </p:cNvPicPr>
+          <p:nvPr/>
+        </p:nvPicPr>
+        <p:blipFill>
+          <a:blip r:embed="rId2">
+            <a:extLst>
+              <a:ext uri="{28A0092B-C50C-407E-A947-70E740481C1C}">
+                <a14:useLocalDpi xmlns:a14="http://schemas.microsoft.com/office/drawing/2010/main" val="0"/>
+              </a:ext>
+            </a:extLst>
+          </a:blip>
+          <a:stretch>
+            <a:fillRect/>
+          </a:stretch>
+        </p:blipFill>
+        <p:spPr>
+          <a:xfrm>
+            <a:off x="2651691" y="565307"/>
+            <a:ext cx="8373360" cy="4100496"/>
+          </a:xfrm>
+          <a:prstGeom prst="rect">
+            <a:avLst/>
+          </a:prstGeom>
+        </p:spPr>
+      </p:pic>
+    </p:spTree>
+    <p:extLst>
+      <p:ext uri="{BB962C8B-B14F-4D97-AF65-F5344CB8AC3E}">
+        <p14:creationId xmlns:p14="http://schemas.microsoft.com/office/powerpoint/2010/main" val="491992463"/>
+      </p:ext>
+    </p:extLst>
+  </p:cSld>
+  <p:clrMapOvr>
+    <a:masterClrMapping/>
+  </p:clrMapOvr>
+</p:sld>
+</file>
+
+<file path=ppt/slides/slide15.xml><?xml version="1.0" encoding="utf-8"?>
+<p:sld xmlns:a="http://schemas.openxmlformats.org/drawingml/2006/main" xmlns:r="http://schemas.openxmlformats.org/officeDocument/2006/relationships" xmlns:p="http://schemas.openxmlformats.org/presentationml/2006/main">
+  <p:cSld>
+    <p:spTree>
+      <p:nvGrpSpPr>
+        <p:cNvPr id="1" name=""/>
+        <p:cNvGrpSpPr/>
+        <p:nvPr/>
+      </p:nvGrpSpPr>
+      <p:grpSpPr>
+        <a:xfrm>
+          <a:off x="0" y="0"/>
+          <a:ext cx="0" cy="0"/>
+          <a:chOff x="0" y="0"/>
+          <a:chExt cx="0" cy="0"/>
+        </a:xfrm>
+      </p:grpSpPr>
+      <p:sp>
+        <p:nvSpPr>
+          <p:cNvPr id="4" name="Segnaposto numero diapositiva 3">
+            <a:extLst>
+              <a:ext uri="{FF2B5EF4-FFF2-40B4-BE49-F238E27FC236}">
+                <a16:creationId xmlns:a16="http://schemas.microsoft.com/office/drawing/2014/main" id="{9DC9C904-F50B-4D89-8B66-A757CCA54B61}"/>
+              </a:ext>
+            </a:extLst>
+          </p:cNvPr>
+          <p:cNvSpPr>
+            <a:spLocks noGrp="1"/>
+          </p:cNvSpPr>
+          <p:nvPr>
+            <p:ph type="sldNum" sz="quarter" idx="12"/>
+          </p:nvPr>
+        </p:nvSpPr>
+        <p:spPr/>
+        <p:txBody>
+          <a:bodyPr/>
+          <a:lstStyle/>
+          <a:p>
+            <a:fld id="{D57F1E4F-1CFF-5643-939E-217C01CDF565}" type="slidenum">
+              <a:rPr lang="en-US" smtClean="0"/>
+              <a:pPr/>
+              <a:t>15</a:t>
+            </a:fld>
+            <a:endParaRPr lang="en-US"/>
+          </a:p>
+        </p:txBody>
+      </p:sp>
+      <p:sp>
+        <p:nvSpPr>
+          <p:cNvPr id="2" name="Titolo 1">
+            <a:extLst>
+              <a:ext uri="{FF2B5EF4-FFF2-40B4-BE49-F238E27FC236}">
+                <a16:creationId xmlns:a16="http://schemas.microsoft.com/office/drawing/2014/main" id="{DC13C413-FB6E-489C-9C48-1A30E24B23FB}"/>
+              </a:ext>
+            </a:extLst>
+          </p:cNvPr>
+          <p:cNvSpPr>
+            <a:spLocks noGrp="1"/>
+          </p:cNvSpPr>
+          <p:nvPr>
+            <p:ph type="title" idx="4294967295"/>
+          </p:nvPr>
+        </p:nvSpPr>
+        <p:spPr>
+          <a:xfrm>
+            <a:off x="300446" y="264781"/>
+            <a:ext cx="2076994" cy="797138"/>
+          </a:xfrm>
+        </p:spPr>
+        <p:txBody>
+          <a:bodyPr/>
+          <a:lstStyle/>
+          <a:p>
+            <a:r>
+              <a:rPr lang="it-IT" dirty="0" smtClean="0"/>
+              <a:t>Home</a:t>
+            </a:r>
+            <a:endParaRPr lang="it-IT" dirty="0"/>
+          </a:p>
+        </p:txBody>
+      </p:sp>
+      <p:pic>
+        <p:nvPicPr>
+          <p:cNvPr id="3" name="Picture 2"/>
+          <p:cNvPicPr>
+            <a:picLocks noChangeAspect="1"/>
+          </p:cNvPicPr>
+          <p:nvPr/>
+        </p:nvPicPr>
+        <p:blipFill>
+          <a:blip r:embed="rId2">
+            <a:extLst>
+              <a:ext uri="{28A0092B-C50C-407E-A947-70E740481C1C}">
+                <a14:useLocalDpi xmlns:a14="http://schemas.microsoft.com/office/drawing/2010/main" val="0"/>
+              </a:ext>
+            </a:extLst>
+          </a:blip>
+          <a:stretch>
+            <a:fillRect/>
+          </a:stretch>
+        </p:blipFill>
+        <p:spPr>
+          <a:xfrm>
+            <a:off x="2325189" y="413940"/>
+            <a:ext cx="8969517" cy="6043184"/>
+          </a:xfrm>
+          <a:prstGeom prst="rect">
+            <a:avLst/>
+          </a:prstGeom>
+        </p:spPr>
+      </p:pic>
+    </p:spTree>
+    <p:extLst>
+      <p:ext uri="{BB962C8B-B14F-4D97-AF65-F5344CB8AC3E}">
+        <p14:creationId xmlns:p14="http://schemas.microsoft.com/office/powerpoint/2010/main" val="1579144998"/>
+      </p:ext>
+    </p:extLst>
+  </p:cSld>
+  <p:clrMapOvr>
+    <a:masterClrMapping/>
+  </p:clrMapOvr>
+</p:sld>
+</file>
+
+<file path=ppt/slides/slide16.xml><?xml version="1.0" encoding="utf-8"?>
+<p:sld xmlns:a="http://schemas.openxmlformats.org/drawingml/2006/main" xmlns:r="http://schemas.openxmlformats.org/officeDocument/2006/relationships" xmlns:p="http://schemas.openxmlformats.org/presentationml/2006/main">
+  <p:cSld>
+    <p:spTree>
+      <p:nvGrpSpPr>
+        <p:cNvPr id="1" name=""/>
+        <p:cNvGrpSpPr/>
+        <p:nvPr/>
+      </p:nvGrpSpPr>
+      <p:grpSpPr>
+        <a:xfrm>
+          <a:off x="0" y="0"/>
+          <a:ext cx="0" cy="0"/>
+          <a:chOff x="0" y="0"/>
+          <a:chExt cx="0" cy="0"/>
+        </a:xfrm>
+      </p:grpSpPr>
+      <p:sp>
+        <p:nvSpPr>
+          <p:cNvPr id="4" name="Segnaposto numero diapositiva 3">
+            <a:extLst>
+              <a:ext uri="{FF2B5EF4-FFF2-40B4-BE49-F238E27FC236}">
+                <a16:creationId xmlns:a16="http://schemas.microsoft.com/office/drawing/2014/main" id="{9DC9C904-F50B-4D89-8B66-A757CCA54B61}"/>
+              </a:ext>
+            </a:extLst>
+          </p:cNvPr>
+          <p:cNvSpPr>
+            <a:spLocks noGrp="1"/>
+          </p:cNvSpPr>
+          <p:nvPr>
+            <p:ph type="sldNum" sz="quarter" idx="12"/>
+          </p:nvPr>
+        </p:nvSpPr>
+        <p:spPr/>
+        <p:txBody>
+          <a:bodyPr/>
+          <a:lstStyle/>
+          <a:p>
+            <a:fld id="{D57F1E4F-1CFF-5643-939E-217C01CDF565}" type="slidenum">
+              <a:rPr lang="en-US" smtClean="0"/>
+              <a:pPr/>
+              <a:t>16</a:t>
+            </a:fld>
+            <a:endParaRPr lang="en-US"/>
+          </a:p>
+        </p:txBody>
+      </p:sp>
+      <p:sp>
+        <p:nvSpPr>
+          <p:cNvPr id="2" name="Titolo 1">
+            <a:extLst>
+              <a:ext uri="{FF2B5EF4-FFF2-40B4-BE49-F238E27FC236}">
+                <a16:creationId xmlns:a16="http://schemas.microsoft.com/office/drawing/2014/main" id="{DC13C413-FB6E-489C-9C48-1A30E24B23FB}"/>
+              </a:ext>
+            </a:extLst>
+          </p:cNvPr>
+          <p:cNvSpPr>
+            <a:spLocks noGrp="1"/>
+          </p:cNvSpPr>
+          <p:nvPr>
+            <p:ph type="title" idx="4294967295"/>
+          </p:nvPr>
+        </p:nvSpPr>
+        <p:spPr>
+          <a:xfrm>
+            <a:off x="300446" y="264781"/>
+            <a:ext cx="2076994" cy="797138"/>
+          </a:xfrm>
+        </p:spPr>
+        <p:txBody>
+          <a:bodyPr/>
+          <a:lstStyle/>
+          <a:p>
+            <a:r>
+              <a:rPr lang="it-IT" dirty="0" smtClean="0"/>
+              <a:t>Search</a:t>
+            </a:r>
+            <a:endParaRPr lang="it-IT" dirty="0"/>
+          </a:p>
+        </p:txBody>
+      </p:sp>
+      <p:pic>
+        <p:nvPicPr>
+          <p:cNvPr id="5" name="Picture 4"/>
+          <p:cNvPicPr>
+            <a:picLocks noChangeAspect="1"/>
+          </p:cNvPicPr>
+          <p:nvPr/>
+        </p:nvPicPr>
+        <p:blipFill>
+          <a:blip r:embed="rId2">
+            <a:extLst>
+              <a:ext uri="{28A0092B-C50C-407E-A947-70E740481C1C}">
+                <a14:useLocalDpi xmlns:a14="http://schemas.microsoft.com/office/drawing/2010/main" val="0"/>
+              </a:ext>
+            </a:extLst>
+          </a:blip>
+          <a:stretch>
+            <a:fillRect/>
+          </a:stretch>
+        </p:blipFill>
+        <p:spPr>
+          <a:xfrm>
+            <a:off x="2821577" y="150074"/>
+            <a:ext cx="8288383" cy="6522709"/>
+          </a:xfrm>
+          <a:prstGeom prst="rect">
+            <a:avLst/>
+          </a:prstGeom>
+        </p:spPr>
+      </p:pic>
+    </p:spTree>
+    <p:extLst>
+      <p:ext uri="{BB962C8B-B14F-4D97-AF65-F5344CB8AC3E}">
+        <p14:creationId xmlns:p14="http://schemas.microsoft.com/office/powerpoint/2010/main" val="3969751435"/>
+      </p:ext>
+    </p:extLst>
+  </p:cSld>
+  <p:clrMapOvr>
+    <a:masterClrMapping/>
+  </p:clrMapOvr>
+</p:sld>
+</file>
+
+<file path=ppt/slides/slide17.xml><?xml version="1.0" encoding="utf-8"?>
+<p:sld xmlns:a="http://schemas.openxmlformats.org/drawingml/2006/main" xmlns:r="http://schemas.openxmlformats.org/officeDocument/2006/relationships" xmlns:p="http://schemas.openxmlformats.org/presentationml/2006/main">
+  <p:cSld>
+    <p:spTree>
+      <p:nvGrpSpPr>
+        <p:cNvPr id="1" name=""/>
+        <p:cNvGrpSpPr/>
+        <p:nvPr/>
+      </p:nvGrpSpPr>
+      <p:grpSpPr>
+        <a:xfrm>
+          <a:off x="0" y="0"/>
+          <a:ext cx="0" cy="0"/>
+          <a:chOff x="0" y="0"/>
+          <a:chExt cx="0" cy="0"/>
+        </a:xfrm>
+      </p:grpSpPr>
+      <p:sp>
+        <p:nvSpPr>
+          <p:cNvPr id="4" name="Segnaposto numero diapositiva 3">
+            <a:extLst>
+              <a:ext uri="{FF2B5EF4-FFF2-40B4-BE49-F238E27FC236}">
+                <a16:creationId xmlns:a16="http://schemas.microsoft.com/office/drawing/2014/main" id="{9DC9C904-F50B-4D89-8B66-A757CCA54B61}"/>
+              </a:ext>
+            </a:extLst>
+          </p:cNvPr>
+          <p:cNvSpPr>
+            <a:spLocks noGrp="1"/>
+          </p:cNvSpPr>
+          <p:nvPr>
+            <p:ph type="sldNum" sz="quarter" idx="12"/>
+          </p:nvPr>
+        </p:nvSpPr>
+        <p:spPr/>
+        <p:txBody>
+          <a:bodyPr/>
+          <a:lstStyle/>
+          <a:p>
+            <a:fld id="{D57F1E4F-1CFF-5643-939E-217C01CDF565}" type="slidenum">
+              <a:rPr lang="en-US" smtClean="0"/>
+              <a:pPr/>
+              <a:t>17</a:t>
+            </a:fld>
+            <a:endParaRPr lang="en-US"/>
+          </a:p>
+        </p:txBody>
+      </p:sp>
+      <p:sp>
+        <p:nvSpPr>
+          <p:cNvPr id="2" name="Titolo 1">
+            <a:extLst>
+              <a:ext uri="{FF2B5EF4-FFF2-40B4-BE49-F238E27FC236}">
+                <a16:creationId xmlns:a16="http://schemas.microsoft.com/office/drawing/2014/main" id="{DC13C413-FB6E-489C-9C48-1A30E24B23FB}"/>
+              </a:ext>
+            </a:extLst>
+          </p:cNvPr>
+          <p:cNvSpPr>
+            <a:spLocks noGrp="1"/>
+          </p:cNvSpPr>
+          <p:nvPr>
+            <p:ph type="title" idx="4294967295"/>
+          </p:nvPr>
+        </p:nvSpPr>
+        <p:spPr>
+          <a:xfrm>
+            <a:off x="300446" y="264781"/>
+            <a:ext cx="2076994" cy="1328888"/>
+          </a:xfrm>
+        </p:spPr>
+        <p:txBody>
+          <a:bodyPr/>
+          <a:lstStyle/>
+          <a:p>
+            <a:r>
+              <a:rPr lang="it-IT" dirty="0" smtClean="0"/>
+              <a:t>Save</a:t>
+            </a:r>
+            <a:br>
+              <a:rPr lang="it-IT" dirty="0" smtClean="0"/>
+            </a:br>
+            <a:r>
+              <a:rPr lang="it-IT" dirty="0" smtClean="0"/>
+              <a:t>Article</a:t>
+            </a:r>
+            <a:endParaRPr lang="it-IT" dirty="0"/>
+          </a:p>
+        </p:txBody>
+      </p:sp>
+      <p:pic>
+        <p:nvPicPr>
+          <p:cNvPr id="3" name="Picture 2"/>
+          <p:cNvPicPr>
+            <a:picLocks noChangeAspect="1"/>
+          </p:cNvPicPr>
+          <p:nvPr/>
+        </p:nvPicPr>
+        <p:blipFill>
+          <a:blip r:embed="rId2">
+            <a:extLst>
+              <a:ext uri="{28A0092B-C50C-407E-A947-70E740481C1C}">
+                <a14:useLocalDpi xmlns:a14="http://schemas.microsoft.com/office/drawing/2010/main" val="0"/>
+              </a:ext>
+            </a:extLst>
+          </a:blip>
+          <a:stretch>
+            <a:fillRect/>
+          </a:stretch>
+        </p:blipFill>
+        <p:spPr>
+          <a:xfrm>
+            <a:off x="3481251" y="153746"/>
+            <a:ext cx="7602584" cy="6513017"/>
+          </a:xfrm>
+          <a:prstGeom prst="rect">
+            <a:avLst/>
+          </a:prstGeom>
+        </p:spPr>
+      </p:pic>
+    </p:spTree>
+    <p:extLst>
+      <p:ext uri="{BB962C8B-B14F-4D97-AF65-F5344CB8AC3E}">
+        <p14:creationId xmlns:p14="http://schemas.microsoft.com/office/powerpoint/2010/main" val="3717467482"/>
+      </p:ext>
+    </p:extLst>
+  </p:cSld>
+  <p:clrMapOvr>
+    <a:masterClrMapping/>
+  </p:clrMapOvr>
+</p:sld>
+</file>
+
+<file path=ppt/slides/slide18.xml><?xml version="1.0" encoding="utf-8"?>
+<p:sld xmlns:a="http://schemas.openxmlformats.org/drawingml/2006/main" xmlns:r="http://schemas.openxmlformats.org/officeDocument/2006/relationships" xmlns:p="http://schemas.openxmlformats.org/presentationml/2006/main">
+  <p:cSld>
+    <p:spTree>
+      <p:nvGrpSpPr>
+        <p:cNvPr id="1" name=""/>
+        <p:cNvGrpSpPr/>
+        <p:nvPr/>
+      </p:nvGrpSpPr>
+      <p:grpSpPr>
+        <a:xfrm>
+          <a:off x="0" y="0"/>
+          <a:ext cx="0" cy="0"/>
+          <a:chOff x="0" y="0"/>
+          <a:chExt cx="0" cy="0"/>
+        </a:xfrm>
+      </p:grpSpPr>
+      <p:sp>
+        <p:nvSpPr>
+          <p:cNvPr id="4" name="Segnaposto numero diapositiva 3">
+            <a:extLst>
+              <a:ext uri="{FF2B5EF4-FFF2-40B4-BE49-F238E27FC236}">
+                <a16:creationId xmlns:a16="http://schemas.microsoft.com/office/drawing/2014/main" id="{9DC9C904-F50B-4D89-8B66-A757CCA54B61}"/>
+              </a:ext>
+            </a:extLst>
+          </p:cNvPr>
+          <p:cNvSpPr>
+            <a:spLocks noGrp="1"/>
+          </p:cNvSpPr>
+          <p:nvPr>
+            <p:ph type="sldNum" sz="quarter" idx="12"/>
+          </p:nvPr>
+        </p:nvSpPr>
+        <p:spPr/>
+        <p:txBody>
+          <a:bodyPr/>
+          <a:lstStyle/>
+          <a:p>
+            <a:fld id="{D57F1E4F-1CFF-5643-939E-217C01CDF565}" type="slidenum">
+              <a:rPr lang="en-US" smtClean="0"/>
+              <a:pPr/>
+              <a:t>18</a:t>
+            </a:fld>
+            <a:endParaRPr lang="en-US"/>
+          </a:p>
+        </p:txBody>
+      </p:sp>
+      <p:sp>
+        <p:nvSpPr>
+          <p:cNvPr id="2" name="Titolo 1">
+            <a:extLst>
+              <a:ext uri="{FF2B5EF4-FFF2-40B4-BE49-F238E27FC236}">
+                <a16:creationId xmlns:a16="http://schemas.microsoft.com/office/drawing/2014/main" id="{DC13C413-FB6E-489C-9C48-1A30E24B23FB}"/>
+              </a:ext>
+            </a:extLst>
+          </p:cNvPr>
+          <p:cNvSpPr>
+            <a:spLocks noGrp="1"/>
+          </p:cNvSpPr>
+          <p:nvPr>
+            <p:ph type="title" idx="4294967295"/>
+          </p:nvPr>
+        </p:nvSpPr>
+        <p:spPr>
+          <a:xfrm>
+            <a:off x="306978" y="287382"/>
+            <a:ext cx="2076994" cy="705395"/>
+          </a:xfrm>
+        </p:spPr>
+        <p:txBody>
+          <a:bodyPr/>
+          <a:lstStyle/>
+          <a:p>
+            <a:r>
+              <a:rPr lang="it-IT" dirty="0" smtClean="0"/>
+              <a:t>Cart</a:t>
+            </a:r>
+            <a:endParaRPr lang="it-IT" dirty="0"/>
+          </a:p>
+        </p:txBody>
+      </p:sp>
+      <p:pic>
+        <p:nvPicPr>
+          <p:cNvPr id="5" name="Picture 4"/>
+          <p:cNvPicPr>
+            <a:picLocks noChangeAspect="1"/>
+          </p:cNvPicPr>
+          <p:nvPr/>
+        </p:nvPicPr>
+        <p:blipFill>
+          <a:blip r:embed="rId2">
+            <a:extLst>
+              <a:ext uri="{28A0092B-C50C-407E-A947-70E740481C1C}">
+                <a14:useLocalDpi xmlns:a14="http://schemas.microsoft.com/office/drawing/2010/main" val="0"/>
+              </a:ext>
+            </a:extLst>
+          </a:blip>
+          <a:stretch>
+            <a:fillRect/>
+          </a:stretch>
+        </p:blipFill>
+        <p:spPr>
+          <a:xfrm>
+            <a:off x="3588739" y="287382"/>
+            <a:ext cx="7264081" cy="6345366"/>
+          </a:xfrm>
+          <a:prstGeom prst="rect">
+            <a:avLst/>
+          </a:prstGeom>
+        </p:spPr>
+      </p:pic>
+    </p:spTree>
+    <p:extLst>
+      <p:ext uri="{BB962C8B-B14F-4D97-AF65-F5344CB8AC3E}">
+        <p14:creationId xmlns:p14="http://schemas.microsoft.com/office/powerpoint/2010/main" val="3590738366"/>
+      </p:ext>
+    </p:extLst>
+  </p:cSld>
+  <p:clrMapOvr>
+    <a:masterClrMapping/>
+  </p:clrMapOvr>
+</p:sld>
+</file>
+
+<file path=ppt/slides/slide19.xml><?xml version="1.0" encoding="utf-8"?>
+<p:sld xmlns:a="http://schemas.openxmlformats.org/drawingml/2006/main" xmlns:r="http://schemas.openxmlformats.org/officeDocument/2006/relationships" xmlns:p="http://schemas.openxmlformats.org/presentationml/2006/main">
+  <p:cSld>
+    <p:spTree>
+      <p:nvGrpSpPr>
+        <p:cNvPr id="1" name=""/>
+        <p:cNvGrpSpPr/>
+        <p:nvPr/>
+      </p:nvGrpSpPr>
+      <p:grpSpPr>
+        <a:xfrm>
+          <a:off x="0" y="0"/>
+          <a:ext cx="0" cy="0"/>
+          <a:chOff x="0" y="0"/>
+          <a:chExt cx="0" cy="0"/>
+        </a:xfrm>
+      </p:grpSpPr>
+      <p:sp>
+        <p:nvSpPr>
+          <p:cNvPr id="4" name="Segnaposto numero diapositiva 3">
+            <a:extLst>
+              <a:ext uri="{FF2B5EF4-FFF2-40B4-BE49-F238E27FC236}">
+                <a16:creationId xmlns:a16="http://schemas.microsoft.com/office/drawing/2014/main" id="{9DC9C904-F50B-4D89-8B66-A757CCA54B61}"/>
+              </a:ext>
+            </a:extLst>
+          </p:cNvPr>
+          <p:cNvSpPr>
+            <a:spLocks noGrp="1"/>
+          </p:cNvSpPr>
+          <p:nvPr>
+            <p:ph type="sldNum" sz="quarter" idx="12"/>
+          </p:nvPr>
+        </p:nvSpPr>
+        <p:spPr/>
+        <p:txBody>
+          <a:bodyPr/>
+          <a:lstStyle/>
+          <a:p>
+            <a:fld id="{D57F1E4F-1CFF-5643-939E-217C01CDF565}" type="slidenum">
+              <a:rPr lang="en-US" smtClean="0"/>
+              <a:pPr/>
+              <a:t>19</a:t>
+            </a:fld>
+            <a:endParaRPr lang="en-US"/>
+          </a:p>
+        </p:txBody>
+      </p:sp>
+      <p:sp>
+        <p:nvSpPr>
+          <p:cNvPr id="2" name="Titolo 1">
+            <a:extLst>
+              <a:ext uri="{FF2B5EF4-FFF2-40B4-BE49-F238E27FC236}">
+                <a16:creationId xmlns:a16="http://schemas.microsoft.com/office/drawing/2014/main" id="{DC13C413-FB6E-489C-9C48-1A30E24B23FB}"/>
+              </a:ext>
+            </a:extLst>
+          </p:cNvPr>
+          <p:cNvSpPr>
+            <a:spLocks noGrp="1"/>
+          </p:cNvSpPr>
+          <p:nvPr>
+            <p:ph type="title" idx="4294967295"/>
+          </p:nvPr>
+        </p:nvSpPr>
+        <p:spPr>
+          <a:xfrm>
+            <a:off x="359228" y="888274"/>
+            <a:ext cx="2704011" cy="705395"/>
+          </a:xfrm>
+        </p:spPr>
+        <p:txBody>
+          <a:bodyPr/>
+          <a:lstStyle/>
+          <a:p>
+            <a:r>
+              <a:rPr lang="it-IT" dirty="0" smtClean="0"/>
+              <a:t>Get </a:t>
+            </a:r>
+            <a:br>
+              <a:rPr lang="it-IT" dirty="0" smtClean="0"/>
+            </a:br>
+            <a:r>
+              <a:rPr lang="it-IT" dirty="0" smtClean="0"/>
+              <a:t>orders</a:t>
+            </a:r>
+            <a:endParaRPr lang="it-IT" dirty="0"/>
+          </a:p>
+        </p:txBody>
+      </p:sp>
+      <p:pic>
+        <p:nvPicPr>
+          <p:cNvPr id="3" name="Picture 2"/>
+          <p:cNvPicPr>
+            <a:picLocks noChangeAspect="1"/>
+          </p:cNvPicPr>
+          <p:nvPr/>
+        </p:nvPicPr>
+        <p:blipFill>
+          <a:blip r:embed="rId2">
+            <a:extLst>
+              <a:ext uri="{28A0092B-C50C-407E-A947-70E740481C1C}">
+                <a14:useLocalDpi xmlns:a14="http://schemas.microsoft.com/office/drawing/2010/main" val="0"/>
+              </a:ext>
+            </a:extLst>
+          </a:blip>
+          <a:stretch>
+            <a:fillRect/>
+          </a:stretch>
+        </p:blipFill>
+        <p:spPr>
+          <a:xfrm>
+            <a:off x="2516404" y="256614"/>
+            <a:ext cx="8596105" cy="6149873"/>
+          </a:xfrm>
+          <a:prstGeom prst="rect">
+            <a:avLst/>
+          </a:prstGeom>
+        </p:spPr>
+      </p:pic>
+    </p:spTree>
+    <p:extLst>
+      <p:ext uri="{BB962C8B-B14F-4D97-AF65-F5344CB8AC3E}">
+        <p14:creationId xmlns:p14="http://schemas.microsoft.com/office/powerpoint/2010/main" val="3057899890"/>
       </p:ext>
     </p:extLst>
   </p:cSld>
@@ -5974,6 +8266,241 @@
 </p:sld>
 </file>
 
+<file path=ppt/slides/slide20.xml><?xml version="1.0" encoding="utf-8"?>
+<p:sld xmlns:a="http://schemas.openxmlformats.org/drawingml/2006/main" xmlns:r="http://schemas.openxmlformats.org/officeDocument/2006/relationships" xmlns:p="http://schemas.openxmlformats.org/presentationml/2006/main">
+  <p:cSld>
+    <p:spTree>
+      <p:nvGrpSpPr>
+        <p:cNvPr id="1" name=""/>
+        <p:cNvGrpSpPr/>
+        <p:nvPr/>
+      </p:nvGrpSpPr>
+      <p:grpSpPr>
+        <a:xfrm>
+          <a:off x="0" y="0"/>
+          <a:ext cx="0" cy="0"/>
+          <a:chOff x="0" y="0"/>
+          <a:chExt cx="0" cy="0"/>
+        </a:xfrm>
+      </p:grpSpPr>
+      <p:sp>
+        <p:nvSpPr>
+          <p:cNvPr id="4" name="Segnaposto numero diapositiva 3">
+            <a:extLst>
+              <a:ext uri="{FF2B5EF4-FFF2-40B4-BE49-F238E27FC236}">
+                <a16:creationId xmlns:a16="http://schemas.microsoft.com/office/drawing/2014/main" id="{9DC9C904-F50B-4D89-8B66-A757CCA54B61}"/>
+              </a:ext>
+            </a:extLst>
+          </p:cNvPr>
+          <p:cNvSpPr>
+            <a:spLocks noGrp="1"/>
+          </p:cNvSpPr>
+          <p:nvPr>
+            <p:ph type="sldNum" sz="quarter" idx="12"/>
+          </p:nvPr>
+        </p:nvSpPr>
+        <p:spPr/>
+        <p:txBody>
+          <a:bodyPr/>
+          <a:lstStyle/>
+          <a:p>
+            <a:fld id="{D57F1E4F-1CFF-5643-939E-217C01CDF565}" type="slidenum">
+              <a:rPr lang="en-US" smtClean="0"/>
+              <a:pPr/>
+              <a:t>20</a:t>
+            </a:fld>
+            <a:endParaRPr lang="en-US"/>
+          </a:p>
+        </p:txBody>
+      </p:sp>
+      <p:sp>
+        <p:nvSpPr>
+          <p:cNvPr id="2" name="Titolo 1">
+            <a:extLst>
+              <a:ext uri="{FF2B5EF4-FFF2-40B4-BE49-F238E27FC236}">
+                <a16:creationId xmlns:a16="http://schemas.microsoft.com/office/drawing/2014/main" id="{DC13C413-FB6E-489C-9C48-1A30E24B23FB}"/>
+              </a:ext>
+            </a:extLst>
+          </p:cNvPr>
+          <p:cNvSpPr>
+            <a:spLocks noGrp="1"/>
+          </p:cNvSpPr>
+          <p:nvPr>
+            <p:ph type="title" idx="4294967295"/>
+          </p:nvPr>
+        </p:nvSpPr>
+        <p:spPr>
+          <a:xfrm>
+            <a:off x="287383" y="365761"/>
+            <a:ext cx="2018211" cy="1260566"/>
+          </a:xfrm>
+        </p:spPr>
+        <p:txBody>
+          <a:bodyPr/>
+          <a:lstStyle/>
+          <a:p>
+            <a:r>
+              <a:rPr lang="it-IT" dirty="0" smtClean="0"/>
+              <a:t>Create </a:t>
+            </a:r>
+            <a:br>
+              <a:rPr lang="it-IT" dirty="0" smtClean="0"/>
+            </a:br>
+            <a:r>
+              <a:rPr lang="it-IT" dirty="0" smtClean="0"/>
+              <a:t>order</a:t>
+            </a:r>
+            <a:endParaRPr lang="it-IT" dirty="0"/>
+          </a:p>
+        </p:txBody>
+      </p:sp>
+      <p:pic>
+        <p:nvPicPr>
+          <p:cNvPr id="5" name="Picture 4"/>
+          <p:cNvPicPr>
+            <a:picLocks noChangeAspect="1"/>
+          </p:cNvPicPr>
+          <p:nvPr/>
+        </p:nvPicPr>
+        <p:blipFill>
+          <a:blip r:embed="rId2">
+            <a:extLst>
+              <a:ext uri="{28A0092B-C50C-407E-A947-70E740481C1C}">
+                <a14:useLocalDpi xmlns:a14="http://schemas.microsoft.com/office/drawing/2010/main" val="0"/>
+              </a:ext>
+            </a:extLst>
+          </a:blip>
+          <a:stretch>
+            <a:fillRect/>
+          </a:stretch>
+        </p:blipFill>
+        <p:spPr>
+          <a:xfrm>
+            <a:off x="2879138" y="295289"/>
+            <a:ext cx="8044951" cy="6249203"/>
+          </a:xfrm>
+          <a:prstGeom prst="rect">
+            <a:avLst/>
+          </a:prstGeom>
+        </p:spPr>
+      </p:pic>
+    </p:spTree>
+    <p:extLst>
+      <p:ext uri="{BB962C8B-B14F-4D97-AF65-F5344CB8AC3E}">
+        <p14:creationId xmlns:p14="http://schemas.microsoft.com/office/powerpoint/2010/main" val="3205260414"/>
+      </p:ext>
+    </p:extLst>
+  </p:cSld>
+  <p:clrMapOvr>
+    <a:masterClrMapping/>
+  </p:clrMapOvr>
+</p:sld>
+</file>
+
+<file path=ppt/slides/slide21.xml><?xml version="1.0" encoding="utf-8"?>
+<p:sld xmlns:a="http://schemas.openxmlformats.org/drawingml/2006/main" xmlns:r="http://schemas.openxmlformats.org/officeDocument/2006/relationships" xmlns:p="http://schemas.openxmlformats.org/presentationml/2006/main">
+  <p:cSld>
+    <p:spTree>
+      <p:nvGrpSpPr>
+        <p:cNvPr id="1" name=""/>
+        <p:cNvGrpSpPr/>
+        <p:nvPr/>
+      </p:nvGrpSpPr>
+      <p:grpSpPr>
+        <a:xfrm>
+          <a:off x="0" y="0"/>
+          <a:ext cx="0" cy="0"/>
+          <a:chOff x="0" y="0"/>
+          <a:chExt cx="0" cy="0"/>
+        </a:xfrm>
+      </p:grpSpPr>
+      <p:sp>
+        <p:nvSpPr>
+          <p:cNvPr id="5" name="Title 4"/>
+          <p:cNvSpPr>
+            <a:spLocks noGrp="1"/>
+          </p:cNvSpPr>
+          <p:nvPr>
+            <p:ph type="title"/>
+          </p:nvPr>
+        </p:nvSpPr>
+        <p:spPr>
+          <a:xfrm>
+            <a:off x="2173357" y="1475293"/>
+            <a:ext cx="7284352" cy="1468800"/>
+          </a:xfrm>
+        </p:spPr>
+        <p:txBody>
+          <a:bodyPr/>
+          <a:lstStyle/>
+          <a:p>
+            <a:r>
+              <a:rPr lang="en-US" dirty="0" smtClean="0"/>
+              <a:t>Grazie per </a:t>
+            </a:r>
+            <a:r>
+              <a:rPr lang="en-US" dirty="0" err="1" smtClean="0"/>
+              <a:t>l’attenzione</a:t>
+            </a:r>
+            <a:r>
+              <a:rPr lang="en-US" dirty="0" smtClean="0"/>
+              <a:t>!</a:t>
+            </a:r>
+            <a:endParaRPr lang="en-US" dirty="0"/>
+          </a:p>
+        </p:txBody>
+      </p:sp>
+      <p:sp>
+        <p:nvSpPr>
+          <p:cNvPr id="6" name="Text Placeholder 5"/>
+          <p:cNvSpPr>
+            <a:spLocks noGrp="1"/>
+          </p:cNvSpPr>
+          <p:nvPr>
+            <p:ph type="body" idx="1"/>
+          </p:nvPr>
+        </p:nvSpPr>
+        <p:spPr>
+          <a:xfrm>
+            <a:off x="810000" y="5281201"/>
+            <a:ext cx="10561418" cy="851810"/>
+          </a:xfrm>
+        </p:spPr>
+        <p:txBody>
+          <a:bodyPr/>
+          <a:lstStyle/>
+          <a:p>
+            <a:r>
+              <a:rPr lang="en-US" dirty="0" smtClean="0"/>
+              <a:t>Gabriel Raul Marini</a:t>
+            </a:r>
+          </a:p>
+          <a:p>
+            <a:r>
+              <a:rPr lang="en-US" dirty="0" smtClean="0"/>
+              <a:t>Federico </a:t>
+            </a:r>
+            <a:r>
+              <a:rPr lang="en-US" dirty="0" err="1" smtClean="0"/>
+              <a:t>Morreale</a:t>
+            </a:r>
+            <a:endParaRPr lang="en-US" dirty="0" smtClean="0"/>
+          </a:p>
+        </p:txBody>
+      </p:sp>
+    </p:spTree>
+    <p:extLst>
+      <p:ext uri="{BB962C8B-B14F-4D97-AF65-F5344CB8AC3E}">
+        <p14:creationId xmlns:p14="http://schemas.microsoft.com/office/powerpoint/2010/main" val="4278417482"/>
+      </p:ext>
+    </p:extLst>
+  </p:cSld>
+  <p:clrMapOvr>
+    <a:masterClrMapping/>
+  </p:clrMapOvr>
+</p:sld>
+</file>
+
 <file path=ppt/slides/slide3.xml><?xml version="1.0" encoding="utf-8"?>
 <p:sld xmlns:a="http://schemas.openxmlformats.org/drawingml/2006/main" xmlns:r="http://schemas.openxmlformats.org/officeDocument/2006/relationships" xmlns:p="http://schemas.openxmlformats.org/presentationml/2006/main">
   <p:cSld>
@@ -6007,8 +8534,20 @@
           <a:lstStyle/>
           <a:p>
             <a:r>
+              <a:rPr lang="en-US" dirty="0" err="1" smtClean="0"/>
+              <a:t>Analisi</a:t>
+            </a:r>
+            <a:r>
               <a:rPr lang="en-US" dirty="0" smtClean="0"/>
-              <a:t>E/R Diagram</a:t>
+              <a:t> </a:t>
+            </a:r>
+            <a:r>
+              <a:rPr lang="en-US" dirty="0" err="1" smtClean="0"/>
+              <a:t>requisiti</a:t>
+            </a:r>
+            <a:r>
+              <a:rPr lang="en-US" dirty="0" smtClean="0"/>
+              <a:t> per DB</a:t>
             </a:r>
             <a:endParaRPr lang="en-US" dirty="0"/>
           </a:p>
@@ -6021,22 +8560,503 @@
             <a:spLocks noGrp="1"/>
           </p:cNvSpPr>
           <p:nvPr>
-            <p:ph idx="1"/>
-          </p:nvPr>
-        </p:nvSpPr>
-        <p:spPr/>
-        <p:txBody>
-          <a:bodyPr/>
+            <p:ph sz="half" idx="1"/>
+          </p:nvPr>
+        </p:nvSpPr>
+        <p:spPr>
+          <a:xfrm>
+            <a:off x="339634" y="1756954"/>
+            <a:ext cx="11384280" cy="4931229"/>
+          </a:xfrm>
+        </p:spPr>
+        <p:txBody>
+          <a:bodyPr>
+            <a:normAutofit fontScale="62500" lnSpcReduction="20000"/>
+          </a:bodyPr>
           <a:lstStyle/>
           <a:p>
-            <a:endParaRPr lang="en-US"/>
+            <a:pPr marL="0" indent="0" algn="just">
+              <a:buNone/>
+            </a:pPr>
+            <a:r>
+              <a:rPr lang="it-IT" dirty="0"/>
+              <a:t>Un’applicazione di commercio elettronico consente all’utente di visualizzare un catalogo di prodotti venduti da diversi fornitori, inserire prodotti in un carrello della spesa e creare un ordine di acquisto a partire dal contenuto del carrello. Un </a:t>
+            </a:r>
+            <a:r>
+              <a:rPr lang="it-IT" dirty="0">
+                <a:solidFill>
+                  <a:srgbClr val="FF0000"/>
+                </a:solidFill>
+              </a:rPr>
+              <a:t>articolo</a:t>
+            </a:r>
+            <a:r>
+              <a:rPr lang="it-IT" dirty="0"/>
+              <a:t> ha un </a:t>
+            </a:r>
+            <a:r>
+              <a:rPr lang="it-IT" dirty="0">
+                <a:solidFill>
+                  <a:srgbClr val="00B050"/>
+                </a:solidFill>
+              </a:rPr>
+              <a:t>codice</a:t>
+            </a:r>
+            <a:r>
+              <a:rPr lang="it-IT" dirty="0"/>
+              <a:t> (campo chiave), un </a:t>
+            </a:r>
+            <a:r>
+              <a:rPr lang="it-IT" dirty="0">
+                <a:solidFill>
+                  <a:srgbClr val="00B050"/>
+                </a:solidFill>
+              </a:rPr>
+              <a:t>nome</a:t>
+            </a:r>
+            <a:r>
+              <a:rPr lang="it-IT" dirty="0"/>
+              <a:t>, una </a:t>
+            </a:r>
+            <a:r>
+              <a:rPr lang="it-IT" dirty="0">
+                <a:solidFill>
+                  <a:srgbClr val="00B050"/>
+                </a:solidFill>
+              </a:rPr>
+              <a:t>descrizione</a:t>
+            </a:r>
+            <a:r>
+              <a:rPr lang="it-IT" dirty="0"/>
+              <a:t>, una </a:t>
+            </a:r>
+            <a:r>
+              <a:rPr lang="it-IT" dirty="0">
+                <a:solidFill>
+                  <a:srgbClr val="00B050"/>
+                </a:solidFill>
+              </a:rPr>
+              <a:t>categoria</a:t>
+            </a:r>
+            <a:r>
+              <a:rPr lang="it-IT" dirty="0"/>
+              <a:t> merceologica e </a:t>
+            </a:r>
+            <a:r>
+              <a:rPr lang="it-IT" dirty="0">
+                <a:solidFill>
+                  <a:srgbClr val="00B050"/>
+                </a:solidFill>
+              </a:rPr>
+              <a:t>una foto</a:t>
+            </a:r>
+            <a:r>
+              <a:rPr lang="it-IT" dirty="0"/>
+              <a:t>. Lo stesso </a:t>
+            </a:r>
+            <a:r>
+              <a:rPr lang="it-IT" dirty="0">
+                <a:solidFill>
+                  <a:srgbClr val="00B0F0"/>
+                </a:solidFill>
+              </a:rPr>
+              <a:t>articolo (cioè codice articolo) può essere venduto da più fornitori a prezzi differenti</a:t>
+            </a:r>
+            <a:r>
+              <a:rPr lang="it-IT" dirty="0"/>
+              <a:t>. Un </a:t>
+            </a:r>
+            <a:r>
+              <a:rPr lang="it-IT" dirty="0">
+                <a:solidFill>
+                  <a:srgbClr val="FF0000"/>
+                </a:solidFill>
+              </a:rPr>
+              <a:t>fornitore</a:t>
+            </a:r>
+            <a:r>
+              <a:rPr lang="it-IT" dirty="0"/>
+              <a:t> ha un </a:t>
+            </a:r>
+            <a:r>
+              <a:rPr lang="it-IT" dirty="0">
+                <a:solidFill>
+                  <a:srgbClr val="00B050"/>
+                </a:solidFill>
+              </a:rPr>
+              <a:t>codice</a:t>
+            </a:r>
+            <a:r>
+              <a:rPr lang="it-IT" dirty="0"/>
+              <a:t>, un </a:t>
+            </a:r>
+            <a:r>
+              <a:rPr lang="it-IT" dirty="0">
+                <a:solidFill>
+                  <a:srgbClr val="00B050"/>
+                </a:solidFill>
+              </a:rPr>
+              <a:t>nome</a:t>
+            </a:r>
+            <a:r>
+              <a:rPr lang="it-IT" dirty="0"/>
+              <a:t>, una </a:t>
+            </a:r>
+            <a:r>
+              <a:rPr lang="it-IT" dirty="0">
+                <a:solidFill>
+                  <a:srgbClr val="00B050"/>
+                </a:solidFill>
+              </a:rPr>
+              <a:t>valutazione</a:t>
+            </a:r>
+            <a:r>
+              <a:rPr lang="it-IT" dirty="0"/>
+              <a:t> da 1 a 5 stelle e una politica di spedizione. Un </a:t>
+            </a:r>
+            <a:r>
+              <a:rPr lang="it-IT" dirty="0">
+                <a:solidFill>
+                  <a:srgbClr val="FF0000"/>
+                </a:solidFill>
+              </a:rPr>
+              <a:t>utente</a:t>
+            </a:r>
+            <a:r>
+              <a:rPr lang="it-IT" dirty="0"/>
+              <a:t> ha un </a:t>
+            </a:r>
+            <a:r>
+              <a:rPr lang="it-IT" dirty="0">
+                <a:solidFill>
+                  <a:srgbClr val="00B050"/>
+                </a:solidFill>
+              </a:rPr>
+              <a:t>nome</a:t>
+            </a:r>
+            <a:r>
+              <a:rPr lang="it-IT" dirty="0"/>
+              <a:t>, un </a:t>
+            </a:r>
+            <a:r>
+              <a:rPr lang="it-IT" dirty="0">
+                <a:solidFill>
+                  <a:srgbClr val="00B050"/>
+                </a:solidFill>
+              </a:rPr>
+              <a:t>cognome</a:t>
+            </a:r>
+            <a:r>
+              <a:rPr lang="it-IT" dirty="0"/>
+              <a:t>, </a:t>
+            </a:r>
+            <a:r>
+              <a:rPr lang="it-IT" dirty="0">
+                <a:solidFill>
+                  <a:srgbClr val="00B050"/>
+                </a:solidFill>
+              </a:rPr>
+              <a:t>un’e-mail</a:t>
+            </a:r>
+            <a:r>
+              <a:rPr lang="it-IT" dirty="0"/>
+              <a:t>, una </a:t>
+            </a:r>
+            <a:r>
+              <a:rPr lang="it-IT" dirty="0">
+                <a:solidFill>
+                  <a:srgbClr val="00B050"/>
+                </a:solidFill>
+              </a:rPr>
+              <a:t>password</a:t>
+            </a:r>
+            <a:r>
+              <a:rPr lang="it-IT" dirty="0"/>
+              <a:t> e un </a:t>
+            </a:r>
+            <a:r>
+              <a:rPr lang="it-IT" dirty="0">
+                <a:solidFill>
+                  <a:srgbClr val="00B050"/>
+                </a:solidFill>
+              </a:rPr>
+              <a:t>indirizzo di spedizione</a:t>
+            </a:r>
+            <a:r>
+              <a:rPr lang="it-IT" dirty="0"/>
+              <a:t>. </a:t>
+            </a:r>
+            <a:r>
+              <a:rPr lang="it-IT" dirty="0">
+                <a:solidFill>
+                  <a:srgbClr val="00B0F0"/>
+                </a:solidFill>
+              </a:rPr>
+              <a:t>La politica di spedizione </a:t>
+            </a:r>
+            <a:r>
+              <a:rPr lang="it-IT" dirty="0"/>
+              <a:t>precisa il </a:t>
+            </a:r>
+            <a:r>
+              <a:rPr lang="it-IT" dirty="0">
+                <a:solidFill>
+                  <a:srgbClr val="00B050"/>
+                </a:solidFill>
+              </a:rPr>
+              <a:t>prezzo della spedizione</a:t>
+            </a:r>
+            <a:r>
+              <a:rPr lang="it-IT" dirty="0"/>
+              <a:t> in base al numero di articoli ordinati. Ogni fornitore è libero di definire fasce di spesa. Una </a:t>
+            </a:r>
+            <a:r>
+              <a:rPr lang="it-IT" dirty="0">
+                <a:solidFill>
+                  <a:srgbClr val="FF0000"/>
+                </a:solidFill>
+              </a:rPr>
+              <a:t>fascia di spesa </a:t>
+            </a:r>
+            <a:r>
+              <a:rPr lang="it-IT" dirty="0"/>
+              <a:t>ha un </a:t>
+            </a:r>
+            <a:r>
+              <a:rPr lang="it-IT" dirty="0">
+                <a:solidFill>
+                  <a:srgbClr val="00B050"/>
+                </a:solidFill>
+              </a:rPr>
+              <a:t>numero minimo</a:t>
+            </a:r>
+            <a:r>
+              <a:rPr lang="it-IT" dirty="0"/>
+              <a:t>, un </a:t>
+            </a:r>
+            <a:r>
+              <a:rPr lang="it-IT" dirty="0">
+                <a:solidFill>
+                  <a:srgbClr val="00B050"/>
+                </a:solidFill>
+              </a:rPr>
+              <a:t>numero massimo</a:t>
+            </a:r>
+            <a:r>
+              <a:rPr lang="it-IT" dirty="0"/>
+              <a:t> e un </a:t>
+            </a:r>
+            <a:r>
+              <a:rPr lang="it-IT" dirty="0">
+                <a:solidFill>
+                  <a:srgbClr val="00B050"/>
+                </a:solidFill>
+              </a:rPr>
+              <a:t>prezzo</a:t>
+            </a:r>
+            <a:r>
+              <a:rPr lang="it-IT" dirty="0"/>
+              <a:t>. Ad esempio: da 1 a 3 articoli 15€, da 4 a 10 articoli 20€, oltre a 10 articoli,  ecc. Oltre alla fascia di spesa, il fornitore può anche indicare un </a:t>
+            </a:r>
+            <a:r>
+              <a:rPr lang="it-IT" dirty="0">
+                <a:solidFill>
+                  <a:srgbClr val="00B050"/>
+                </a:solidFill>
+              </a:rPr>
+              <a:t>importo in euro </a:t>
+            </a:r>
+            <a:r>
+              <a:rPr lang="it-IT" dirty="0"/>
+              <a:t>oltre al quale la spedizione è gratuita. Se il totale supera la soglia per la gratuità della spedizione, la spedizione è gratuita indipendentemente dal numero di articoli. Dopo il login, l’utente accede a una pagina HOME che mostra (come tutte le altre pagine) un menù con i link HOME, CARRELLO, ORDINI, un campo di ricerca e una lista degli ultimi cinque prodotti visualizzati dall’utente. Se l’utente non ha visualizzato almeno cinque prodotti, la lista è completata con prodotti in offerta scelti a caso in una categoria di default. L’utente può inserire una parola chiave di ricerca nel campo di input e premere INVIO. A seguito dell’invio compare una pagina RISULTATI con prodotti che contengono la chiave di ricerca nel nome o nella descrizione. L’elenco mostra solo il codice, il nome del prodotto e il prezzo minimo di vendita ed è ordinato in modo crescente in base al prezzo minimo di vendita dell’articolo da parte dei fornitori che lo offrono. L’utente può selezionare mediante un click un elemento dell'elenco e visualizzare nella stessa pagina i dati completi e l’elenco dei fornitori che lo vendono (questa azione rende l’articolo “visualizzato”). Per ogni fornitore in tale elenco compaiono: nome, valutazione, prezzo unitario, fasce di spesa di spedizione, importo minimo della spedizione gratuita e il numero degli articoli e valore totale degli articoli di quel fornitore che l’utente ha già messo nel carrello. Accanto all’offerta di ciascun fornitore compare un campo di input intero (quantità) e un bottone METTI NEL CARRELLO. L’inserimento nel carrello di una quantità maggiore di zero di articoli comporta l’aggiornamento del contenuto del  carrello e la visualizzazione della pagina CARRELLO. Questa mostra gli articoli inseriti, raggruppati per fornitore. Per ogni fornitore nel carrello si vedono la lista degli articoli, il prezzo totale degli articoli e il prezzo della spedizione calcolato in base alla politica del fornitore. Per ogni fornitore  compare un bottone ORDINA. Premere il bottone comporta l’eliminazione degli articoli del fornitore dal carrello e la creazione di un ordine corrispondente. Un </a:t>
+            </a:r>
+            <a:r>
+              <a:rPr lang="it-IT" dirty="0">
+                <a:solidFill>
+                  <a:srgbClr val="FF0000"/>
+                </a:solidFill>
+              </a:rPr>
+              <a:t>ordine</a:t>
+            </a:r>
+            <a:r>
+              <a:rPr lang="it-IT" dirty="0"/>
+              <a:t> ha un </a:t>
+            </a:r>
+            <a:r>
+              <a:rPr lang="it-IT" dirty="0">
+                <a:solidFill>
+                  <a:srgbClr val="00B050"/>
+                </a:solidFill>
+              </a:rPr>
+              <a:t>codice</a:t>
+            </a:r>
+            <a:r>
+              <a:rPr lang="it-IT" dirty="0"/>
+              <a:t>, il nome del </a:t>
+            </a:r>
+            <a:r>
+              <a:rPr lang="it-IT" dirty="0">
+                <a:solidFill>
+                  <a:srgbClr val="00B050"/>
+                </a:solidFill>
+              </a:rPr>
+              <a:t>fornitore</a:t>
+            </a:r>
+            <a:r>
+              <a:rPr lang="it-IT" dirty="0"/>
+              <a:t>, </a:t>
+            </a:r>
+            <a:r>
+              <a:rPr lang="it-IT" dirty="0">
+                <a:solidFill>
+                  <a:srgbClr val="00B0F0"/>
+                </a:solidFill>
+              </a:rPr>
+              <a:t>l’elenco degli articoli</a:t>
+            </a:r>
+            <a:r>
+              <a:rPr lang="it-IT" dirty="0"/>
+              <a:t>, un </a:t>
+            </a:r>
+            <a:r>
+              <a:rPr lang="it-IT" dirty="0">
+                <a:solidFill>
+                  <a:srgbClr val="00B050"/>
+                </a:solidFill>
+              </a:rPr>
+              <a:t>valore totale</a:t>
+            </a:r>
+            <a:r>
+              <a:rPr lang="it-IT" dirty="0"/>
+              <a:t> composto dalla somma del </a:t>
+            </a:r>
+            <a:r>
+              <a:rPr lang="it-IT" dirty="0">
+                <a:solidFill>
+                  <a:srgbClr val="00B050"/>
+                </a:solidFill>
+              </a:rPr>
+              <a:t>valore degli articoli </a:t>
+            </a:r>
+            <a:r>
+              <a:rPr lang="it-IT" dirty="0"/>
+              <a:t>e delle </a:t>
+            </a:r>
+            <a:r>
+              <a:rPr lang="it-IT" dirty="0">
+                <a:solidFill>
+                  <a:srgbClr val="00B050"/>
+                </a:solidFill>
+              </a:rPr>
+              <a:t>spese di spedizione</a:t>
+            </a:r>
+            <a:r>
+              <a:rPr lang="it-IT" dirty="0"/>
+              <a:t>, una </a:t>
+            </a:r>
+            <a:r>
+              <a:rPr lang="it-IT" dirty="0">
+                <a:solidFill>
+                  <a:srgbClr val="00B050"/>
+                </a:solidFill>
+              </a:rPr>
+              <a:t>data di spedizione </a:t>
+            </a:r>
+            <a:r>
+              <a:rPr lang="it-IT" dirty="0"/>
+              <a:t>e </a:t>
+            </a:r>
+            <a:r>
+              <a:rPr lang="it-IT" dirty="0">
+                <a:solidFill>
+                  <a:srgbClr val="00B0F0"/>
+                </a:solidFill>
+              </a:rPr>
+              <a:t>l’indirizzo</a:t>
+            </a:r>
+            <a:r>
+              <a:rPr lang="it-IT" dirty="0"/>
+              <a:t> </a:t>
+            </a:r>
+            <a:r>
+              <a:rPr lang="it-IT" dirty="0">
+                <a:solidFill>
+                  <a:srgbClr val="00B0F0"/>
+                </a:solidFill>
+              </a:rPr>
+              <a:t>di spedizione dell’utente</a:t>
+            </a:r>
+            <a:r>
+              <a:rPr lang="it-IT" dirty="0"/>
+              <a:t>. I valori degli attributi di un ordine sono memorizzati esplicitamente nella base di dati indipendentemente dai dati del carrello. In ogni momento l’utente può accedere tramite il menu alla pagina HOME, ORDINI e CARRELLO. La pagina ORDINI mostra l’elenco ordinato per data decrescente degli ordini con tutti i dati associati.</a:t>
+            </a:r>
+          </a:p>
+          <a:p>
+            <a:pPr marL="0" indent="0" algn="just">
+              <a:buNone/>
+            </a:pPr>
+            <a:r>
+              <a:rPr lang="it-IT" dirty="0"/>
+              <a:t>L’applicazione NON salva il carrello nella base di dati ma solo gli ordini.</a:t>
+            </a:r>
+          </a:p>
+          <a:p>
+            <a:pPr algn="just">
+              <a:buFont typeface="Courier New" panose="02070309020205020404" pitchFamily="49" charset="0"/>
+              <a:buChar char="o"/>
+            </a:pPr>
+            <a:r>
+              <a:rPr lang="it-IT" dirty="0" smtClean="0">
+                <a:solidFill>
+                  <a:srgbClr val="FF0000"/>
+                </a:solidFill>
+              </a:rPr>
+              <a:t>Entities</a:t>
+            </a:r>
+            <a:r>
+              <a:rPr lang="it-IT" dirty="0"/>
+              <a:t>, </a:t>
+            </a:r>
+            <a:r>
+              <a:rPr lang="it-IT" dirty="0">
+                <a:solidFill>
+                  <a:srgbClr val="00B050"/>
+                </a:solidFill>
+              </a:rPr>
+              <a:t>attributes</a:t>
+            </a:r>
+            <a:r>
+              <a:rPr lang="it-IT" dirty="0" smtClean="0"/>
+              <a:t>, </a:t>
+            </a:r>
+            <a:r>
+              <a:rPr lang="it-IT" dirty="0" smtClean="0">
+                <a:solidFill>
+                  <a:srgbClr val="00B0F0"/>
+                </a:solidFill>
+              </a:rPr>
+              <a:t>relationships</a:t>
+            </a:r>
+            <a:endParaRPr lang="en-US" dirty="0">
+              <a:solidFill>
+                <a:schemeClr val="accent4">
+                  <a:lumMod val="75000"/>
+                </a:schemeClr>
+              </a:solidFill>
+            </a:endParaRPr>
+          </a:p>
+          <a:p>
+            <a:pPr marL="0" indent="0" algn="just">
+              <a:buNone/>
+            </a:pPr>
+            <a:endParaRPr lang="it-IT" dirty="0" smtClean="0"/>
           </a:p>
         </p:txBody>
       </p:sp>
     </p:spTree>
     <p:extLst>
       <p:ext uri="{BB962C8B-B14F-4D97-AF65-F5344CB8AC3E}">
-        <p14:creationId xmlns:p14="http://schemas.microsoft.com/office/powerpoint/2010/main" val="3659713896"/>
+        <p14:creationId xmlns:p14="http://schemas.microsoft.com/office/powerpoint/2010/main" val="755155806"/>
       </p:ext>
     </p:extLst>
   </p:cSld>
@@ -6079,16 +9099,8 @@
           <a:lstStyle/>
           <a:p>
             <a:r>
-              <a:rPr lang="en-US" dirty="0" err="1" smtClean="0"/>
-              <a:t>Modello</a:t>
-            </a:r>
-            <a:r>
               <a:rPr lang="en-US" dirty="0" smtClean="0"/>
-              <a:t> </a:t>
-            </a:r>
-            <a:r>
-              <a:rPr lang="en-US" dirty="0" err="1" smtClean="0"/>
-              <a:t>relazionale</a:t>
+              <a:t>E/R Diagram</a:t>
             </a:r>
             <a:endParaRPr lang="en-US" dirty="0"/>
           </a:p>
@@ -6116,20 +9128,13 @@
     </p:spTree>
     <p:extLst>
       <p:ext uri="{BB962C8B-B14F-4D97-AF65-F5344CB8AC3E}">
-        <p14:creationId xmlns:p14="http://schemas.microsoft.com/office/powerpoint/2010/main" val="155972188"/>
+        <p14:creationId xmlns:p14="http://schemas.microsoft.com/office/powerpoint/2010/main" val="3659713896"/>
       </p:ext>
     </p:extLst>
   </p:cSld>
   <p:clrMapOvr>
     <a:masterClrMapping/>
   </p:clrMapOvr>
-  <p:timing>
-    <p:tnLst>
-      <p:par>
-        <p:cTn id="1" dur="indefinite" restart="never" nodeType="tmRoot"/>
-      </p:par>
-    </p:tnLst>
-  </p:timing>
 </p:sld>
 </file>
 
@@ -6150,101 +9155,60 @@
           <a:chExt cx="0" cy="0"/>
         </a:xfrm>
       </p:grpSpPr>
-      <p:pic>
-        <p:nvPicPr>
-          <p:cNvPr id="4" name="Content Placeholder 3"/>
-          <p:cNvPicPr>
-            <a:picLocks noGrp="1" noChangeAspect="1"/>
-          </p:cNvPicPr>
-          <p:nvPr>
-            <p:ph idx="4294967295"/>
-          </p:nvPr>
-        </p:nvPicPr>
-        <p:blipFill>
-          <a:blip r:embed="rId2">
-            <a:extLst>
-              <a:ext uri="{28A0092B-C50C-407E-A947-70E740481C1C}">
-                <a14:useLocalDpi xmlns:a14="http://schemas.microsoft.com/office/drawing/2010/main" val="0"/>
-              </a:ext>
-            </a:extLst>
-          </a:blip>
-          <a:stretch>
-            <a:fillRect/>
-          </a:stretch>
-        </p:blipFill>
-        <p:spPr>
-          <a:xfrm>
-            <a:off x="1308847" y="86340"/>
-            <a:ext cx="12355263" cy="6948906"/>
-          </a:xfrm>
-        </p:spPr>
-      </p:pic>
-      <p:sp>
-        <p:nvSpPr>
-          <p:cNvPr id="9" name="Rectangle 8"/>
-          <p:cNvSpPr/>
-          <p:nvPr/>
-        </p:nvSpPr>
-        <p:spPr>
-          <a:xfrm>
-            <a:off x="0" y="0"/>
-            <a:ext cx="2823882" cy="6857999"/>
-          </a:xfrm>
-          <a:prstGeom prst="rect">
-            <a:avLst/>
-          </a:prstGeom>
-        </p:spPr>
-        <p:style>
-          <a:lnRef idx="2">
-            <a:schemeClr val="accent1">
-              <a:shade val="50000"/>
-            </a:schemeClr>
-          </a:lnRef>
-          <a:fillRef idx="1">
-            <a:schemeClr val="accent1"/>
-          </a:fillRef>
-          <a:effectRef idx="0">
-            <a:schemeClr val="accent1"/>
-          </a:effectRef>
-          <a:fontRef idx="minor">
-            <a:schemeClr val="lt1"/>
-          </a:fontRef>
-        </p:style>
-        <p:txBody>
-          <a:bodyPr rtlCol="0" anchor="ctr"/>
+      <p:sp>
+        <p:nvSpPr>
+          <p:cNvPr id="2" name="Title 1"/>
+          <p:cNvSpPr>
+            <a:spLocks noGrp="1"/>
+          </p:cNvSpPr>
+          <p:nvPr>
+            <p:ph type="title"/>
+          </p:nvPr>
+        </p:nvSpPr>
+        <p:spPr/>
+        <p:txBody>
+          <a:bodyPr/>
           <a:lstStyle/>
           <a:p>
-            <a:pPr>
-              <a:spcBef>
-                <a:spcPct val="0"/>
-              </a:spcBef>
-            </a:pPr>
-            <a:r>
-              <a:rPr lang="en-US" sz="4000" b="1" dirty="0" smtClean="0">
-                <a:solidFill>
-                  <a:srgbClr val="FEFEFE"/>
-                </a:solidFill>
-                <a:latin typeface="+mj-lt"/>
-                <a:ea typeface="+mj-ea"/>
-                <a:cs typeface="+mj-cs"/>
-              </a:rPr>
-              <a:t>      IFML</a:t>
-            </a:r>
-            <a:endParaRPr lang="en-US" sz="4000" b="1" dirty="0">
-              <a:solidFill>
-                <a:srgbClr val="FEFEFE"/>
-              </a:solidFill>
-              <a:latin typeface="+mj-lt"/>
-              <a:ea typeface="+mj-ea"/>
-              <a:cs typeface="+mj-cs"/>
-            </a:endParaRPr>
+            <a:r>
+              <a:rPr lang="en-US" dirty="0" err="1" smtClean="0"/>
+              <a:t>Modello</a:t>
+            </a:r>
+            <a:r>
+              <a:rPr lang="en-US" dirty="0" smtClean="0"/>
+              <a:t> </a:t>
+            </a:r>
+            <a:r>
+              <a:rPr lang="en-US" dirty="0" err="1" smtClean="0"/>
+              <a:t>relazionale</a:t>
+            </a:r>
+            <a:endParaRPr lang="en-US" dirty="0"/>
+          </a:p>
+        </p:txBody>
+      </p:sp>
+      <p:sp>
+        <p:nvSpPr>
+          <p:cNvPr id="3" name="Content Placeholder 2"/>
+          <p:cNvSpPr>
+            <a:spLocks noGrp="1"/>
+          </p:cNvSpPr>
+          <p:nvPr>
+            <p:ph idx="1"/>
+          </p:nvPr>
+        </p:nvSpPr>
+        <p:spPr/>
+        <p:txBody>
+          <a:bodyPr/>
+          <a:lstStyle/>
+          <a:p>
+            <a:endParaRPr lang="en-US"/>
           </a:p>
         </p:txBody>
       </p:sp>
     </p:spTree>
     <p:extLst>
       <p:ext uri="{BB962C8B-B14F-4D97-AF65-F5344CB8AC3E}">
-        <p14:creationId xmlns:p14="http://schemas.microsoft.com/office/powerpoint/2010/main" val="2795246983"/>
+        <p14:creationId xmlns:p14="http://schemas.microsoft.com/office/powerpoint/2010/main" val="155972188"/>
       </p:ext>
     </p:extLst>
   </p:cSld>
@@ -6278,73 +9242,114 @@
           <a:chExt cx="0" cy="0"/>
         </a:xfrm>
       </p:grpSpPr>
-      <p:sp>
-        <p:nvSpPr>
-          <p:cNvPr id="2" name="Title 1"/>
-          <p:cNvSpPr>
-            <a:spLocks noGrp="1"/>
-          </p:cNvSpPr>
-          <p:nvPr>
-            <p:ph type="title"/>
-          </p:nvPr>
-        </p:nvSpPr>
-        <p:spPr/>
-        <p:txBody>
-          <a:bodyPr/>
+      <p:pic>
+        <p:nvPicPr>
+          <p:cNvPr id="4" name="Content Placeholder 3"/>
+          <p:cNvPicPr>
+            <a:picLocks noGrp="1" noChangeAspect="1"/>
+          </p:cNvPicPr>
+          <p:nvPr>
+            <p:ph idx="4294967295"/>
+          </p:nvPr>
+        </p:nvPicPr>
+        <p:blipFill>
+          <a:blip r:embed="rId2">
+            <a:extLst>
+              <a:ext uri="{28A0092B-C50C-407E-A947-70E740481C1C}">
+                <a14:useLocalDpi xmlns:a14="http://schemas.microsoft.com/office/drawing/2010/main" val="0"/>
+              </a:ext>
+            </a:extLst>
+          </a:blip>
+          <a:stretch>
+            <a:fillRect/>
+          </a:stretch>
+        </p:blipFill>
+        <p:spPr>
+          <a:xfrm>
+            <a:off x="1308847" y="86340"/>
+            <a:ext cx="12355263" cy="6948906"/>
+          </a:xfrm>
+        </p:spPr>
+      </p:pic>
+      <p:sp>
+        <p:nvSpPr>
+          <p:cNvPr id="9" name="Rectangle 8"/>
+          <p:cNvSpPr/>
+          <p:nvPr/>
+        </p:nvSpPr>
+        <p:spPr>
+          <a:xfrm>
+            <a:off x="0" y="0"/>
+            <a:ext cx="2823882" cy="6857999"/>
+          </a:xfrm>
+          <a:prstGeom prst="rect">
+            <a:avLst/>
+          </a:prstGeom>
+        </p:spPr>
+        <p:style>
+          <a:lnRef idx="2">
+            <a:schemeClr val="accent1">
+              <a:shade val="50000"/>
+            </a:schemeClr>
+          </a:lnRef>
+          <a:fillRef idx="1">
+            <a:schemeClr val="accent1"/>
+          </a:fillRef>
+          <a:effectRef idx="0">
+            <a:schemeClr val="accent1"/>
+          </a:effectRef>
+          <a:fontRef idx="minor">
+            <a:schemeClr val="lt1"/>
+          </a:fontRef>
+        </p:style>
+        <p:txBody>
+          <a:bodyPr rtlCol="0" anchor="ctr"/>
           <a:lstStyle/>
           <a:p>
-            <a:endParaRPr lang="en-US"/>
-          </a:p>
-        </p:txBody>
-      </p:sp>
-      <p:sp>
-        <p:nvSpPr>
-          <p:cNvPr id="3" name="Content Placeholder 2"/>
-          <p:cNvSpPr>
-            <a:spLocks noGrp="1"/>
-          </p:cNvSpPr>
-          <p:nvPr>
-            <p:ph sz="half" idx="1"/>
-          </p:nvPr>
-        </p:nvSpPr>
-        <p:spPr/>
-        <p:txBody>
-          <a:bodyPr/>
-          <a:lstStyle/>
-          <a:p>
-            <a:endParaRPr lang="en-US" dirty="0"/>
-          </a:p>
-        </p:txBody>
-      </p:sp>
-      <p:sp>
-        <p:nvSpPr>
-          <p:cNvPr id="4" name="Content Placeholder 3"/>
-          <p:cNvSpPr>
-            <a:spLocks noGrp="1"/>
-          </p:cNvSpPr>
-          <p:nvPr>
-            <p:ph sz="half" idx="2"/>
-          </p:nvPr>
-        </p:nvSpPr>
-        <p:spPr/>
-        <p:txBody>
-          <a:bodyPr/>
-          <a:lstStyle/>
-          <a:p>
-            <a:endParaRPr lang="en-US"/>
+            <a:pPr>
+              <a:spcBef>
+                <a:spcPct val="0"/>
+              </a:spcBef>
+            </a:pPr>
+            <a:r>
+              <a:rPr lang="en-US" sz="4000" b="1" dirty="0" smtClean="0">
+                <a:solidFill>
+                  <a:srgbClr val="FEFEFE"/>
+                </a:solidFill>
+                <a:latin typeface="+mj-lt"/>
+                <a:ea typeface="+mj-ea"/>
+                <a:cs typeface="+mj-cs"/>
+              </a:rPr>
+              <a:t>      IFML</a:t>
+            </a:r>
+            <a:endParaRPr lang="en-US" sz="4000" b="1" dirty="0">
+              <a:solidFill>
+                <a:srgbClr val="FEFEFE"/>
+              </a:solidFill>
+              <a:latin typeface="+mj-lt"/>
+              <a:ea typeface="+mj-ea"/>
+              <a:cs typeface="+mj-cs"/>
+            </a:endParaRPr>
           </a:p>
         </p:txBody>
       </p:sp>
     </p:spTree>
     <p:extLst>
       <p:ext uri="{BB962C8B-B14F-4D97-AF65-F5344CB8AC3E}">
-        <p14:creationId xmlns:p14="http://schemas.microsoft.com/office/powerpoint/2010/main" val="1983836842"/>
+        <p14:creationId xmlns:p14="http://schemas.microsoft.com/office/powerpoint/2010/main" val="2795246983"/>
       </p:ext>
     </p:extLst>
   </p:cSld>
   <p:clrMapOvr>
     <a:masterClrMapping/>
   </p:clrMapOvr>
+  <p:timing>
+    <p:tnLst>
+      <p:par>
+        <p:cTn id="1" dur="indefinite" restart="never" nodeType="tmRoot"/>
+      </p:par>
+    </p:tnLst>
+  </p:timing>
 </p:sld>
 </file>
 
@@ -6367,13 +9372,7 @@
       </p:grpSpPr>
       <p:sp>
         <p:nvSpPr>
-          <p:cNvPr id="2" name="Titolo 1">
-            <a:extLst>
-              <a:ext uri="{FF2B5EF4-FFF2-40B4-BE49-F238E27FC236}">
-                <a16:creationId xmlns:a16="http://schemas.microsoft.com/office/drawing/2014/main" id="{21966782-F3F8-4992-B559-30F48925E0B0}"/>
-              </a:ext>
-            </a:extLst>
-          </p:cNvPr>
+          <p:cNvPr id="2" name="Title 1"/>
           <p:cNvSpPr>
             <a:spLocks noGrp="1"/>
           </p:cNvSpPr>
@@ -6387,505 +9386,276 @@
           <a:lstStyle/>
           <a:p>
             <a:r>
-              <a:rPr lang="it-IT" dirty="0"/>
-              <a:t>Componenti Model-Controller</a:t>
-            </a:r>
-          </a:p>
-        </p:txBody>
-      </p:sp>
-      <p:sp>
-        <p:nvSpPr>
-          <p:cNvPr id="3" name="Segnaposto contenuto 2">
-            <a:extLst>
-              <a:ext uri="{FF2B5EF4-FFF2-40B4-BE49-F238E27FC236}">
-                <a16:creationId xmlns:a16="http://schemas.microsoft.com/office/drawing/2014/main" id="{CF6FFA0E-5ACC-470F-B145-41A642F1CB32}"/>
-              </a:ext>
-            </a:extLst>
-          </p:cNvPr>
-          <p:cNvSpPr>
-            <a:spLocks noGrp="1"/>
-          </p:cNvSpPr>
-          <p:nvPr>
-            <p:ph idx="1"/>
+              <a:rPr lang="en-US" dirty="0" err="1" smtClean="0"/>
+              <a:t>Analisi</a:t>
+            </a:r>
+            <a:r>
+              <a:rPr lang="en-US" dirty="0" smtClean="0"/>
+              <a:t> </a:t>
+            </a:r>
+            <a:r>
+              <a:rPr lang="en-US" dirty="0" err="1" smtClean="0"/>
+              <a:t>requisti</a:t>
+            </a:r>
+            <a:r>
+              <a:rPr lang="en-US" dirty="0" smtClean="0"/>
+              <a:t> </a:t>
+            </a:r>
+            <a:r>
+              <a:rPr lang="en-US" dirty="0" err="1" smtClean="0"/>
+              <a:t>applicazione</a:t>
+            </a:r>
+            <a:endParaRPr lang="en-US" dirty="0"/>
+          </a:p>
+        </p:txBody>
+      </p:sp>
+      <p:sp>
+        <p:nvSpPr>
+          <p:cNvPr id="3" name="Content Placeholder 2"/>
+          <p:cNvSpPr>
+            <a:spLocks noGrp="1"/>
+          </p:cNvSpPr>
+          <p:nvPr>
+            <p:ph sz="half" idx="1"/>
           </p:nvPr>
         </p:nvSpPr>
         <p:spPr>
           <a:xfrm>
-            <a:off x="293616" y="2331344"/>
-            <a:ext cx="3375170" cy="4304348"/>
+            <a:off x="320040" y="2299064"/>
+            <a:ext cx="11384280" cy="3814353"/>
           </a:xfrm>
         </p:spPr>
         <p:txBody>
-          <a:bodyPr anchor="t">
-            <a:normAutofit/>
+          <a:bodyPr>
+            <a:normAutofit fontScale="92500" lnSpcReduction="20000"/>
           </a:bodyPr>
           <a:lstStyle/>
           <a:p>
-            <a:r>
-              <a:rPr lang="it-IT" b="1" dirty="0"/>
-              <a:t>Module Objects (beans)</a:t>
-            </a:r>
-          </a:p>
-          <a:p>
-            <a:pPr lvl="1">
-              <a:buFont typeface="Wingdings" panose="05000000000000000000" pitchFamily="2" charset="2"/>
-              <a:buChar char="Ø"/>
-            </a:pPr>
-            <a:r>
-              <a:rPr lang="it-IT" dirty="0" smtClean="0"/>
-              <a:t>ArticleBean</a:t>
-            </a:r>
-            <a:endParaRPr lang="it-IT" dirty="0"/>
-          </a:p>
-          <a:p>
-            <a:pPr lvl="1">
-              <a:buFont typeface="Wingdings" panose="05000000000000000000" pitchFamily="2" charset="2"/>
-              <a:buChar char="Ø"/>
-            </a:pPr>
-            <a:r>
-              <a:rPr lang="it-IT" dirty="0" smtClean="0"/>
-              <a:t>OrderBean</a:t>
-            </a:r>
-            <a:endParaRPr lang="it-IT" dirty="0"/>
-          </a:p>
-          <a:p>
-            <a:pPr lvl="1">
-              <a:buFont typeface="Wingdings" panose="05000000000000000000" pitchFamily="2" charset="2"/>
-              <a:buChar char="Ø"/>
-            </a:pPr>
-            <a:r>
-              <a:rPr lang="it-IT" dirty="0" smtClean="0"/>
-              <a:t>SellerBean</a:t>
-            </a:r>
-            <a:endParaRPr lang="it-IT" dirty="0"/>
-          </a:p>
-          <a:p>
-            <a:pPr lvl="1">
-              <a:buFont typeface="Wingdings" panose="05000000000000000000" pitchFamily="2" charset="2"/>
-              <a:buChar char="Ø"/>
-            </a:pPr>
-            <a:r>
-              <a:rPr lang="it-IT" dirty="0" smtClean="0"/>
-              <a:t>UserBean</a:t>
-            </a:r>
-            <a:endParaRPr lang="it-IT" dirty="0"/>
-          </a:p>
-          <a:p>
-            <a:r>
-              <a:rPr lang="it-IT" b="1" dirty="0" smtClean="0"/>
-              <a:t>Utils</a:t>
-            </a:r>
-            <a:endParaRPr lang="it-IT" b="1" dirty="0"/>
-          </a:p>
-          <a:p>
-            <a:pPr lvl="1">
-              <a:buFont typeface="Wingdings" panose="05000000000000000000" pitchFamily="2" charset="2"/>
-              <a:buChar char="Ø"/>
-            </a:pPr>
-            <a:r>
-              <a:rPr lang="it-IT" dirty="0"/>
-              <a:t>ConnectionHandler</a:t>
-            </a:r>
-          </a:p>
-          <a:p>
-            <a:pPr lvl="1">
-              <a:buFont typeface="Wingdings" panose="05000000000000000000" pitchFamily="2" charset="2"/>
-              <a:buChar char="Ø"/>
-            </a:pPr>
-            <a:r>
-              <a:rPr lang="it-IT" dirty="0" smtClean="0"/>
-              <a:t>GenericServlet</a:t>
-            </a:r>
-            <a:endParaRPr lang="it-IT" dirty="0"/>
-          </a:p>
-          <a:p>
-            <a:pPr lvl="1">
-              <a:buFont typeface="Wingdings" panose="05000000000000000000" pitchFamily="2" charset="2"/>
-              <a:buChar char="Ø"/>
-            </a:pPr>
-            <a:r>
-              <a:rPr lang="it-IT" dirty="0" smtClean="0"/>
-              <a:t>Pair</a:t>
-            </a:r>
-            <a:endParaRPr lang="it-IT" dirty="0"/>
-          </a:p>
-          <a:p>
-            <a:pPr lvl="1">
-              <a:buFont typeface="Wingdings" panose="05000000000000000000" pitchFamily="2" charset="2"/>
-              <a:buChar char="Ø"/>
-            </a:pPr>
-            <a:r>
-              <a:rPr lang="it-IT" dirty="0" smtClean="0"/>
-              <a:t>QueryExecutor</a:t>
-            </a:r>
-            <a:endParaRPr lang="it-IT" dirty="0"/>
-          </a:p>
-          <a:p>
-            <a:pPr lvl="1"/>
-            <a:endParaRPr lang="it-IT" dirty="0"/>
-          </a:p>
-        </p:txBody>
-      </p:sp>
-      <p:sp>
-        <p:nvSpPr>
-          <p:cNvPr id="4" name="Segnaposto numero diapositiva 3">
-            <a:extLst>
-              <a:ext uri="{FF2B5EF4-FFF2-40B4-BE49-F238E27FC236}">
-                <a16:creationId xmlns:a16="http://schemas.microsoft.com/office/drawing/2014/main" id="{D5F1111E-3B49-42AE-AA6B-6D69A6BE1CD6}"/>
-              </a:ext>
-            </a:extLst>
-          </p:cNvPr>
-          <p:cNvSpPr>
-            <a:spLocks noGrp="1"/>
-          </p:cNvSpPr>
-          <p:nvPr>
-            <p:ph type="sldNum" sz="quarter" idx="12"/>
-          </p:nvPr>
-        </p:nvSpPr>
-        <p:spPr/>
-        <p:txBody>
-          <a:bodyPr/>
-          <a:lstStyle/>
-          <a:p>
-            <a:fld id="{D57F1E4F-1CFF-5643-939E-217C01CDF565}" type="slidenum">
-              <a:rPr lang="en-US" smtClean="0"/>
-              <a:pPr/>
-              <a:t>7</a:t>
-            </a:fld>
-            <a:endParaRPr lang="en-US"/>
-          </a:p>
-        </p:txBody>
-      </p:sp>
-      <p:sp>
-        <p:nvSpPr>
-          <p:cNvPr id="6" name="Segnaposto contenuto 2">
-            <a:extLst>
-              <a:ext uri="{FF2B5EF4-FFF2-40B4-BE49-F238E27FC236}">
-                <a16:creationId xmlns:a16="http://schemas.microsoft.com/office/drawing/2014/main" id="{FF9600C4-C522-4272-A56A-F077EF632074}"/>
-              </a:ext>
-            </a:extLst>
-          </p:cNvPr>
-          <p:cNvSpPr txBox="1">
-            <a:spLocks/>
-          </p:cNvSpPr>
-          <p:nvPr/>
-        </p:nvSpPr>
-        <p:spPr>
-          <a:xfrm>
-            <a:off x="3601674" y="2297788"/>
-            <a:ext cx="7713212" cy="4304348"/>
-          </a:xfrm>
-          <a:prstGeom prst="rect">
-            <a:avLst/>
-          </a:prstGeom>
-          <a:effectLst>
-            <a:outerShdw blurRad="50800" dir="14400000">
-              <a:srgbClr val="000000">
-                <a:alpha val="40000"/>
-              </a:srgbClr>
-            </a:outerShdw>
-          </a:effectLst>
-        </p:spPr>
-        <p:txBody>
-          <a:bodyPr vert="horz" lIns="91440" tIns="45720" rIns="91440" bIns="45720" numCol="2" rtlCol="0" anchor="t">
-            <a:normAutofit/>
-          </a:bodyPr>
-          <a:lstStyle>
-            <a:lvl1pPr marL="342900" indent="-342900" algn="l" defTabSz="457200" rtl="0" eaLnBrk="1" latinLnBrk="0" hangingPunct="1">
-              <a:spcBef>
-                <a:spcPct val="20000"/>
-              </a:spcBef>
-              <a:spcAft>
-                <a:spcPts val="600"/>
-              </a:spcAft>
-              <a:buClr>
-                <a:schemeClr val="accent1"/>
-              </a:buClr>
-              <a:buFont typeface="Wingdings 2" charset="2"/>
-              <a:buChar char=""/>
-              <a:defRPr sz="1800" kern="1200">
-                <a:solidFill>
-                  <a:schemeClr val="tx1"/>
-                </a:solidFill>
-                <a:latin typeface="+mn-lt"/>
-                <a:ea typeface="+mn-ea"/>
-                <a:cs typeface="+mn-cs"/>
-              </a:defRPr>
-            </a:lvl1pPr>
-            <a:lvl2pPr marL="742950" indent="-285750" algn="l" defTabSz="457200" rtl="0" eaLnBrk="1" latinLnBrk="0" hangingPunct="1">
-              <a:spcBef>
-                <a:spcPct val="20000"/>
-              </a:spcBef>
-              <a:spcAft>
-                <a:spcPts val="600"/>
-              </a:spcAft>
-              <a:buClr>
-                <a:schemeClr val="accent1"/>
-              </a:buClr>
-              <a:buFont typeface="Wingdings 2" charset="2"/>
-              <a:buChar char=""/>
-              <a:defRPr sz="1600" kern="1200">
-                <a:solidFill>
-                  <a:schemeClr val="tx1"/>
-                </a:solidFill>
-                <a:latin typeface="+mn-lt"/>
-                <a:ea typeface="+mn-ea"/>
-                <a:cs typeface="+mn-cs"/>
-              </a:defRPr>
-            </a:lvl2pPr>
-            <a:lvl3pPr marL="1143000" indent="-228600" algn="l" defTabSz="457200" rtl="0" eaLnBrk="1" latinLnBrk="0" hangingPunct="1">
-              <a:spcBef>
-                <a:spcPct val="20000"/>
-              </a:spcBef>
-              <a:spcAft>
-                <a:spcPts val="600"/>
-              </a:spcAft>
-              <a:buClr>
-                <a:schemeClr val="accent1"/>
-              </a:buClr>
-              <a:buFont typeface="Wingdings 2" charset="2"/>
-              <a:buChar char=""/>
-              <a:defRPr sz="1400" kern="1200">
-                <a:solidFill>
-                  <a:schemeClr val="tx1"/>
-                </a:solidFill>
-                <a:latin typeface="+mn-lt"/>
-                <a:ea typeface="+mn-ea"/>
-                <a:cs typeface="+mn-cs"/>
-              </a:defRPr>
-            </a:lvl3pPr>
-            <a:lvl4pPr marL="1600200" indent="-228600" algn="l" defTabSz="457200" rtl="0" eaLnBrk="1" latinLnBrk="0" hangingPunct="1">
-              <a:spcBef>
-                <a:spcPct val="20000"/>
-              </a:spcBef>
-              <a:spcAft>
-                <a:spcPts val="600"/>
-              </a:spcAft>
-              <a:buClr>
-                <a:schemeClr val="accent1"/>
-              </a:buClr>
-              <a:buFont typeface="Wingdings 2" charset="2"/>
-              <a:buChar char=""/>
-              <a:defRPr sz="1200" kern="1200">
-                <a:solidFill>
-                  <a:schemeClr val="tx1"/>
-                </a:solidFill>
-                <a:latin typeface="+mn-lt"/>
-                <a:ea typeface="+mn-ea"/>
-                <a:cs typeface="+mn-cs"/>
-              </a:defRPr>
-            </a:lvl4pPr>
-            <a:lvl5pPr marL="2057400" indent="-228600" algn="l" defTabSz="457200" rtl="0" eaLnBrk="1" latinLnBrk="0" hangingPunct="1">
-              <a:spcBef>
-                <a:spcPct val="20000"/>
-              </a:spcBef>
-              <a:spcAft>
-                <a:spcPts val="600"/>
-              </a:spcAft>
-              <a:buClr>
-                <a:schemeClr val="accent1"/>
-              </a:buClr>
-              <a:buFont typeface="Wingdings 2" charset="2"/>
-              <a:buChar char=""/>
-              <a:defRPr sz="1200" kern="1200">
-                <a:solidFill>
-                  <a:schemeClr val="tx1"/>
-                </a:solidFill>
-                <a:latin typeface="+mn-lt"/>
-                <a:ea typeface="+mn-ea"/>
-                <a:cs typeface="+mn-cs"/>
-              </a:defRPr>
-            </a:lvl5pPr>
-            <a:lvl6pPr marL="2400000" indent="-228600" algn="l" defTabSz="457200" rtl="0" eaLnBrk="1" latinLnBrk="0" hangingPunct="1">
-              <a:spcBef>
-                <a:spcPct val="20000"/>
-              </a:spcBef>
-              <a:spcAft>
-                <a:spcPts val="600"/>
-              </a:spcAft>
-              <a:buClr>
-                <a:schemeClr val="accent1"/>
-              </a:buClr>
-              <a:buFont typeface="Wingdings 2" charset="2"/>
-              <a:buChar char=""/>
-              <a:defRPr sz="1200" kern="1200">
-                <a:solidFill>
-                  <a:schemeClr val="tx1"/>
-                </a:solidFill>
-                <a:latin typeface="+mn-lt"/>
-                <a:ea typeface="+mn-ea"/>
-                <a:cs typeface="+mn-cs"/>
-              </a:defRPr>
-            </a:lvl6pPr>
-            <a:lvl7pPr marL="2800000" indent="-228600" algn="l" defTabSz="457200" rtl="0" eaLnBrk="1" latinLnBrk="0" hangingPunct="1">
-              <a:spcBef>
-                <a:spcPct val="20000"/>
-              </a:spcBef>
-              <a:spcAft>
-                <a:spcPts val="600"/>
-              </a:spcAft>
-              <a:buClr>
-                <a:schemeClr val="accent1"/>
-              </a:buClr>
-              <a:buFont typeface="Wingdings 2" charset="2"/>
-              <a:buChar char=""/>
-              <a:defRPr sz="1200" kern="1200">
-                <a:solidFill>
-                  <a:schemeClr val="tx1"/>
-                </a:solidFill>
-                <a:latin typeface="+mn-lt"/>
-                <a:ea typeface="+mn-ea"/>
-                <a:cs typeface="+mn-cs"/>
-              </a:defRPr>
-            </a:lvl7pPr>
-            <a:lvl8pPr marL="3200000" indent="-228600" algn="l" defTabSz="457200" rtl="0" eaLnBrk="1" latinLnBrk="0" hangingPunct="1">
-              <a:spcBef>
-                <a:spcPct val="20000"/>
-              </a:spcBef>
-              <a:spcAft>
-                <a:spcPts val="600"/>
-              </a:spcAft>
-              <a:buClr>
-                <a:schemeClr val="accent1"/>
-              </a:buClr>
-              <a:buFont typeface="Wingdings 2" charset="2"/>
-              <a:buChar char=""/>
-              <a:defRPr sz="1200" kern="1200">
-                <a:solidFill>
-                  <a:schemeClr val="tx1"/>
-                </a:solidFill>
-                <a:latin typeface="+mn-lt"/>
-                <a:ea typeface="+mn-ea"/>
-                <a:cs typeface="+mn-cs"/>
-              </a:defRPr>
-            </a:lvl8pPr>
-            <a:lvl9pPr marL="3600000" indent="-228600" algn="l" defTabSz="457200" rtl="0" eaLnBrk="1" latinLnBrk="0" hangingPunct="1">
-              <a:spcBef>
-                <a:spcPct val="20000"/>
-              </a:spcBef>
-              <a:spcAft>
-                <a:spcPts val="600"/>
-              </a:spcAft>
-              <a:buClr>
-                <a:schemeClr val="accent1"/>
-              </a:buClr>
-              <a:buFont typeface="Wingdings 2" charset="2"/>
-              <a:buChar char=""/>
-              <a:defRPr sz="1200" kern="1200">
-                <a:solidFill>
-                  <a:schemeClr val="tx1"/>
-                </a:solidFill>
-                <a:latin typeface="+mn-lt"/>
-                <a:ea typeface="+mn-ea"/>
-                <a:cs typeface="+mn-cs"/>
-              </a:defRPr>
-            </a:lvl9pPr>
-          </a:lstStyle>
-          <a:p>
-            <a:r>
-              <a:rPr lang="it-IT" sz="1700" b="1" dirty="0"/>
-              <a:t>Controllers</a:t>
-            </a:r>
-          </a:p>
-          <a:p>
-            <a:pPr lvl="1">
-              <a:buFont typeface="Wingdings" panose="05000000000000000000" pitchFamily="2" charset="2"/>
-              <a:buChar char="Ø"/>
-            </a:pPr>
-            <a:r>
-              <a:rPr lang="it-IT" sz="1500" dirty="0" smtClean="0"/>
-              <a:t>CartController</a:t>
-            </a:r>
-            <a:endParaRPr lang="it-IT" sz="1500" dirty="0"/>
-          </a:p>
-          <a:p>
-            <a:pPr lvl="1">
-              <a:buFont typeface="Wingdings" panose="05000000000000000000" pitchFamily="2" charset="2"/>
-              <a:buChar char="Ø"/>
-            </a:pPr>
-            <a:r>
-              <a:rPr lang="it-IT" sz="1500" dirty="0" smtClean="0"/>
-              <a:t>HomeController</a:t>
-            </a:r>
-            <a:endParaRPr lang="it-IT" sz="1500" dirty="0"/>
-          </a:p>
-          <a:p>
-            <a:pPr lvl="1">
-              <a:buFont typeface="Wingdings" panose="05000000000000000000" pitchFamily="2" charset="2"/>
-              <a:buChar char="Ø"/>
-            </a:pPr>
-            <a:r>
-              <a:rPr lang="it-IT" sz="1500" dirty="0" smtClean="0"/>
-              <a:t>LoginController</a:t>
-            </a:r>
-            <a:endParaRPr lang="it-IT" sz="1500" dirty="0"/>
-          </a:p>
-          <a:p>
-            <a:pPr lvl="1">
-              <a:buFont typeface="Wingdings" panose="05000000000000000000" pitchFamily="2" charset="2"/>
-              <a:buChar char="Ø"/>
-            </a:pPr>
-            <a:r>
-              <a:rPr lang="it-IT" sz="1500" dirty="0" smtClean="0"/>
-              <a:t>OrderController</a:t>
-            </a:r>
-            <a:endParaRPr lang="it-IT" sz="1500" dirty="0"/>
-          </a:p>
-          <a:p>
-            <a:pPr lvl="1">
-              <a:buFont typeface="Wingdings" panose="05000000000000000000" pitchFamily="2" charset="2"/>
-              <a:buChar char="Ø"/>
-            </a:pPr>
-            <a:r>
-              <a:rPr lang="it-IT" sz="1500" dirty="0" smtClean="0"/>
-              <a:t>SaveArticleController</a:t>
-            </a:r>
-            <a:endParaRPr lang="it-IT" sz="1500" dirty="0"/>
-          </a:p>
-          <a:p>
-            <a:pPr lvl="1">
-              <a:buFont typeface="Wingdings" panose="05000000000000000000" pitchFamily="2" charset="2"/>
-              <a:buChar char="Ø"/>
-            </a:pPr>
-            <a:r>
-              <a:rPr lang="it-IT" sz="1500" dirty="0" smtClean="0"/>
-              <a:t>SearchController</a:t>
-            </a:r>
-          </a:p>
-          <a:p>
-            <a:pPr lvl="1">
-              <a:buFont typeface="Wingdings" panose="05000000000000000000" pitchFamily="2" charset="2"/>
-              <a:buChar char="Ø"/>
-            </a:pPr>
-            <a:r>
-              <a:rPr lang="it-IT" sz="1500" dirty="0" smtClean="0"/>
-              <a:t>Logout</a:t>
-            </a:r>
-            <a:endParaRPr lang="it-IT" sz="1500" dirty="0"/>
-          </a:p>
-          <a:p>
-            <a:pPr marL="457200" lvl="1" indent="0">
+            <a:pPr marL="0" indent="0">
               <a:buNone/>
             </a:pPr>
+            <a:r>
+              <a:rPr lang="it-IT" dirty="0"/>
+              <a:t>Si realizzi un’applicazione client server web che modifica le specifiche precedenti come segue:</a:t>
+            </a:r>
             <a:endParaRPr lang="it-IT" dirty="0"/>
           </a:p>
           <a:p>
-            <a:pPr lvl="1">
-              <a:buFont typeface="Wingdings" panose="05000000000000000000" pitchFamily="2" charset="2"/>
-              <a:buChar char="Ø"/>
+            <a:pPr fontAlgn="base"/>
+            <a:r>
+              <a:rPr lang="it-IT" dirty="0"/>
+              <a:t>Dopo </a:t>
+            </a:r>
+            <a:r>
+              <a:rPr lang="it-IT" dirty="0">
+                <a:solidFill>
+                  <a:srgbClr val="FF0000"/>
+                </a:solidFill>
+              </a:rPr>
+              <a:t>il login </a:t>
+            </a:r>
+            <a:r>
+              <a:rPr lang="it-IT" dirty="0"/>
+              <a:t>dell’utente, l’intera applicazione è realizzata con </a:t>
+            </a:r>
+            <a:r>
+              <a:rPr lang="it-IT" dirty="0">
+                <a:solidFill>
+                  <a:srgbClr val="FF0000"/>
+                </a:solidFill>
+              </a:rPr>
+              <a:t>un’unica pagina</a:t>
+            </a:r>
+            <a:r>
+              <a:rPr lang="it-IT" dirty="0"/>
+              <a:t>.</a:t>
+            </a:r>
+          </a:p>
+          <a:p>
+            <a:pPr fontAlgn="base"/>
+            <a:r>
+              <a:rPr lang="it-IT" dirty="0">
+                <a:solidFill>
+                  <a:srgbClr val="00B0F0"/>
+                </a:solidFill>
+              </a:rPr>
+              <a:t>Ogni interazione dell’utente </a:t>
+            </a:r>
+            <a:r>
+              <a:rPr lang="it-IT" dirty="0"/>
+              <a:t>è </a:t>
+            </a:r>
+            <a:r>
+              <a:rPr lang="it-IT" dirty="0">
+                <a:solidFill>
+                  <a:schemeClr val="accent4">
+                    <a:lumMod val="75000"/>
+                  </a:schemeClr>
+                </a:solidFill>
+              </a:rPr>
+              <a:t>gestita senza ricaricare completamente la pagina</a:t>
+            </a:r>
+            <a:r>
+              <a:rPr lang="it-IT" dirty="0"/>
+              <a:t>, ma produce </a:t>
+            </a:r>
+            <a:r>
+              <a:rPr lang="it-IT" dirty="0">
+                <a:solidFill>
+                  <a:schemeClr val="accent4">
+                    <a:lumMod val="75000"/>
+                  </a:schemeClr>
+                </a:solidFill>
+              </a:rPr>
+              <a:t>l’invocazione asincrona del server e l’eventuale modifica del contenuto da aggiornare </a:t>
+            </a:r>
+            <a:r>
+              <a:rPr lang="it-IT" dirty="0"/>
+              <a:t>a seguito dell’evento.</a:t>
+            </a:r>
+          </a:p>
+          <a:p>
+            <a:pPr fontAlgn="base"/>
+            <a:r>
+              <a:rPr lang="it-IT" dirty="0"/>
+              <a:t>L’applicazione memorizza il contenuto del carrello a lato client.</a:t>
+            </a:r>
+          </a:p>
+          <a:p>
+            <a:pPr fontAlgn="base"/>
+            <a:r>
+              <a:rPr lang="it-IT" dirty="0"/>
+              <a:t>Nella pagina RISULTATI </a:t>
+            </a:r>
+            <a:r>
+              <a:rPr lang="it-IT" dirty="0">
+                <a:solidFill>
+                  <a:srgbClr val="00B050"/>
+                </a:solidFill>
+              </a:rPr>
+              <a:t>l’elenco dettagliato degli articoli </a:t>
+            </a:r>
+            <a:r>
+              <a:rPr lang="it-IT" dirty="0"/>
+              <a:t>già nel carrello da parte di un fornitore </a:t>
+            </a:r>
+            <a:r>
+              <a:rPr lang="it-IT" dirty="0">
+                <a:solidFill>
+                  <a:schemeClr val="accent4">
+                    <a:lumMod val="75000"/>
+                  </a:schemeClr>
+                </a:solidFill>
+              </a:rPr>
+              <a:t>compare mediante una finestra sovrapposta </a:t>
+            </a:r>
+            <a:r>
+              <a:rPr lang="it-IT" dirty="0"/>
+              <a:t>quando </a:t>
+            </a:r>
+            <a:r>
+              <a:rPr lang="it-IT" dirty="0">
+                <a:solidFill>
+                  <a:srgbClr val="00B0F0"/>
+                </a:solidFill>
+              </a:rPr>
+              <a:t>si passa con il mouse sopra </a:t>
+            </a:r>
+            <a:r>
+              <a:rPr lang="it-IT" dirty="0"/>
+              <a:t>il numero che indica quanti articoli del medesimo fornitore sono già nel carrello.</a:t>
+            </a:r>
+          </a:p>
+          <a:p>
+            <a:pPr marL="0" indent="0" algn="just">
+              <a:buNone/>
             </a:pPr>
-            <a:endParaRPr lang="it-IT" dirty="0"/>
-          </a:p>
-          <a:p>
-            <a:pPr lvl="1"/>
-            <a:endParaRPr lang="it-IT" dirty="0"/>
+            <a:endParaRPr lang="it-IT" dirty="0" smtClean="0"/>
+          </a:p>
+          <a:p>
+            <a:pPr marL="0" indent="0" algn="just">
+              <a:buNone/>
+            </a:pPr>
+            <a:r>
+              <a:rPr lang="it-IT" dirty="0" smtClean="0"/>
+              <a:t>L’applicazione </a:t>
+            </a:r>
+            <a:r>
+              <a:rPr lang="it-IT" dirty="0"/>
+              <a:t>NON salva il carrello nella base di dati ma solo gli ordini</a:t>
+            </a:r>
+            <a:r>
+              <a:rPr lang="it-IT" dirty="0" smtClean="0"/>
+              <a:t>.</a:t>
+            </a:r>
+          </a:p>
+          <a:p>
+            <a:pPr algn="just">
+              <a:buFont typeface="Courier New" panose="02070309020205020404" pitchFamily="49" charset="0"/>
+              <a:buChar char="o"/>
+            </a:pPr>
+            <a:r>
+              <a:rPr lang="it-IT" dirty="0">
+                <a:solidFill>
+                  <a:srgbClr val="FF0000"/>
+                </a:solidFill>
+              </a:rPr>
+              <a:t>pages (views), </a:t>
+            </a:r>
+            <a:r>
+              <a:rPr lang="it-IT" dirty="0">
+                <a:solidFill>
+                  <a:srgbClr val="00B050"/>
+                </a:solidFill>
+              </a:rPr>
+              <a:t>view components</a:t>
+            </a:r>
+            <a:r>
+              <a:rPr lang="it-IT" dirty="0"/>
+              <a:t>, </a:t>
+            </a:r>
+            <a:r>
+              <a:rPr lang="it-IT" dirty="0">
+                <a:solidFill>
+                  <a:srgbClr val="00B0F0"/>
+                </a:solidFill>
+              </a:rPr>
+              <a:t>events</a:t>
+            </a:r>
+            <a:r>
+              <a:rPr lang="it-IT" dirty="0"/>
+              <a:t>, </a:t>
+            </a:r>
+            <a:r>
+              <a:rPr lang="it-IT" dirty="0">
+                <a:solidFill>
+                  <a:schemeClr val="accent4">
+                    <a:lumMod val="75000"/>
+                  </a:schemeClr>
+                </a:solidFill>
+              </a:rPr>
+              <a:t>actions</a:t>
+            </a:r>
+            <a:endParaRPr lang="en-US" dirty="0">
+              <a:solidFill>
+                <a:schemeClr val="accent4">
+                  <a:lumMod val="75000"/>
+                </a:schemeClr>
+              </a:solidFill>
+            </a:endParaRPr>
+          </a:p>
+          <a:p>
+            <a:pPr marL="0" indent="0" algn="just">
+              <a:buNone/>
+            </a:pPr>
+            <a:endParaRPr lang="it-IT" dirty="0" smtClean="0"/>
           </a:p>
         </p:txBody>
       </p:sp>
     </p:spTree>
     <p:extLst>
       <p:ext uri="{BB962C8B-B14F-4D97-AF65-F5344CB8AC3E}">
-        <p14:creationId xmlns:p14="http://schemas.microsoft.com/office/powerpoint/2010/main" val="3737424853"/>
+        <p14:creationId xmlns:p14="http://schemas.microsoft.com/office/powerpoint/2010/main" val="1983836842"/>
       </p:ext>
     </p:extLst>
   </p:cSld>
@@ -6917,7 +9687,7 @@
           <p:cNvPr id="2" name="Titolo 1">
             <a:extLst>
               <a:ext uri="{FF2B5EF4-FFF2-40B4-BE49-F238E27FC236}">
-                <a16:creationId xmlns:a16="http://schemas.microsoft.com/office/drawing/2014/main" id="{B5B7DC8F-039C-4172-8A11-12712AE5D504}"/>
+                <a16:creationId xmlns:a16="http://schemas.microsoft.com/office/drawing/2014/main" id="{21966782-F3F8-4992-B559-30F48925E0B0}"/>
               </a:ext>
             </a:extLst>
           </p:cNvPr>
@@ -6928,15 +9698,141 @@
             <p:ph type="title"/>
           </p:nvPr>
         </p:nvSpPr>
-        <p:spPr/>
+        <p:spPr>
+          <a:xfrm>
+            <a:off x="796937" y="248194"/>
+            <a:ext cx="10571998" cy="1306604"/>
+          </a:xfrm>
+        </p:spPr>
         <p:txBody>
           <a:bodyPr/>
           <a:lstStyle/>
           <a:p>
             <a:r>
-              <a:rPr lang="it-IT"/>
-              <a:t>Componenti Model-Controller (cont.)</a:t>
-            </a:r>
+              <a:rPr lang="it-IT" dirty="0" smtClean="0"/>
+              <a:t>Server side</a:t>
+            </a:r>
+            <a:br>
+              <a:rPr lang="it-IT" dirty="0" smtClean="0"/>
+            </a:br>
+            <a:r>
+              <a:rPr lang="it-IT" dirty="0" smtClean="0"/>
+              <a:t>Componenti Model-Controller (1/2)</a:t>
+            </a:r>
+            <a:endParaRPr lang="it-IT" dirty="0"/>
+          </a:p>
+        </p:txBody>
+      </p:sp>
+      <p:sp>
+        <p:nvSpPr>
+          <p:cNvPr id="3" name="Segnaposto contenuto 2">
+            <a:extLst>
+              <a:ext uri="{FF2B5EF4-FFF2-40B4-BE49-F238E27FC236}">
+                <a16:creationId xmlns:a16="http://schemas.microsoft.com/office/drawing/2014/main" id="{CF6FFA0E-5ACC-470F-B145-41A642F1CB32}"/>
+              </a:ext>
+            </a:extLst>
+          </p:cNvPr>
+          <p:cNvSpPr>
+            <a:spLocks noGrp="1"/>
+          </p:cNvSpPr>
+          <p:nvPr>
+            <p:ph idx="1"/>
+          </p:nvPr>
+        </p:nvSpPr>
+        <p:spPr>
+          <a:xfrm>
+            <a:off x="509152" y="2331344"/>
+            <a:ext cx="3520739" cy="4304348"/>
+          </a:xfrm>
+        </p:spPr>
+        <p:txBody>
+          <a:bodyPr anchor="t">
+            <a:normAutofit/>
+          </a:bodyPr>
+          <a:lstStyle/>
+          <a:p>
+            <a:r>
+              <a:rPr lang="it-IT" b="1" dirty="0" smtClean="0"/>
+              <a:t>Module Objects (beans) </a:t>
+            </a:r>
+          </a:p>
+          <a:p>
+            <a:pPr lvl="1">
+              <a:buFont typeface="Wingdings" panose="05000000000000000000" pitchFamily="2" charset="2"/>
+              <a:buChar char="Ø"/>
+            </a:pPr>
+            <a:r>
+              <a:rPr lang="it-IT" dirty="0" smtClean="0"/>
+              <a:t>ArticleBean</a:t>
+            </a:r>
+            <a:endParaRPr lang="it-IT" dirty="0"/>
+          </a:p>
+          <a:p>
+            <a:pPr lvl="1">
+              <a:buFont typeface="Wingdings" panose="05000000000000000000" pitchFamily="2" charset="2"/>
+              <a:buChar char="Ø"/>
+            </a:pPr>
+            <a:r>
+              <a:rPr lang="it-IT" dirty="0" smtClean="0"/>
+              <a:t>OrderBean</a:t>
+            </a:r>
+            <a:endParaRPr lang="it-IT" dirty="0"/>
+          </a:p>
+          <a:p>
+            <a:pPr lvl="1">
+              <a:buFont typeface="Wingdings" panose="05000000000000000000" pitchFamily="2" charset="2"/>
+              <a:buChar char="Ø"/>
+            </a:pPr>
+            <a:r>
+              <a:rPr lang="it-IT" dirty="0" smtClean="0"/>
+              <a:t>SellerBean</a:t>
+            </a:r>
+          </a:p>
+          <a:p>
+            <a:pPr lvl="1">
+              <a:buFont typeface="Wingdings" panose="05000000000000000000" pitchFamily="2" charset="2"/>
+              <a:buChar char="Ø"/>
+            </a:pPr>
+            <a:r>
+              <a:rPr lang="it-IT" dirty="0" smtClean="0"/>
+              <a:t>SellerOfferBean</a:t>
+            </a:r>
+          </a:p>
+          <a:p>
+            <a:pPr lvl="1">
+              <a:buFont typeface="Wingdings" panose="05000000000000000000" pitchFamily="2" charset="2"/>
+              <a:buChar char="Ø"/>
+            </a:pPr>
+            <a:r>
+              <a:rPr lang="it-IT" dirty="0" smtClean="0"/>
+              <a:t>ShippingPolicyBean</a:t>
+            </a:r>
+            <a:endParaRPr lang="it-IT" dirty="0"/>
+          </a:p>
+          <a:p>
+            <a:pPr lvl="1">
+              <a:buFont typeface="Wingdings" panose="05000000000000000000" pitchFamily="2" charset="2"/>
+              <a:buChar char="Ø"/>
+            </a:pPr>
+            <a:r>
+              <a:rPr lang="it-IT" dirty="0" smtClean="0"/>
+              <a:t>ViewBean</a:t>
+            </a:r>
+          </a:p>
+          <a:p>
+            <a:pPr lvl="1">
+              <a:buFont typeface="Wingdings" panose="05000000000000000000" pitchFamily="2" charset="2"/>
+              <a:buChar char="Ø"/>
+            </a:pPr>
+            <a:r>
+              <a:rPr lang="it-IT" dirty="0" smtClean="0"/>
+              <a:t>UserBean</a:t>
+            </a:r>
+            <a:endParaRPr lang="it-IT" dirty="0"/>
+          </a:p>
+          <a:p>
+            <a:pPr lvl="1"/>
+            <a:endParaRPr lang="it-IT" dirty="0"/>
           </a:p>
         </p:txBody>
       </p:sp>
@@ -6945,7 +9841,7 @@
           <p:cNvPr id="4" name="Segnaposto numero diapositiva 3">
             <a:extLst>
               <a:ext uri="{FF2B5EF4-FFF2-40B4-BE49-F238E27FC236}">
-                <a16:creationId xmlns:a16="http://schemas.microsoft.com/office/drawing/2014/main" id="{FAFF59A5-58C7-456E-B7E7-ED18A593E71C}"/>
+                <a16:creationId xmlns:a16="http://schemas.microsoft.com/office/drawing/2014/main" id="{D5F1111E-3B49-42AE-AA6B-6D69A6BE1CD6}"/>
               </a:ext>
             </a:extLst>
           </p:cNvPr>
@@ -6972,10 +9868,10 @@
       </p:sp>
       <p:sp>
         <p:nvSpPr>
-          <p:cNvPr id="5" name="Segnaposto contenuto 2">
+          <p:cNvPr id="6" name="Segnaposto contenuto 2">
             <a:extLst>
               <a:ext uri="{FF2B5EF4-FFF2-40B4-BE49-F238E27FC236}">
-                <a16:creationId xmlns:a16="http://schemas.microsoft.com/office/drawing/2014/main" id="{79469055-FC84-4FA9-A019-02317B9171DC}"/>
+                <a16:creationId xmlns:a16="http://schemas.microsoft.com/office/drawing/2014/main" id="{FF9600C4-C522-4272-A56A-F077EF632074}"/>
               </a:ext>
             </a:extLst>
           </p:cNvPr>
@@ -6986,8 +9882,8 @@
         </p:nvSpPr>
         <p:spPr>
           <a:xfrm>
-            <a:off x="1595647" y="2889680"/>
-            <a:ext cx="3707933" cy="2375388"/>
+            <a:off x="7295607" y="2356718"/>
+            <a:ext cx="4813662" cy="3338312"/>
           </a:xfrm>
           <a:prstGeom prst="rect">
             <a:avLst/>
@@ -7001,7 +9897,7 @@
           </a:effectLst>
         </p:spPr>
         <p:txBody>
-          <a:bodyPr vert="horz" lIns="91440" tIns="45720" rIns="91440" bIns="45720" rtlCol="0" anchor="t">
+          <a:bodyPr vert="horz" lIns="91440" tIns="45720" rIns="91440" bIns="45720" numCol="2" rtlCol="0" anchor="t">
             <a:normAutofit/>
           </a:bodyPr>
           <a:lstStyle>
@@ -7196,80 +10092,46 @@
             </a:lvl9pPr>
           </a:lstStyle>
           <a:p>
-            <a:r>
-              <a:rPr lang="it-IT" b="1" dirty="0"/>
-              <a:t>Data Access Objects (DAO)</a:t>
-            </a:r>
+            <a:pPr marL="457200" lvl="1" indent="0">
+              <a:buNone/>
+            </a:pPr>
+            <a:endParaRPr lang="it-IT" dirty="0"/>
           </a:p>
           <a:p>
             <a:pPr lvl="1">
               <a:buFont typeface="Wingdings" panose="05000000000000000000" pitchFamily="2" charset="2"/>
               <a:buChar char="Ø"/>
             </a:pPr>
-            <a:r>
-              <a:rPr lang="it-IT" dirty="0" smtClean="0"/>
-              <a:t>ArticleDAO</a:t>
-            </a:r>
-          </a:p>
-          <a:p>
-            <a:pPr lvl="1">
-              <a:buFont typeface="Wingdings" panose="05000000000000000000" pitchFamily="2" charset="2"/>
-              <a:buChar char="Ø"/>
-            </a:pPr>
-            <a:r>
-              <a:rPr lang="it-IT" dirty="0" smtClean="0"/>
-              <a:t>OrderDAO</a:t>
-            </a:r>
-          </a:p>
-          <a:p>
-            <a:pPr lvl="1">
-              <a:buFont typeface="Wingdings" panose="05000000000000000000" pitchFamily="2" charset="2"/>
-              <a:buChar char="Ø"/>
-            </a:pPr>
-            <a:r>
-              <a:rPr lang="it-IT" dirty="0" smtClean="0"/>
-              <a:t>UserDAO</a:t>
-            </a:r>
             <a:endParaRPr lang="it-IT" dirty="0"/>
           </a:p>
-        </p:txBody>
-      </p:sp>
-      <p:sp>
-        <p:nvSpPr>
-          <p:cNvPr id="6" name="Segnaposto contenuto 2">
-            <a:extLst>
-              <a:ext uri="{FF2B5EF4-FFF2-40B4-BE49-F238E27FC236}">
-                <a16:creationId xmlns:a16="http://schemas.microsoft.com/office/drawing/2014/main" id="{BE9FC96A-1CE1-443C-B285-FAA6B6241536}"/>
-              </a:ext>
-            </a:extLst>
-          </p:cNvPr>
-          <p:cNvSpPr txBox="1">
-            <a:spLocks/>
-          </p:cNvSpPr>
+          <a:p>
+            <a:pPr lvl="1"/>
+            <a:endParaRPr lang="it-IT" dirty="0"/>
+          </a:p>
+        </p:txBody>
+      </p:sp>
+      <p:sp>
+        <p:nvSpPr>
+          <p:cNvPr id="8" name="Rectangle 7"/>
+          <p:cNvSpPr/>
           <p:nvPr/>
         </p:nvSpPr>
         <p:spPr>
           <a:xfrm>
-            <a:off x="5920754" y="2889680"/>
-            <a:ext cx="3707933" cy="2375388"/>
+            <a:off x="4164872" y="2344031"/>
+            <a:ext cx="3489959" cy="2231380"/>
           </a:xfrm>
           <a:prstGeom prst="rect">
             <a:avLst/>
           </a:prstGeom>
-          <a:effectLst>
-            <a:outerShdw blurRad="50800" dir="14400000">
-              <a:srgbClr val="000000">
-                <a:alpha val="40000"/>
-              </a:srgbClr>
-            </a:outerShdw>
-          </a:effectLst>
         </p:spPr>
         <p:txBody>
-          <a:bodyPr vert="horz" lIns="91440" tIns="45720" rIns="91440" bIns="45720" rtlCol="0" anchor="t">
-            <a:normAutofit/>
+          <a:bodyPr wrap="square">
+            <a:spAutoFit/>
           </a:bodyPr>
-          <a:lstStyle>
-            <a:lvl1pPr marL="342900" indent="-342900" algn="l" defTabSz="457200" rtl="0" eaLnBrk="1" latinLnBrk="0" hangingPunct="1">
+          <a:lstStyle/>
+          <a:p>
+            <a:pPr marL="342900" indent="-342900">
               <a:spcBef>
                 <a:spcPct val="20000"/>
               </a:spcBef>
@@ -7281,16 +10143,131 @@
               </a:buClr>
               <a:buFont typeface="Wingdings 2" charset="2"/>
               <a:buChar char=""/>
-              <a:defRPr sz="1800" kern="1200">
-                <a:solidFill>
-                  <a:schemeClr val="tx1"/>
-                </a:solidFill>
-                <a:latin typeface="+mn-lt"/>
-                <a:ea typeface="+mn-ea"/>
-                <a:cs typeface="+mn-cs"/>
-              </a:defRPr>
-            </a:lvl1pPr>
-            <a:lvl2pPr marL="742950" indent="-285750" algn="l" defTabSz="457200" rtl="0" eaLnBrk="1" latinLnBrk="0" hangingPunct="1">
+            </a:pPr>
+            <a:r>
+              <a:rPr lang="it-IT" b="1" dirty="0"/>
+              <a:t>Utils</a:t>
+            </a:r>
+          </a:p>
+          <a:p>
+            <a:pPr marL="742950" lvl="1" indent="-285750">
+              <a:spcBef>
+                <a:spcPct val="20000"/>
+              </a:spcBef>
+              <a:spcAft>
+                <a:spcPts val="600"/>
+              </a:spcAft>
+              <a:buClr>
+                <a:schemeClr val="accent1"/>
+              </a:buClr>
+              <a:buFont typeface="Wingdings" panose="05000000000000000000" pitchFamily="2" charset="2"/>
+              <a:buChar char="Ø"/>
+            </a:pPr>
+            <a:r>
+              <a:rPr lang="it-IT" sz="1600" dirty="0"/>
+              <a:t>ConnectionHandler</a:t>
+            </a:r>
+          </a:p>
+          <a:p>
+            <a:pPr marL="742950" lvl="1" indent="-285750">
+              <a:spcBef>
+                <a:spcPct val="20000"/>
+              </a:spcBef>
+              <a:spcAft>
+                <a:spcPts val="600"/>
+              </a:spcAft>
+              <a:buClr>
+                <a:schemeClr val="accent1"/>
+              </a:buClr>
+              <a:buFont typeface="Wingdings" panose="05000000000000000000" pitchFamily="2" charset="2"/>
+              <a:buChar char="Ø"/>
+            </a:pPr>
+            <a:r>
+              <a:rPr lang="it-IT" sz="1600" dirty="0"/>
+              <a:t>GenericServlet</a:t>
+            </a:r>
+          </a:p>
+          <a:p>
+            <a:pPr marL="742950" lvl="1" indent="-285750">
+              <a:spcBef>
+                <a:spcPct val="20000"/>
+              </a:spcBef>
+              <a:spcAft>
+                <a:spcPts val="600"/>
+              </a:spcAft>
+              <a:buClr>
+                <a:schemeClr val="accent1"/>
+              </a:buClr>
+              <a:buFont typeface="Wingdings" panose="05000000000000000000" pitchFamily="2" charset="2"/>
+              <a:buChar char="Ø"/>
+            </a:pPr>
+            <a:r>
+              <a:rPr lang="it-IT" sz="1600" dirty="0"/>
+              <a:t>Pair</a:t>
+            </a:r>
+          </a:p>
+          <a:p>
+            <a:pPr marL="742950" lvl="1" indent="-285750">
+              <a:spcBef>
+                <a:spcPct val="20000"/>
+              </a:spcBef>
+              <a:spcAft>
+                <a:spcPts val="600"/>
+              </a:spcAft>
+              <a:buClr>
+                <a:schemeClr val="accent1"/>
+              </a:buClr>
+              <a:buFont typeface="Wingdings" panose="05000000000000000000" pitchFamily="2" charset="2"/>
+              <a:buChar char="Ø"/>
+            </a:pPr>
+            <a:r>
+              <a:rPr lang="it-IT" sz="1600" dirty="0" smtClean="0"/>
+              <a:t>QueryExecutor</a:t>
+            </a:r>
+          </a:p>
+          <a:p>
+            <a:pPr marL="742950" lvl="1" indent="-285750">
+              <a:spcBef>
+                <a:spcPct val="20000"/>
+              </a:spcBef>
+              <a:spcAft>
+                <a:spcPts val="600"/>
+              </a:spcAft>
+              <a:buClr>
+                <a:schemeClr val="accent1"/>
+              </a:buClr>
+              <a:buFont typeface="Wingdings" panose="05000000000000000000" pitchFamily="2" charset="2"/>
+              <a:buChar char="Ø"/>
+            </a:pPr>
+            <a:r>
+              <a:rPr lang="it-IT" sz="1600" dirty="0" smtClean="0"/>
+              <a:t>@Ignore</a:t>
+            </a:r>
+          </a:p>
+        </p:txBody>
+      </p:sp>
+      <p:sp>
+        <p:nvSpPr>
+          <p:cNvPr id="9" name="Rectangle 8"/>
+          <p:cNvSpPr/>
+          <p:nvPr/>
+        </p:nvSpPr>
+        <p:spPr>
+          <a:xfrm>
+            <a:off x="7731034" y="2356718"/>
+            <a:ext cx="3108676" cy="2960811"/>
+          </a:xfrm>
+          <a:prstGeom prst="rect">
+            <a:avLst/>
+          </a:prstGeom>
+        </p:spPr>
+        <p:txBody>
+          <a:bodyPr wrap="square">
+            <a:spAutoFit/>
+          </a:bodyPr>
+          <a:lstStyle/>
+          <a:p>
+            <a:pPr marL="342900" indent="-342900">
               <a:spcBef>
                 <a:spcPct val="20000"/>
               </a:spcBef>
@@ -7302,16 +10279,14 @@
               </a:buClr>
               <a:buFont typeface="Wingdings 2" charset="2"/>
               <a:buChar char=""/>
-              <a:defRPr sz="1600" kern="1200">
-                <a:solidFill>
-                  <a:schemeClr val="tx1"/>
-                </a:solidFill>
-                <a:latin typeface="+mn-lt"/>
-                <a:ea typeface="+mn-ea"/>
-                <a:cs typeface="+mn-cs"/>
-              </a:defRPr>
-            </a:lvl2pPr>
-            <a:lvl3pPr marL="1143000" indent="-228600" algn="l" defTabSz="457200" rtl="0" eaLnBrk="1" latinLnBrk="0" hangingPunct="1">
+            </a:pPr>
+            <a:r>
+              <a:rPr lang="it-IT" b="1" dirty="0"/>
+              <a:t>Controllers</a:t>
+            </a:r>
+          </a:p>
+          <a:p>
+            <a:pPr marL="742950" lvl="1" indent="-285750">
               <a:spcBef>
                 <a:spcPct val="20000"/>
               </a:spcBef>
@@ -7321,18 +10296,16 @@
               <a:buClr>
                 <a:schemeClr val="accent1"/>
               </a:buClr>
-              <a:buFont typeface="Wingdings 2" charset="2"/>
-              <a:buChar char=""/>
-              <a:defRPr sz="1400" kern="1200">
-                <a:solidFill>
-                  <a:schemeClr val="tx1"/>
-                </a:solidFill>
-                <a:latin typeface="+mn-lt"/>
-                <a:ea typeface="+mn-ea"/>
-                <a:cs typeface="+mn-cs"/>
-              </a:defRPr>
-            </a:lvl3pPr>
-            <a:lvl4pPr marL="1600200" indent="-228600" algn="l" defTabSz="457200" rtl="0" eaLnBrk="1" latinLnBrk="0" hangingPunct="1">
+              <a:buFont typeface="Wingdings" panose="05000000000000000000" pitchFamily="2" charset="2"/>
+              <a:buChar char="Ø"/>
+            </a:pPr>
+            <a:r>
+              <a:rPr lang="it-IT" sz="1600" dirty="0"/>
+              <a:t>CartController</a:t>
+            </a:r>
+          </a:p>
+          <a:p>
+            <a:pPr marL="742950" lvl="1" indent="-285750">
               <a:spcBef>
                 <a:spcPct val="20000"/>
               </a:spcBef>
@@ -7342,18 +10315,16 @@
               <a:buClr>
                 <a:schemeClr val="accent1"/>
               </a:buClr>
-              <a:buFont typeface="Wingdings 2" charset="2"/>
-              <a:buChar char=""/>
-              <a:defRPr sz="1200" kern="1200">
-                <a:solidFill>
-                  <a:schemeClr val="tx1"/>
-                </a:solidFill>
-                <a:latin typeface="+mn-lt"/>
-                <a:ea typeface="+mn-ea"/>
-                <a:cs typeface="+mn-cs"/>
-              </a:defRPr>
-            </a:lvl4pPr>
-            <a:lvl5pPr marL="2057400" indent="-228600" algn="l" defTabSz="457200" rtl="0" eaLnBrk="1" latinLnBrk="0" hangingPunct="1">
+              <a:buFont typeface="Wingdings" panose="05000000000000000000" pitchFamily="2" charset="2"/>
+              <a:buChar char="Ø"/>
+            </a:pPr>
+            <a:r>
+              <a:rPr lang="it-IT" sz="1600" dirty="0"/>
+              <a:t>HomeController</a:t>
+            </a:r>
+          </a:p>
+          <a:p>
+            <a:pPr marL="742950" lvl="1" indent="-285750">
               <a:spcBef>
                 <a:spcPct val="20000"/>
               </a:spcBef>
@@ -7363,18 +10334,16 @@
               <a:buClr>
                 <a:schemeClr val="accent1"/>
               </a:buClr>
-              <a:buFont typeface="Wingdings 2" charset="2"/>
-              <a:buChar char=""/>
-              <a:defRPr sz="1200" kern="1200">
-                <a:solidFill>
-                  <a:schemeClr val="tx1"/>
-                </a:solidFill>
-                <a:latin typeface="+mn-lt"/>
-                <a:ea typeface="+mn-ea"/>
-                <a:cs typeface="+mn-cs"/>
-              </a:defRPr>
-            </a:lvl5pPr>
-            <a:lvl6pPr marL="2400000" indent="-228600" algn="l" defTabSz="457200" rtl="0" eaLnBrk="1" latinLnBrk="0" hangingPunct="1">
+              <a:buFont typeface="Wingdings" panose="05000000000000000000" pitchFamily="2" charset="2"/>
+              <a:buChar char="Ø"/>
+            </a:pPr>
+            <a:r>
+              <a:rPr lang="it-IT" sz="1600" dirty="0"/>
+              <a:t>LoginController</a:t>
+            </a:r>
+          </a:p>
+          <a:p>
+            <a:pPr marL="742950" lvl="1" indent="-285750">
               <a:spcBef>
                 <a:spcPct val="20000"/>
               </a:spcBef>
@@ -7384,18 +10353,16 @@
               <a:buClr>
                 <a:schemeClr val="accent1"/>
               </a:buClr>
-              <a:buFont typeface="Wingdings 2" charset="2"/>
-              <a:buChar char=""/>
-              <a:defRPr sz="1200" kern="1200">
-                <a:solidFill>
-                  <a:schemeClr val="tx1"/>
-                </a:solidFill>
-                <a:latin typeface="+mn-lt"/>
-                <a:ea typeface="+mn-ea"/>
-                <a:cs typeface="+mn-cs"/>
-              </a:defRPr>
-            </a:lvl6pPr>
-            <a:lvl7pPr marL="2800000" indent="-228600" algn="l" defTabSz="457200" rtl="0" eaLnBrk="1" latinLnBrk="0" hangingPunct="1">
+              <a:buFont typeface="Wingdings" panose="05000000000000000000" pitchFamily="2" charset="2"/>
+              <a:buChar char="Ø"/>
+            </a:pPr>
+            <a:r>
+              <a:rPr lang="it-IT" sz="1600" dirty="0"/>
+              <a:t>OrderController</a:t>
+            </a:r>
+          </a:p>
+          <a:p>
+            <a:pPr marL="742950" lvl="1" indent="-285750">
               <a:spcBef>
                 <a:spcPct val="20000"/>
               </a:spcBef>
@@ -7405,18 +10372,16 @@
               <a:buClr>
                 <a:schemeClr val="accent1"/>
               </a:buClr>
-              <a:buFont typeface="Wingdings 2" charset="2"/>
-              <a:buChar char=""/>
-              <a:defRPr sz="1200" kern="1200">
-                <a:solidFill>
-                  <a:schemeClr val="tx1"/>
-                </a:solidFill>
-                <a:latin typeface="+mn-lt"/>
-                <a:ea typeface="+mn-ea"/>
-                <a:cs typeface="+mn-cs"/>
-              </a:defRPr>
-            </a:lvl7pPr>
-            <a:lvl8pPr marL="3200000" indent="-228600" algn="l" defTabSz="457200" rtl="0" eaLnBrk="1" latinLnBrk="0" hangingPunct="1">
+              <a:buFont typeface="Wingdings" panose="05000000000000000000" pitchFamily="2" charset="2"/>
+              <a:buChar char="Ø"/>
+            </a:pPr>
+            <a:r>
+              <a:rPr lang="it-IT" sz="1600" dirty="0"/>
+              <a:t>SaveArticleController</a:t>
+            </a:r>
+          </a:p>
+          <a:p>
+            <a:pPr marL="742950" lvl="1" indent="-285750">
               <a:spcBef>
                 <a:spcPct val="20000"/>
               </a:spcBef>
@@ -7426,18 +10391,16 @@
               <a:buClr>
                 <a:schemeClr val="accent1"/>
               </a:buClr>
-              <a:buFont typeface="Wingdings 2" charset="2"/>
-              <a:buChar char=""/>
-              <a:defRPr sz="1200" kern="1200">
-                <a:solidFill>
-                  <a:schemeClr val="tx1"/>
-                </a:solidFill>
-                <a:latin typeface="+mn-lt"/>
-                <a:ea typeface="+mn-ea"/>
-                <a:cs typeface="+mn-cs"/>
-              </a:defRPr>
-            </a:lvl8pPr>
-            <a:lvl9pPr marL="3600000" indent="-228600" algn="l" defTabSz="457200" rtl="0" eaLnBrk="1" latinLnBrk="0" hangingPunct="1">
+              <a:buFont typeface="Wingdings" panose="05000000000000000000" pitchFamily="2" charset="2"/>
+              <a:buChar char="Ø"/>
+            </a:pPr>
+            <a:r>
+              <a:rPr lang="it-IT" sz="1600" dirty="0"/>
+              <a:t>SearchController</a:t>
+            </a:r>
+          </a:p>
+          <a:p>
+            <a:pPr marL="742950" lvl="1" indent="-285750">
               <a:spcBef>
                 <a:spcPct val="20000"/>
               </a:spcBef>
@@ -7447,30 +10410,20 @@
               <a:buClr>
                 <a:schemeClr val="accent1"/>
               </a:buClr>
-              <a:buFont typeface="Wingdings 2" charset="2"/>
-              <a:buChar char=""/>
-              <a:defRPr sz="1200" kern="1200">
-                <a:solidFill>
-                  <a:schemeClr val="tx1"/>
-                </a:solidFill>
-                <a:latin typeface="+mn-lt"/>
-                <a:ea typeface="+mn-ea"/>
-                <a:cs typeface="+mn-cs"/>
-              </a:defRPr>
-            </a:lvl9pPr>
-          </a:lstStyle>
-          <a:p>
-            <a:pPr marL="0" indent="0">
-              <a:buNone/>
+              <a:buFont typeface="Wingdings" panose="05000000000000000000" pitchFamily="2" charset="2"/>
+              <a:buChar char="Ø"/>
             </a:pPr>
-            <a:endParaRPr lang="it-IT" dirty="0"/>
+            <a:r>
+              <a:rPr lang="it-IT" sz="1600" dirty="0"/>
+              <a:t>Logout</a:t>
+            </a:r>
           </a:p>
         </p:txBody>
       </p:sp>
     </p:spTree>
     <p:extLst>
       <p:ext uri="{BB962C8B-B14F-4D97-AF65-F5344CB8AC3E}">
-        <p14:creationId xmlns:p14="http://schemas.microsoft.com/office/powerpoint/2010/main" val="766423577"/>
+        <p14:creationId xmlns:p14="http://schemas.microsoft.com/office/powerpoint/2010/main" val="3737424853"/>
       </p:ext>
     </p:extLst>
   </p:cSld>
@@ -7502,7 +10455,7 @@
           <p:cNvPr id="2" name="Titolo 1">
             <a:extLst>
               <a:ext uri="{FF2B5EF4-FFF2-40B4-BE49-F238E27FC236}">
-                <a16:creationId xmlns:a16="http://schemas.microsoft.com/office/drawing/2014/main" id="{DC13C413-FB6E-489C-9C48-1A30E24B23FB}"/>
+                <a16:creationId xmlns:a16="http://schemas.microsoft.com/office/drawing/2014/main" id="{B5B7DC8F-039C-4172-8A11-12712AE5D504}"/>
               </a:ext>
             </a:extLst>
           </p:cNvPr>
@@ -7519,114 +10472,24 @@
           <a:lstStyle/>
           <a:p>
             <a:r>
-              <a:rPr lang="it-IT"/>
-              <a:t>Componenti </a:t>
-            </a:r>
-            <a:r>
-              <a:rPr lang="it-IT" err="1"/>
-              <a:t>Views</a:t>
-            </a:r>
-            <a:endParaRPr lang="it-IT"/>
-          </a:p>
-        </p:txBody>
-      </p:sp>
-      <p:sp>
-        <p:nvSpPr>
-          <p:cNvPr id="3" name="Segnaposto contenuto 2">
-            <a:extLst>
-              <a:ext uri="{FF2B5EF4-FFF2-40B4-BE49-F238E27FC236}">
-                <a16:creationId xmlns:a16="http://schemas.microsoft.com/office/drawing/2014/main" id="{55785B7F-9E12-4C7C-91AE-A6F833B22573}"/>
-              </a:ext>
-            </a:extLst>
-          </p:cNvPr>
-          <p:cNvSpPr>
-            <a:spLocks noGrp="1"/>
-          </p:cNvSpPr>
-          <p:nvPr>
-            <p:ph idx="1"/>
-          </p:nvPr>
-        </p:nvSpPr>
-        <p:spPr>
-          <a:xfrm>
-            <a:off x="1459297" y="2279377"/>
-            <a:ext cx="4105626" cy="3636511"/>
-          </a:xfrm>
-        </p:spPr>
-        <p:txBody>
-          <a:bodyPr anchor="t">
-            <a:normAutofit/>
-          </a:bodyPr>
-          <a:lstStyle/>
-          <a:p>
-            <a:r>
-              <a:rPr lang="it-IT" b="1" dirty="0"/>
-              <a:t>HTML</a:t>
-            </a:r>
-          </a:p>
-          <a:p>
-            <a:pPr lvl="1">
-              <a:buFont typeface="Wingdings" panose="05000000000000000000" pitchFamily="2" charset="2"/>
-              <a:buChar char="Ø"/>
-            </a:pPr>
+              <a:rPr lang="it-IT" dirty="0"/>
+              <a:t>Server side</a:t>
+            </a:r>
+            <a:br>
+              <a:rPr lang="it-IT" dirty="0"/>
+            </a:br>
+            <a:r>
+              <a:rPr lang="it-IT" dirty="0"/>
+              <a:t>Componenti Model-Controller </a:t>
+            </a:r>
             <a:r>
               <a:rPr lang="it-IT" dirty="0" smtClean="0"/>
-              <a:t>l</a:t>
-            </a:r>
-            <a:r>
-              <a:rPr lang="it-IT" dirty="0" smtClean="0"/>
-              <a:t>ogin.html</a:t>
-            </a:r>
-          </a:p>
-          <a:p>
-            <a:pPr lvl="1">
-              <a:buFont typeface="Wingdings" panose="05000000000000000000" pitchFamily="2" charset="2"/>
-              <a:buChar char="Ø"/>
-            </a:pPr>
-            <a:r>
-              <a:rPr lang="it-IT" dirty="0" smtClean="0"/>
-              <a:t>home.html</a:t>
-            </a:r>
-          </a:p>
-          <a:p>
-            <a:pPr lvl="1">
-              <a:buFont typeface="Wingdings" panose="05000000000000000000" pitchFamily="2" charset="2"/>
-              <a:buChar char="Ø"/>
-            </a:pPr>
+              <a:t>(2/2</a:t>
+            </a:r>
             <a:r>
               <a:rPr lang="it-IT" dirty="0"/>
-              <a:t>c</a:t>
-            </a:r>
-            <a:r>
-              <a:rPr lang="it-IT" dirty="0" smtClean="0"/>
-              <a:t>art.html</a:t>
-            </a:r>
-          </a:p>
-          <a:p>
-            <a:pPr lvl="1">
-              <a:buFont typeface="Wingdings" panose="05000000000000000000" pitchFamily="2" charset="2"/>
-              <a:buChar char="Ø"/>
-            </a:pPr>
-            <a:r>
-              <a:rPr lang="it-IT" dirty="0" smtClean="0"/>
-              <a:t>r</a:t>
-            </a:r>
-            <a:r>
-              <a:rPr lang="it-IT" dirty="0" smtClean="0"/>
-              <a:t>esults.html</a:t>
-            </a:r>
-          </a:p>
-          <a:p>
-            <a:pPr lvl="1">
-              <a:buFont typeface="Wingdings" panose="05000000000000000000" pitchFamily="2" charset="2"/>
-              <a:buChar char="Ø"/>
-            </a:pPr>
-            <a:endParaRPr lang="it-IT" dirty="0" smtClean="0"/>
-          </a:p>
-          <a:p>
-            <a:pPr lvl="1">
-              <a:buFont typeface="Wingdings" panose="05000000000000000000" pitchFamily="2" charset="2"/>
-              <a:buChar char="Ø"/>
-            </a:pPr>
+              <a:t>)</a:t>
+            </a:r>
             <a:endParaRPr lang="it-IT" dirty="0"/>
           </a:p>
         </p:txBody>
@@ -7636,7 +10499,7 @@
           <p:cNvPr id="4" name="Segnaposto numero diapositiva 3">
             <a:extLst>
               <a:ext uri="{FF2B5EF4-FFF2-40B4-BE49-F238E27FC236}">
-                <a16:creationId xmlns:a16="http://schemas.microsoft.com/office/drawing/2014/main" id="{9DC9C904-F50B-4D89-8B66-A757CCA54B61}"/>
+                <a16:creationId xmlns:a16="http://schemas.microsoft.com/office/drawing/2014/main" id="{FAFF59A5-58C7-456E-B7E7-ED18A593E71C}"/>
               </a:ext>
             </a:extLst>
           </p:cNvPr>
@@ -7666,7 +10529,7 @@
           <p:cNvPr id="5" name="Segnaposto contenuto 2">
             <a:extLst>
               <a:ext uri="{FF2B5EF4-FFF2-40B4-BE49-F238E27FC236}">
-                <a16:creationId xmlns:a16="http://schemas.microsoft.com/office/drawing/2014/main" id="{02FC0920-AB30-4A59-AAED-768D77C433E3}"/>
+                <a16:creationId xmlns:a16="http://schemas.microsoft.com/office/drawing/2014/main" id="{79469055-FC84-4FA9-A019-02317B9171DC}"/>
               </a:ext>
             </a:extLst>
           </p:cNvPr>
@@ -7677,8 +10540,8 @@
         </p:nvSpPr>
         <p:spPr>
           <a:xfrm>
-            <a:off x="6572705" y="2279377"/>
-            <a:ext cx="4105626" cy="3636511"/>
+            <a:off x="732945" y="2677668"/>
+            <a:ext cx="5132278" cy="3728819"/>
           </a:xfrm>
           <a:prstGeom prst="rect">
             <a:avLst/>
@@ -7693,7 +10556,7 @@
         </p:spPr>
         <p:txBody>
           <a:bodyPr vert="horz" lIns="91440" tIns="45720" rIns="91440" bIns="45720" rtlCol="0" anchor="t">
-            <a:normAutofit/>
+            <a:normAutofit fontScale="77500" lnSpcReduction="20000"/>
           </a:bodyPr>
           <a:lstStyle>
             <a:lvl1pPr marL="342900" indent="-342900" algn="l" defTabSz="457200" rtl="0" eaLnBrk="1" latinLnBrk="0" hangingPunct="1">
@@ -7889,7 +10752,7 @@
           <a:p>
             <a:r>
               <a:rPr lang="it-IT" b="1" dirty="0"/>
-              <a:t>CSS</a:t>
+              <a:t>Data Access Objects (DAO)</a:t>
             </a:r>
           </a:p>
           <a:p>
@@ -7899,19 +10762,26 @@
             </a:pPr>
             <a:r>
               <a:rPr lang="it-IT" dirty="0" smtClean="0"/>
-              <a:t>Style.css</a:t>
-            </a:r>
-          </a:p>
-          <a:p>
-            <a:pPr>
-              <a:buFont typeface="Courier New" panose="02070309020205020404" pitchFamily="49" charset="0"/>
-              <a:buChar char="o"/>
+              <a:t>UserDAO</a:t>
+            </a:r>
+          </a:p>
+          <a:p>
+            <a:pPr lvl="2">
+              <a:buFont typeface="Wingdings" panose="05000000000000000000" pitchFamily="2" charset="2"/>
+              <a:buChar char="q"/>
             </a:pPr>
             <a:r>
-              <a:rPr lang="it-IT" b="1" dirty="0" smtClean="0"/>
-              <a:t>JS</a:t>
-            </a:r>
-            <a:endParaRPr lang="it-IT" b="1" dirty="0"/>
+              <a:rPr lang="it-IT" dirty="0" smtClean="0"/>
+              <a:t>checkCredentials(usrn</a:t>
+            </a:r>
+            <a:r>
+              <a:rPr lang="it-IT" dirty="0"/>
+              <a:t>, </a:t>
+            </a:r>
+            <a:r>
+              <a:rPr lang="it-IT" dirty="0" smtClean="0"/>
+              <a:t>pwd): Optional&lt;UserBean&gt;</a:t>
+            </a:r>
           </a:p>
           <a:p>
             <a:pPr lvl="1">
@@ -7920,18 +10790,69 @@
             </a:pPr>
             <a:r>
               <a:rPr lang="it-IT" dirty="0" smtClean="0"/>
-              <a:t>Qualcosa.js</a:t>
-            </a:r>
-            <a:endParaRPr lang="it-IT" dirty="0"/>
-          </a:p>
-          <a:p>
-            <a:pPr>
-              <a:buFont typeface="Courier New" panose="02070309020205020404" pitchFamily="49" charset="0"/>
-              <a:buChar char="o"/>
+              <a:t>ArticleDAO</a:t>
+            </a:r>
+          </a:p>
+          <a:p>
+            <a:pPr lvl="2">
+              <a:buFont typeface="Wingdings" panose="05000000000000000000" pitchFamily="2" charset="2"/>
+              <a:buChar char="q"/>
             </a:pPr>
             <a:r>
-              <a:rPr lang="it-IT" b="1" dirty="0"/>
-              <a:t>Fragments</a:t>
+              <a:rPr lang="it-IT" dirty="0" smtClean="0"/>
+              <a:t>findArticleById(id): Optional&lt;ArticleBean&gt;</a:t>
+            </a:r>
+          </a:p>
+          <a:p>
+            <a:pPr lvl="2">
+              <a:buFont typeface="Wingdings" panose="05000000000000000000" pitchFamily="2" charset="2"/>
+              <a:buChar char="q"/>
+            </a:pPr>
+            <a:r>
+              <a:rPr lang="it-IT" dirty="0" smtClean="0"/>
+              <a:t>findArticleByKeyword(keyword): List&lt;ArticleBean</a:t>
+            </a:r>
+            <a:r>
+              <a:rPr lang="it-IT" dirty="0"/>
+              <a:t>&gt;</a:t>
+            </a:r>
+          </a:p>
+          <a:p>
+            <a:pPr lvl="2">
+              <a:buFont typeface="Wingdings" panose="05000000000000000000" pitchFamily="2" charset="2"/>
+              <a:buChar char="q"/>
+            </a:pPr>
+            <a:r>
+              <a:rPr lang="it-IT" dirty="0" smtClean="0"/>
+              <a:t>findArticleByViews(userid): List&lt;ArticleBean</a:t>
+            </a:r>
+            <a:r>
+              <a:rPr lang="it-IT" dirty="0"/>
+              <a:t>&gt;</a:t>
+            </a:r>
+          </a:p>
+          <a:p>
+            <a:pPr lvl="2">
+              <a:buFont typeface="Wingdings" panose="05000000000000000000" pitchFamily="2" charset="2"/>
+              <a:buChar char="q"/>
+            </a:pPr>
+            <a:r>
+              <a:rPr lang="it-IT" dirty="0" smtClean="0"/>
+              <a:t>findLastArticles(limit): </a:t>
+            </a:r>
+            <a:r>
+              <a:rPr lang="it-IT" dirty="0"/>
+              <a:t>List&lt;ArticleBean&gt;</a:t>
+            </a:r>
+          </a:p>
+          <a:p>
+            <a:pPr lvl="2">
+              <a:buFont typeface="Wingdings" panose="05000000000000000000" pitchFamily="2" charset="2"/>
+              <a:buChar char="q"/>
+            </a:pPr>
+            <a:r>
+              <a:rPr lang="it-IT" dirty="0" smtClean="0"/>
+              <a:t>getArticePrice(sellerId, articleId): price</a:t>
             </a:r>
           </a:p>
           <a:p>
@@ -7941,16 +10862,533 @@
             </a:pPr>
             <a:r>
               <a:rPr lang="it-IT" dirty="0" smtClean="0"/>
-              <a:t>navbar.html</a:t>
-            </a:r>
+              <a:t>OrderDAO</a:t>
+            </a:r>
+          </a:p>
+          <a:p>
+            <a:pPr lvl="2">
+              <a:buFont typeface="Wingdings" panose="05000000000000000000" pitchFamily="2" charset="2"/>
+              <a:buChar char="q"/>
+            </a:pPr>
+            <a:r>
+              <a:rPr lang="it-IT" dirty="0" smtClean="0"/>
+              <a:t>findOrderById(orderId): Optional&lt;OrderBean&gt;</a:t>
+            </a:r>
+          </a:p>
+          <a:p>
+            <a:pPr lvl="2">
+              <a:buFont typeface="Wingdings" panose="05000000000000000000" pitchFamily="2" charset="2"/>
+              <a:buChar char="q"/>
+            </a:pPr>
+            <a:r>
+              <a:rPr lang="it-IT" dirty="0" smtClean="0"/>
+              <a:t>findOrders(userId): List&lt;OrderBean&gt;</a:t>
+            </a:r>
+          </a:p>
+          <a:p>
+            <a:pPr lvl="2">
+              <a:buFont typeface="Wingdings" panose="05000000000000000000" pitchFamily="2" charset="2"/>
+              <a:buChar char="q"/>
+            </a:pPr>
+            <a:r>
+              <a:rPr lang="it-IT" dirty="0" smtClean="0"/>
+              <a:t>createOrder(orderBean)</a:t>
+            </a:r>
+          </a:p>
+          <a:p>
+            <a:pPr lvl="2">
+              <a:buFont typeface="Wingdings" panose="05000000000000000000" pitchFamily="2" charset="2"/>
+              <a:buChar char="q"/>
+            </a:pPr>
+            <a:r>
+              <a:rPr lang="it-IT" dirty="0" smtClean="0"/>
+              <a:t>findArticlesByOrderId(orderId, sellerId): List&lt;ArticleBean&gt;</a:t>
+            </a:r>
+          </a:p>
+        </p:txBody>
+      </p:sp>
+      <p:sp>
+        <p:nvSpPr>
+          <p:cNvPr id="6" name="Segnaposto contenuto 2">
+            <a:extLst>
+              <a:ext uri="{FF2B5EF4-FFF2-40B4-BE49-F238E27FC236}">
+                <a16:creationId xmlns:a16="http://schemas.microsoft.com/office/drawing/2014/main" id="{BE9FC96A-1CE1-443C-B285-FAA6B6241536}"/>
+              </a:ext>
+            </a:extLst>
+          </p:cNvPr>
+          <p:cNvSpPr txBox="1">
+            <a:spLocks/>
+          </p:cNvSpPr>
+          <p:nvPr/>
+        </p:nvSpPr>
+        <p:spPr>
+          <a:xfrm>
+            <a:off x="5920754" y="2889680"/>
+            <a:ext cx="3707933" cy="2375388"/>
+          </a:xfrm>
+          <a:prstGeom prst="rect">
+            <a:avLst/>
+          </a:prstGeom>
+          <a:effectLst>
+            <a:outerShdw blurRad="50800" dir="14400000">
+              <a:srgbClr val="000000">
+                <a:alpha val="40000"/>
+              </a:srgbClr>
+            </a:outerShdw>
+          </a:effectLst>
+        </p:spPr>
+        <p:txBody>
+          <a:bodyPr vert="horz" lIns="91440" tIns="45720" rIns="91440" bIns="45720" rtlCol="0" anchor="t">
+            <a:normAutofit/>
+          </a:bodyPr>
+          <a:lstStyle>
+            <a:lvl1pPr marL="342900" indent="-342900" algn="l" defTabSz="457200" rtl="0" eaLnBrk="1" latinLnBrk="0" hangingPunct="1">
+              <a:spcBef>
+                <a:spcPct val="20000"/>
+              </a:spcBef>
+              <a:spcAft>
+                <a:spcPts val="600"/>
+              </a:spcAft>
+              <a:buClr>
+                <a:schemeClr val="accent1"/>
+              </a:buClr>
+              <a:buFont typeface="Wingdings 2" charset="2"/>
+              <a:buChar char=""/>
+              <a:defRPr sz="1800" kern="1200">
+                <a:solidFill>
+                  <a:schemeClr val="tx1"/>
+                </a:solidFill>
+                <a:latin typeface="+mn-lt"/>
+                <a:ea typeface="+mn-ea"/>
+                <a:cs typeface="+mn-cs"/>
+              </a:defRPr>
+            </a:lvl1pPr>
+            <a:lvl2pPr marL="742950" indent="-285750" algn="l" defTabSz="457200" rtl="0" eaLnBrk="1" latinLnBrk="0" hangingPunct="1">
+              <a:spcBef>
+                <a:spcPct val="20000"/>
+              </a:spcBef>
+              <a:spcAft>
+                <a:spcPts val="600"/>
+              </a:spcAft>
+              <a:buClr>
+                <a:schemeClr val="accent1"/>
+              </a:buClr>
+              <a:buFont typeface="Wingdings 2" charset="2"/>
+              <a:buChar char=""/>
+              <a:defRPr sz="1600" kern="1200">
+                <a:solidFill>
+                  <a:schemeClr val="tx1"/>
+                </a:solidFill>
+                <a:latin typeface="+mn-lt"/>
+                <a:ea typeface="+mn-ea"/>
+                <a:cs typeface="+mn-cs"/>
+              </a:defRPr>
+            </a:lvl2pPr>
+            <a:lvl3pPr marL="1143000" indent="-228600" algn="l" defTabSz="457200" rtl="0" eaLnBrk="1" latinLnBrk="0" hangingPunct="1">
+              <a:spcBef>
+                <a:spcPct val="20000"/>
+              </a:spcBef>
+              <a:spcAft>
+                <a:spcPts val="600"/>
+              </a:spcAft>
+              <a:buClr>
+                <a:schemeClr val="accent1"/>
+              </a:buClr>
+              <a:buFont typeface="Wingdings 2" charset="2"/>
+              <a:buChar char=""/>
+              <a:defRPr sz="1400" kern="1200">
+                <a:solidFill>
+                  <a:schemeClr val="tx1"/>
+                </a:solidFill>
+                <a:latin typeface="+mn-lt"/>
+                <a:ea typeface="+mn-ea"/>
+                <a:cs typeface="+mn-cs"/>
+              </a:defRPr>
+            </a:lvl3pPr>
+            <a:lvl4pPr marL="1600200" indent="-228600" algn="l" defTabSz="457200" rtl="0" eaLnBrk="1" latinLnBrk="0" hangingPunct="1">
+              <a:spcBef>
+                <a:spcPct val="20000"/>
+              </a:spcBef>
+              <a:spcAft>
+                <a:spcPts val="600"/>
+              </a:spcAft>
+              <a:buClr>
+                <a:schemeClr val="accent1"/>
+              </a:buClr>
+              <a:buFont typeface="Wingdings 2" charset="2"/>
+              <a:buChar char=""/>
+              <a:defRPr sz="1200" kern="1200">
+                <a:solidFill>
+                  <a:schemeClr val="tx1"/>
+                </a:solidFill>
+                <a:latin typeface="+mn-lt"/>
+                <a:ea typeface="+mn-ea"/>
+                <a:cs typeface="+mn-cs"/>
+              </a:defRPr>
+            </a:lvl4pPr>
+            <a:lvl5pPr marL="2057400" indent="-228600" algn="l" defTabSz="457200" rtl="0" eaLnBrk="1" latinLnBrk="0" hangingPunct="1">
+              <a:spcBef>
+                <a:spcPct val="20000"/>
+              </a:spcBef>
+              <a:spcAft>
+                <a:spcPts val="600"/>
+              </a:spcAft>
+              <a:buClr>
+                <a:schemeClr val="accent1"/>
+              </a:buClr>
+              <a:buFont typeface="Wingdings 2" charset="2"/>
+              <a:buChar char=""/>
+              <a:defRPr sz="1200" kern="1200">
+                <a:solidFill>
+                  <a:schemeClr val="tx1"/>
+                </a:solidFill>
+                <a:latin typeface="+mn-lt"/>
+                <a:ea typeface="+mn-ea"/>
+                <a:cs typeface="+mn-cs"/>
+              </a:defRPr>
+            </a:lvl5pPr>
+            <a:lvl6pPr marL="2400000" indent="-228600" algn="l" defTabSz="457200" rtl="0" eaLnBrk="1" latinLnBrk="0" hangingPunct="1">
+              <a:spcBef>
+                <a:spcPct val="20000"/>
+              </a:spcBef>
+              <a:spcAft>
+                <a:spcPts val="600"/>
+              </a:spcAft>
+              <a:buClr>
+                <a:schemeClr val="accent1"/>
+              </a:buClr>
+              <a:buFont typeface="Wingdings 2" charset="2"/>
+              <a:buChar char=""/>
+              <a:defRPr sz="1200" kern="1200">
+                <a:solidFill>
+                  <a:schemeClr val="tx1"/>
+                </a:solidFill>
+                <a:latin typeface="+mn-lt"/>
+                <a:ea typeface="+mn-ea"/>
+                <a:cs typeface="+mn-cs"/>
+              </a:defRPr>
+            </a:lvl6pPr>
+            <a:lvl7pPr marL="2800000" indent="-228600" algn="l" defTabSz="457200" rtl="0" eaLnBrk="1" latinLnBrk="0" hangingPunct="1">
+              <a:spcBef>
+                <a:spcPct val="20000"/>
+              </a:spcBef>
+              <a:spcAft>
+                <a:spcPts val="600"/>
+              </a:spcAft>
+              <a:buClr>
+                <a:schemeClr val="accent1"/>
+              </a:buClr>
+              <a:buFont typeface="Wingdings 2" charset="2"/>
+              <a:buChar char=""/>
+              <a:defRPr sz="1200" kern="1200">
+                <a:solidFill>
+                  <a:schemeClr val="tx1"/>
+                </a:solidFill>
+                <a:latin typeface="+mn-lt"/>
+                <a:ea typeface="+mn-ea"/>
+                <a:cs typeface="+mn-cs"/>
+              </a:defRPr>
+            </a:lvl7pPr>
+            <a:lvl8pPr marL="3200000" indent="-228600" algn="l" defTabSz="457200" rtl="0" eaLnBrk="1" latinLnBrk="0" hangingPunct="1">
+              <a:spcBef>
+                <a:spcPct val="20000"/>
+              </a:spcBef>
+              <a:spcAft>
+                <a:spcPts val="600"/>
+              </a:spcAft>
+              <a:buClr>
+                <a:schemeClr val="accent1"/>
+              </a:buClr>
+              <a:buFont typeface="Wingdings 2" charset="2"/>
+              <a:buChar char=""/>
+              <a:defRPr sz="1200" kern="1200">
+                <a:solidFill>
+                  <a:schemeClr val="tx1"/>
+                </a:solidFill>
+                <a:latin typeface="+mn-lt"/>
+                <a:ea typeface="+mn-ea"/>
+                <a:cs typeface="+mn-cs"/>
+              </a:defRPr>
+            </a:lvl8pPr>
+            <a:lvl9pPr marL="3600000" indent="-228600" algn="l" defTabSz="457200" rtl="0" eaLnBrk="1" latinLnBrk="0" hangingPunct="1">
+              <a:spcBef>
+                <a:spcPct val="20000"/>
+              </a:spcBef>
+              <a:spcAft>
+                <a:spcPts val="600"/>
+              </a:spcAft>
+              <a:buClr>
+                <a:schemeClr val="accent1"/>
+              </a:buClr>
+              <a:buFont typeface="Wingdings 2" charset="2"/>
+              <a:buChar char=""/>
+              <a:defRPr sz="1200" kern="1200">
+                <a:solidFill>
+                  <a:schemeClr val="tx1"/>
+                </a:solidFill>
+                <a:latin typeface="+mn-lt"/>
+                <a:ea typeface="+mn-ea"/>
+                <a:cs typeface="+mn-cs"/>
+              </a:defRPr>
+            </a:lvl9pPr>
+          </a:lstStyle>
+          <a:p>
+            <a:pPr marL="0" indent="0">
+              <a:buNone/>
+            </a:pPr>
             <a:endParaRPr lang="it-IT" dirty="0"/>
+          </a:p>
+        </p:txBody>
+      </p:sp>
+      <p:sp>
+        <p:nvSpPr>
+          <p:cNvPr id="16" name="Rectangle 15"/>
+          <p:cNvSpPr/>
+          <p:nvPr/>
+        </p:nvSpPr>
+        <p:spPr>
+          <a:xfrm>
+            <a:off x="5644486" y="3033371"/>
+            <a:ext cx="6096000" cy="2443746"/>
+          </a:xfrm>
+          <a:prstGeom prst="rect">
+            <a:avLst/>
+          </a:prstGeom>
+        </p:spPr>
+        <p:txBody>
+          <a:bodyPr>
+            <a:spAutoFit/>
+          </a:bodyPr>
+          <a:lstStyle/>
+          <a:p>
+            <a:pPr marL="742950" lvl="1" indent="-285750">
+              <a:lnSpc>
+                <a:spcPct val="80000"/>
+              </a:lnSpc>
+              <a:spcBef>
+                <a:spcPct val="20000"/>
+              </a:spcBef>
+              <a:spcAft>
+                <a:spcPts val="600"/>
+              </a:spcAft>
+              <a:buClr>
+                <a:schemeClr val="accent1"/>
+              </a:buClr>
+              <a:buFont typeface="Wingdings" panose="05000000000000000000" pitchFamily="2" charset="2"/>
+              <a:buChar char="Ø"/>
+            </a:pPr>
+            <a:r>
+              <a:rPr lang="it-IT" sz="1100" dirty="0" smtClean="0"/>
+              <a:t>SellerDAO</a:t>
+            </a:r>
+          </a:p>
+          <a:p>
+            <a:pPr marL="1200150" lvl="2" indent="-285750">
+              <a:lnSpc>
+                <a:spcPct val="80000"/>
+              </a:lnSpc>
+              <a:spcBef>
+                <a:spcPct val="20000"/>
+              </a:spcBef>
+              <a:spcAft>
+                <a:spcPts val="600"/>
+              </a:spcAft>
+              <a:buClr>
+                <a:schemeClr val="accent1"/>
+              </a:buClr>
+              <a:buFont typeface="Wingdings" panose="05000000000000000000" pitchFamily="2" charset="2"/>
+              <a:buChar char="q"/>
+            </a:pPr>
+            <a:r>
+              <a:rPr lang="it-IT" sz="1100" dirty="0" smtClean="0"/>
+              <a:t>getSellerFromId(id): Optional&lt;SellerBean&gt;</a:t>
+            </a:r>
+          </a:p>
+          <a:p>
+            <a:pPr marL="1200150" lvl="2" indent="-285750">
+              <a:lnSpc>
+                <a:spcPct val="80000"/>
+              </a:lnSpc>
+              <a:spcBef>
+                <a:spcPct val="20000"/>
+              </a:spcBef>
+              <a:spcAft>
+                <a:spcPts val="600"/>
+              </a:spcAft>
+              <a:buClr>
+                <a:schemeClr val="accent1"/>
+              </a:buClr>
+              <a:buFont typeface="Wingdings" panose="05000000000000000000" pitchFamily="2" charset="2"/>
+              <a:buChar char="q"/>
+            </a:pPr>
+            <a:r>
+              <a:rPr lang="it-IT" sz="1100" dirty="0" smtClean="0"/>
+              <a:t>findSellersByArticleId(articleId): List&lt;SellerBean&gt; </a:t>
+            </a:r>
+          </a:p>
+          <a:p>
+            <a:pPr marL="742950" lvl="1" indent="-285750">
+              <a:lnSpc>
+                <a:spcPct val="80000"/>
+              </a:lnSpc>
+              <a:spcBef>
+                <a:spcPct val="20000"/>
+              </a:spcBef>
+              <a:spcAft>
+                <a:spcPts val="600"/>
+              </a:spcAft>
+              <a:buClr>
+                <a:schemeClr val="accent1"/>
+              </a:buClr>
+              <a:buFont typeface="Wingdings" panose="05000000000000000000" pitchFamily="2" charset="2"/>
+              <a:buChar char="Ø"/>
+            </a:pPr>
+            <a:r>
+              <a:rPr lang="it-IT" sz="1100" dirty="0" smtClean="0"/>
+              <a:t>SellerArticleDAO</a:t>
+            </a:r>
+          </a:p>
+          <a:p>
+            <a:pPr marL="1200150" lvl="2" indent="-285750">
+              <a:lnSpc>
+                <a:spcPct val="80000"/>
+              </a:lnSpc>
+              <a:spcBef>
+                <a:spcPct val="20000"/>
+              </a:spcBef>
+              <a:spcAft>
+                <a:spcPts val="600"/>
+              </a:spcAft>
+              <a:buClr>
+                <a:schemeClr val="accent1"/>
+              </a:buClr>
+              <a:buFont typeface="Wingdings" panose="05000000000000000000" pitchFamily="2" charset="2"/>
+              <a:buChar char="q"/>
+            </a:pPr>
+            <a:r>
+              <a:rPr lang="it-IT" sz="1100" dirty="0" smtClean="0"/>
+              <a:t>findEntry(articleId, sellerId): Optional&lt;SelleArticleEntity&gt;</a:t>
+            </a:r>
+            <a:endParaRPr lang="it-IT" sz="1100" dirty="0"/>
+          </a:p>
+          <a:p>
+            <a:pPr marL="742950" lvl="1" indent="-285750">
+              <a:lnSpc>
+                <a:spcPct val="80000"/>
+              </a:lnSpc>
+              <a:spcBef>
+                <a:spcPct val="20000"/>
+              </a:spcBef>
+              <a:spcAft>
+                <a:spcPts val="600"/>
+              </a:spcAft>
+              <a:buClr>
+                <a:schemeClr val="accent1"/>
+              </a:buClr>
+              <a:buFont typeface="Wingdings" panose="05000000000000000000" pitchFamily="2" charset="2"/>
+              <a:buChar char="Ø"/>
+            </a:pPr>
+            <a:r>
+              <a:rPr lang="it-IT" sz="1100" dirty="0" smtClean="0"/>
+              <a:t>ShipmentPolicyDAO</a:t>
+            </a:r>
+          </a:p>
+          <a:p>
+            <a:pPr marL="1200150" lvl="2" indent="-285750">
+              <a:lnSpc>
+                <a:spcPct val="80000"/>
+              </a:lnSpc>
+              <a:spcBef>
+                <a:spcPct val="20000"/>
+              </a:spcBef>
+              <a:spcAft>
+                <a:spcPts val="600"/>
+              </a:spcAft>
+              <a:buClr>
+                <a:schemeClr val="accent1"/>
+              </a:buClr>
+              <a:buFont typeface="Wingdings" panose="05000000000000000000" pitchFamily="2" charset="2"/>
+              <a:buChar char="q"/>
+            </a:pPr>
+            <a:r>
+              <a:rPr lang="it-IT" sz="1100" dirty="0" smtClean="0"/>
+              <a:t>findPolicyByQty(sellerId, qty): Optional&lt;ShippingPolicyBean&gt;</a:t>
+            </a:r>
+          </a:p>
+          <a:p>
+            <a:pPr marL="1200150" lvl="2" indent="-285750">
+              <a:lnSpc>
+                <a:spcPct val="80000"/>
+              </a:lnSpc>
+              <a:spcBef>
+                <a:spcPct val="20000"/>
+              </a:spcBef>
+              <a:spcAft>
+                <a:spcPts val="600"/>
+              </a:spcAft>
+              <a:buClr>
+                <a:schemeClr val="accent1"/>
+              </a:buClr>
+              <a:buFont typeface="Wingdings" panose="05000000000000000000" pitchFamily="2" charset="2"/>
+              <a:buChar char="q"/>
+            </a:pPr>
+            <a:r>
+              <a:rPr lang="it-IT" sz="1100" dirty="0" smtClean="0"/>
+              <a:t>findPoliciesBySellerId(sellerId): List&lt;ShippingPolicyBean&gt;</a:t>
+            </a:r>
+            <a:endParaRPr lang="it-IT" sz="1100" dirty="0"/>
+          </a:p>
+          <a:p>
+            <a:pPr marL="742950" lvl="1" indent="-285750">
+              <a:lnSpc>
+                <a:spcPct val="80000"/>
+              </a:lnSpc>
+              <a:spcBef>
+                <a:spcPct val="20000"/>
+              </a:spcBef>
+              <a:spcAft>
+                <a:spcPts val="600"/>
+              </a:spcAft>
+              <a:buClr>
+                <a:schemeClr val="accent1"/>
+              </a:buClr>
+              <a:buFont typeface="Wingdings" panose="05000000000000000000" pitchFamily="2" charset="2"/>
+              <a:buChar char="Ø"/>
+            </a:pPr>
+            <a:r>
+              <a:rPr lang="it-IT" sz="1100" dirty="0" smtClean="0"/>
+              <a:t>ViewDAO</a:t>
+            </a:r>
+          </a:p>
+          <a:p>
+            <a:pPr marL="1200150" lvl="2" indent="-285750">
+              <a:lnSpc>
+                <a:spcPct val="80000"/>
+              </a:lnSpc>
+              <a:spcBef>
+                <a:spcPct val="20000"/>
+              </a:spcBef>
+              <a:spcAft>
+                <a:spcPts val="600"/>
+              </a:spcAft>
+              <a:buClr>
+                <a:schemeClr val="accent1"/>
+              </a:buClr>
+              <a:buFont typeface="Wingdings" panose="05000000000000000000" pitchFamily="2" charset="2"/>
+              <a:buChar char="q"/>
+            </a:pPr>
+            <a:r>
+              <a:rPr lang="it-IT" sz="1100" dirty="0" smtClean="0"/>
+              <a:t>insertView(viewEntity)</a:t>
+            </a:r>
+            <a:endParaRPr lang="it-IT" sz="1100" dirty="0"/>
           </a:p>
         </p:txBody>
       </p:sp>
     </p:spTree>
     <p:extLst>
       <p:ext uri="{BB962C8B-B14F-4D97-AF65-F5344CB8AC3E}">
-        <p14:creationId xmlns:p14="http://schemas.microsoft.com/office/powerpoint/2010/main" val="1962222965"/>
+        <p14:creationId xmlns:p14="http://schemas.microsoft.com/office/powerpoint/2010/main" val="766423577"/>
       </p:ext>
     </p:extLst>
   </p:cSld>
@@ -8427,18 +11865,18 @@
 </file>
 
 <file path=customXml/item2.xml><?xml version="1.0" encoding="utf-8"?>
+<p:properties xmlns:p="http://schemas.microsoft.com/office/2006/metadata/properties" xmlns:xsi="http://www.w3.org/2001/XMLSchema-instance" xmlns:pc="http://schemas.microsoft.com/office/infopath/2007/PartnerControls">
+  <documentManagement/>
+</p:properties>
+</file>
+
+<file path=customXml/item3.xml><?xml version="1.0" encoding="utf-8"?>
 <?mso-contentType ?>
 <FormTemplates xmlns="http://schemas.microsoft.com/sharepoint/v3/contenttype/forms">
   <Display>DocumentLibraryForm</Display>
   <Edit>DocumentLibraryForm</Edit>
   <New>DocumentLibraryForm</New>
 </FormTemplates>
-</file>
-
-<file path=customXml/item3.xml><?xml version="1.0" encoding="utf-8"?>
-<p:properties xmlns:p="http://schemas.microsoft.com/office/2006/metadata/properties" xmlns:xsi="http://www.w3.org/2001/XMLSchema-instance" xmlns:pc="http://schemas.microsoft.com/office/infopath/2007/PartnerControls">
-  <documentManagement/>
-</p:properties>
 </file>
 
 <file path=customXml/itemProps1.xml><?xml version="1.0" encoding="utf-8"?>
@@ -8461,26 +11899,26 @@
 </file>
 
 <file path=customXml/itemProps2.xml><?xml version="1.0" encoding="utf-8"?>
+<ds:datastoreItem xmlns:ds="http://schemas.openxmlformats.org/officeDocument/2006/customXml" ds:itemID="{C3A5048E-4585-4A41-9B60-63684990786A}">
+  <ds:schemaRefs>
+    <ds:schemaRef ds:uri="http://schemas.microsoft.com/office/2006/documentManagement/types"/>
+    <ds:schemaRef ds:uri="http://schemas.openxmlformats.org/package/2006/metadata/core-properties"/>
+    <ds:schemaRef ds:uri="http://purl.org/dc/terms/"/>
+    <ds:schemaRef ds:uri="http://purl.org/dc/elements/1.1/"/>
+    <ds:schemaRef ds:uri="http://www.w3.org/XML/1998/namespace"/>
+    <ds:schemaRef ds:uri="http://schemas.microsoft.com/office/infopath/2007/PartnerControls"/>
+    <ds:schemaRef ds:uri="http://purl.org/dc/dcmitype/"/>
+    <ds:schemaRef ds:uri="a39ed30e-e404-40bb-8308-aa03e085f91e"/>
+    <ds:schemaRef ds:uri="7faec442-65fb-4342-af88-d7bf081dd003"/>
+    <ds:schemaRef ds:uri="http://schemas.microsoft.com/office/2006/metadata/properties"/>
+  </ds:schemaRefs>
+</ds:datastoreItem>
+</file>
+
+<file path=customXml/itemProps3.xml><?xml version="1.0" encoding="utf-8"?>
 <ds:datastoreItem xmlns:ds="http://schemas.openxmlformats.org/officeDocument/2006/customXml" ds:itemID="{61FAD3DF-8367-436C-B779-79F89133C2B9}">
   <ds:schemaRefs>
     <ds:schemaRef ds:uri="http://schemas.microsoft.com/sharepoint/v3/contenttype/forms"/>
   </ds:schemaRefs>
 </ds:datastoreItem>
-</file>
-
-<file path=customXml/itemProps3.xml><?xml version="1.0" encoding="utf-8"?>
-<ds:datastoreItem xmlns:ds="http://schemas.openxmlformats.org/officeDocument/2006/customXml" ds:itemID="{C3A5048E-4585-4A41-9B60-63684990786A}">
-  <ds:schemaRefs>
-    <ds:schemaRef ds:uri="http://schemas.microsoft.com/office/infopath/2007/PartnerControls"/>
-    <ds:schemaRef ds:uri="a39ed30e-e404-40bb-8308-aa03e085f91e"/>
-    <ds:schemaRef ds:uri="http://schemas.microsoft.com/office/2006/metadata/properties"/>
-    <ds:schemaRef ds:uri="http://purl.org/dc/dcmitype/"/>
-    <ds:schemaRef ds:uri="http://purl.org/dc/elements/1.1/"/>
-    <ds:schemaRef ds:uri="http://purl.org/dc/terms/"/>
-    <ds:schemaRef ds:uri="http://schemas.microsoft.com/office/2006/documentManagement/types"/>
-    <ds:schemaRef ds:uri="http://schemas.openxmlformats.org/package/2006/metadata/core-properties"/>
-    <ds:schemaRef ds:uri="http://www.w3.org/XML/1998/namespace"/>
-    <ds:schemaRef ds:uri="7faec442-65fb-4342-af88-d7bf081dd003"/>
-  </ds:schemaRefs>
-</ds:datastoreItem>
 </file>